--- a/Figs/Presentation1.pptx
+++ b/Figs/Presentation1.pptx
@@ -6,6 +6,7 @@
   </p:sldMasterIdLst>
   <p:sldIdLst>
     <p:sldId id="256" r:id="rId2"/>
+    <p:sldId id="257" r:id="rId3"/>
   </p:sldIdLst>
   <p:sldSz cx="12192000" cy="6858000"/>
   <p:notesSz cx="6858000" cy="9144000"/>
@@ -104,6 +105,11 @@
       </a:defRPr>
     </a:lvl9pPr>
   </p:defaultTextStyle>
+  <p:extLst>
+    <p:ext uri="{EFAFB233-063F-42B5-8137-9DF3F51BA10A}">
+      <p15:sldGuideLst xmlns:p15="http://schemas.microsoft.com/office/powerpoint/2012/main"/>
+    </p:ext>
+  </p:extLst>
 </p:presentation>
 </file>
 
@@ -238,7 +244,7 @@
           <a:p>
             <a:fld id="{50AA625E-AE68-7342-9733-3D236D21CEB3}" type="datetimeFigureOut">
               <a:rPr lang="en-US" smtClean="0"/>
-              <a:t>1/15/21</a:t>
+              <a:t>1/19/21</a:t>
             </a:fld>
             <a:endParaRPr lang="en-US"/>
           </a:p>
@@ -408,7 +414,7 @@
           <a:p>
             <a:fld id="{50AA625E-AE68-7342-9733-3D236D21CEB3}" type="datetimeFigureOut">
               <a:rPr lang="en-US" smtClean="0"/>
-              <a:t>1/15/21</a:t>
+              <a:t>1/19/21</a:t>
             </a:fld>
             <a:endParaRPr lang="en-US"/>
           </a:p>
@@ -588,7 +594,7 @@
           <a:p>
             <a:fld id="{50AA625E-AE68-7342-9733-3D236D21CEB3}" type="datetimeFigureOut">
               <a:rPr lang="en-US" smtClean="0"/>
-              <a:t>1/15/21</a:t>
+              <a:t>1/19/21</a:t>
             </a:fld>
             <a:endParaRPr lang="en-US"/>
           </a:p>
@@ -758,7 +764,7 @@
           <a:p>
             <a:fld id="{50AA625E-AE68-7342-9733-3D236D21CEB3}" type="datetimeFigureOut">
               <a:rPr lang="en-US" smtClean="0"/>
-              <a:t>1/15/21</a:t>
+              <a:t>1/19/21</a:t>
             </a:fld>
             <a:endParaRPr lang="en-US"/>
           </a:p>
@@ -1004,7 +1010,7 @@
           <a:p>
             <a:fld id="{50AA625E-AE68-7342-9733-3D236D21CEB3}" type="datetimeFigureOut">
               <a:rPr lang="en-US" smtClean="0"/>
-              <a:t>1/15/21</a:t>
+              <a:t>1/19/21</a:t>
             </a:fld>
             <a:endParaRPr lang="en-US"/>
           </a:p>
@@ -1236,7 +1242,7 @@
           <a:p>
             <a:fld id="{50AA625E-AE68-7342-9733-3D236D21CEB3}" type="datetimeFigureOut">
               <a:rPr lang="en-US" smtClean="0"/>
-              <a:t>1/15/21</a:t>
+              <a:t>1/19/21</a:t>
             </a:fld>
             <a:endParaRPr lang="en-US"/>
           </a:p>
@@ -1603,7 +1609,7 @@
           <a:p>
             <a:fld id="{50AA625E-AE68-7342-9733-3D236D21CEB3}" type="datetimeFigureOut">
               <a:rPr lang="en-US" smtClean="0"/>
-              <a:t>1/15/21</a:t>
+              <a:t>1/19/21</a:t>
             </a:fld>
             <a:endParaRPr lang="en-US"/>
           </a:p>
@@ -1721,7 +1727,7 @@
           <a:p>
             <a:fld id="{50AA625E-AE68-7342-9733-3D236D21CEB3}" type="datetimeFigureOut">
               <a:rPr lang="en-US" smtClean="0"/>
-              <a:t>1/15/21</a:t>
+              <a:t>1/19/21</a:t>
             </a:fld>
             <a:endParaRPr lang="en-US"/>
           </a:p>
@@ -1816,7 +1822,7 @@
           <a:p>
             <a:fld id="{50AA625E-AE68-7342-9733-3D236D21CEB3}" type="datetimeFigureOut">
               <a:rPr lang="en-US" smtClean="0"/>
-              <a:t>1/15/21</a:t>
+              <a:t>1/19/21</a:t>
             </a:fld>
             <a:endParaRPr lang="en-US"/>
           </a:p>
@@ -2093,7 +2099,7 @@
           <a:p>
             <a:fld id="{50AA625E-AE68-7342-9733-3D236D21CEB3}" type="datetimeFigureOut">
               <a:rPr lang="en-US" smtClean="0"/>
-              <a:t>1/15/21</a:t>
+              <a:t>1/19/21</a:t>
             </a:fld>
             <a:endParaRPr lang="en-US"/>
           </a:p>
@@ -2346,7 +2352,7 @@
           <a:p>
             <a:fld id="{50AA625E-AE68-7342-9733-3D236D21CEB3}" type="datetimeFigureOut">
               <a:rPr lang="en-US" smtClean="0"/>
-              <a:t>1/15/21</a:t>
+              <a:t>1/19/21</a:t>
             </a:fld>
             <a:endParaRPr lang="en-US"/>
           </a:p>
@@ -2559,7 +2565,7 @@
           <a:p>
             <a:fld id="{50AA625E-AE68-7342-9733-3D236D21CEB3}" type="datetimeFigureOut">
               <a:rPr lang="en-US" smtClean="0"/>
-              <a:t>1/15/21</a:t>
+              <a:t>1/19/21</a:t>
             </a:fld>
             <a:endParaRPr lang="en-US"/>
           </a:p>
@@ -8929,6 +8935,6287 @@
 </p:sld>
 </file>
 
+<file path=ppt/slides/slide2.xml><?xml version="1.0" encoding="utf-8"?>
+<p:sld xmlns:a="http://schemas.openxmlformats.org/drawingml/2006/main" xmlns:r="http://schemas.openxmlformats.org/officeDocument/2006/relationships" xmlns:p="http://schemas.openxmlformats.org/presentationml/2006/main">
+  <p:cSld>
+    <p:spTree>
+      <p:nvGrpSpPr>
+        <p:cNvPr id="1" name=""/>
+        <p:cNvGrpSpPr/>
+        <p:nvPr/>
+      </p:nvGrpSpPr>
+      <p:grpSpPr>
+        <a:xfrm>
+          <a:off x="0" y="0"/>
+          <a:ext cx="0" cy="0"/>
+          <a:chOff x="0" y="0"/>
+          <a:chExt cx="0" cy="0"/>
+        </a:xfrm>
+      </p:grpSpPr>
+      <p:grpSp>
+        <p:nvGrpSpPr>
+          <p:cNvPr id="199" name="Group 198"/>
+          <p:cNvGrpSpPr/>
+          <p:nvPr/>
+        </p:nvGrpSpPr>
+        <p:grpSpPr>
+          <a:xfrm>
+            <a:off x="1239390" y="1994183"/>
+            <a:ext cx="9956695" cy="2722111"/>
+            <a:chOff x="1239390" y="1994183"/>
+            <a:chExt cx="9956695" cy="2722111"/>
+          </a:xfrm>
+        </p:grpSpPr>
+        <p:sp>
+          <p:nvSpPr>
+            <p:cNvPr id="5" name="Rectangle 4"/>
+            <p:cNvSpPr/>
+            <p:nvPr/>
+          </p:nvSpPr>
+          <p:spPr>
+            <a:xfrm>
+              <a:off x="4534668" y="2601662"/>
+              <a:ext cx="2207794" cy="188494"/>
+            </a:xfrm>
+            <a:prstGeom prst="rect">
+              <a:avLst/>
+            </a:prstGeom>
+            <a:solidFill>
+              <a:schemeClr val="accent1">
+                <a:alpha val="80000"/>
+              </a:schemeClr>
+            </a:solidFill>
+          </p:spPr>
+          <p:style>
+            <a:lnRef idx="2">
+              <a:schemeClr val="accent1">
+                <a:shade val="50000"/>
+              </a:schemeClr>
+            </a:lnRef>
+            <a:fillRef idx="1">
+              <a:schemeClr val="accent1"/>
+            </a:fillRef>
+            <a:effectRef idx="0">
+              <a:schemeClr val="accent1"/>
+            </a:effectRef>
+            <a:fontRef idx="minor">
+              <a:schemeClr val="lt1"/>
+            </a:fontRef>
+          </p:style>
+          <p:txBody>
+            <a:bodyPr rtlCol="0" anchor="ctr"/>
+            <a:lstStyle/>
+            <a:p>
+              <a:pPr algn="ctr"/>
+              <a:endParaRPr lang="en-US"/>
+            </a:p>
+          </p:txBody>
+        </p:sp>
+        <p:sp>
+          <p:nvSpPr>
+            <p:cNvPr id="6" name="Rectangle 5"/>
+            <p:cNvSpPr/>
+            <p:nvPr/>
+          </p:nvSpPr>
+          <p:spPr>
+            <a:xfrm>
+              <a:off x="4472505" y="2695909"/>
+              <a:ext cx="2207794" cy="188494"/>
+            </a:xfrm>
+            <a:prstGeom prst="rect">
+              <a:avLst/>
+            </a:prstGeom>
+            <a:solidFill>
+              <a:schemeClr val="accent1">
+                <a:alpha val="80000"/>
+              </a:schemeClr>
+            </a:solidFill>
+          </p:spPr>
+          <p:style>
+            <a:lnRef idx="2">
+              <a:schemeClr val="accent1">
+                <a:shade val="50000"/>
+              </a:schemeClr>
+            </a:lnRef>
+            <a:fillRef idx="1">
+              <a:schemeClr val="accent1"/>
+            </a:fillRef>
+            <a:effectRef idx="0">
+              <a:schemeClr val="accent1"/>
+            </a:effectRef>
+            <a:fontRef idx="minor">
+              <a:schemeClr val="lt1"/>
+            </a:fontRef>
+          </p:style>
+          <p:txBody>
+            <a:bodyPr rtlCol="0" anchor="ctr"/>
+            <a:lstStyle/>
+            <a:p>
+              <a:pPr algn="ctr"/>
+              <a:endParaRPr lang="en-US"/>
+            </a:p>
+          </p:txBody>
+        </p:sp>
+        <p:sp>
+          <p:nvSpPr>
+            <p:cNvPr id="7" name="Rectangle 6"/>
+            <p:cNvSpPr/>
+            <p:nvPr/>
+          </p:nvSpPr>
+          <p:spPr>
+            <a:xfrm>
+              <a:off x="4410342" y="2790156"/>
+              <a:ext cx="2207794" cy="188494"/>
+            </a:xfrm>
+            <a:prstGeom prst="rect">
+              <a:avLst/>
+            </a:prstGeom>
+            <a:solidFill>
+              <a:schemeClr val="accent1">
+                <a:alpha val="80000"/>
+              </a:schemeClr>
+            </a:solidFill>
+          </p:spPr>
+          <p:style>
+            <a:lnRef idx="2">
+              <a:schemeClr val="accent1">
+                <a:shade val="50000"/>
+              </a:schemeClr>
+            </a:lnRef>
+            <a:fillRef idx="1">
+              <a:schemeClr val="accent1"/>
+            </a:fillRef>
+            <a:effectRef idx="0">
+              <a:schemeClr val="accent1"/>
+            </a:effectRef>
+            <a:fontRef idx="minor">
+              <a:schemeClr val="lt1"/>
+            </a:fontRef>
+          </p:style>
+          <p:txBody>
+            <a:bodyPr rtlCol="0" anchor="ctr"/>
+            <a:lstStyle/>
+            <a:p>
+              <a:pPr algn="ctr"/>
+              <a:endParaRPr lang="en-US"/>
+            </a:p>
+          </p:txBody>
+        </p:sp>
+        <p:sp>
+          <p:nvSpPr>
+            <p:cNvPr id="8" name="Rectangle 7"/>
+            <p:cNvSpPr/>
+            <p:nvPr/>
+          </p:nvSpPr>
+          <p:spPr>
+            <a:xfrm>
+              <a:off x="4348179" y="2884403"/>
+              <a:ext cx="2207794" cy="188494"/>
+            </a:xfrm>
+            <a:prstGeom prst="rect">
+              <a:avLst/>
+            </a:prstGeom>
+            <a:solidFill>
+              <a:schemeClr val="accent1">
+                <a:alpha val="80000"/>
+              </a:schemeClr>
+            </a:solidFill>
+          </p:spPr>
+          <p:style>
+            <a:lnRef idx="2">
+              <a:schemeClr val="accent1">
+                <a:shade val="50000"/>
+              </a:schemeClr>
+            </a:lnRef>
+            <a:fillRef idx="1">
+              <a:schemeClr val="accent1"/>
+            </a:fillRef>
+            <a:effectRef idx="0">
+              <a:schemeClr val="accent1"/>
+            </a:effectRef>
+            <a:fontRef idx="minor">
+              <a:schemeClr val="lt1"/>
+            </a:fontRef>
+          </p:style>
+          <p:txBody>
+            <a:bodyPr rtlCol="0" anchor="ctr"/>
+            <a:lstStyle/>
+            <a:p>
+              <a:pPr algn="ctr"/>
+              <a:endParaRPr lang="en-US"/>
+            </a:p>
+          </p:txBody>
+        </p:sp>
+        <p:sp>
+          <p:nvSpPr>
+            <p:cNvPr id="9" name="Rectangle 8"/>
+            <p:cNvSpPr/>
+            <p:nvPr/>
+          </p:nvSpPr>
+          <p:spPr>
+            <a:xfrm>
+              <a:off x="4286016" y="2978650"/>
+              <a:ext cx="2207794" cy="188494"/>
+            </a:xfrm>
+            <a:prstGeom prst="rect">
+              <a:avLst/>
+            </a:prstGeom>
+            <a:solidFill>
+              <a:schemeClr val="accent1">
+                <a:alpha val="80000"/>
+              </a:schemeClr>
+            </a:solidFill>
+          </p:spPr>
+          <p:style>
+            <a:lnRef idx="2">
+              <a:schemeClr val="accent1">
+                <a:shade val="50000"/>
+              </a:schemeClr>
+            </a:lnRef>
+            <a:fillRef idx="1">
+              <a:schemeClr val="accent1"/>
+            </a:fillRef>
+            <a:effectRef idx="0">
+              <a:schemeClr val="accent1"/>
+            </a:effectRef>
+            <a:fontRef idx="minor">
+              <a:schemeClr val="lt1"/>
+            </a:fontRef>
+          </p:style>
+          <p:txBody>
+            <a:bodyPr rtlCol="0" anchor="ctr"/>
+            <a:lstStyle/>
+            <a:p>
+              <a:pPr algn="ctr"/>
+              <a:endParaRPr lang="en-US"/>
+            </a:p>
+          </p:txBody>
+        </p:sp>
+        <p:sp>
+          <p:nvSpPr>
+            <p:cNvPr id="10" name="Rectangle 9"/>
+            <p:cNvSpPr/>
+            <p:nvPr/>
+          </p:nvSpPr>
+          <p:spPr>
+            <a:xfrm>
+              <a:off x="4223853" y="3079448"/>
+              <a:ext cx="2207794" cy="188494"/>
+            </a:xfrm>
+            <a:prstGeom prst="rect">
+              <a:avLst/>
+            </a:prstGeom>
+            <a:solidFill>
+              <a:schemeClr val="accent1">
+                <a:alpha val="80000"/>
+              </a:schemeClr>
+            </a:solidFill>
+          </p:spPr>
+          <p:style>
+            <a:lnRef idx="2">
+              <a:schemeClr val="accent1">
+                <a:shade val="50000"/>
+              </a:schemeClr>
+            </a:lnRef>
+            <a:fillRef idx="1">
+              <a:schemeClr val="accent1"/>
+            </a:fillRef>
+            <a:effectRef idx="0">
+              <a:schemeClr val="accent1"/>
+            </a:effectRef>
+            <a:fontRef idx="minor">
+              <a:schemeClr val="lt1"/>
+            </a:fontRef>
+          </p:style>
+          <p:txBody>
+            <a:bodyPr rtlCol="0" anchor="ctr"/>
+            <a:lstStyle/>
+            <a:p>
+              <a:pPr algn="ctr"/>
+              <a:endParaRPr lang="en-US"/>
+            </a:p>
+          </p:txBody>
+        </p:sp>
+        <p:sp>
+          <p:nvSpPr>
+            <p:cNvPr id="11" name="Rectangle 10"/>
+            <p:cNvSpPr/>
+            <p:nvPr/>
+          </p:nvSpPr>
+          <p:spPr>
+            <a:xfrm>
+              <a:off x="3876845" y="3619806"/>
+              <a:ext cx="2207794" cy="188494"/>
+            </a:xfrm>
+            <a:prstGeom prst="rect">
+              <a:avLst/>
+            </a:prstGeom>
+            <a:solidFill>
+              <a:schemeClr val="accent1">
+                <a:alpha val="80000"/>
+              </a:schemeClr>
+            </a:solidFill>
+          </p:spPr>
+          <p:style>
+            <a:lnRef idx="2">
+              <a:schemeClr val="accent1">
+                <a:shade val="50000"/>
+              </a:schemeClr>
+            </a:lnRef>
+            <a:fillRef idx="1">
+              <a:schemeClr val="accent1"/>
+            </a:fillRef>
+            <a:effectRef idx="0">
+              <a:schemeClr val="accent1"/>
+            </a:effectRef>
+            <a:fontRef idx="minor">
+              <a:schemeClr val="lt1"/>
+            </a:fontRef>
+          </p:style>
+          <p:txBody>
+            <a:bodyPr rtlCol="0" anchor="ctr"/>
+            <a:lstStyle/>
+            <a:p>
+              <a:pPr algn="ctr"/>
+              <a:endParaRPr lang="en-US"/>
+            </a:p>
+          </p:txBody>
+        </p:sp>
+        <p:sp>
+          <p:nvSpPr>
+            <p:cNvPr id="12" name="Rectangle 11"/>
+            <p:cNvSpPr/>
+            <p:nvPr/>
+          </p:nvSpPr>
+          <p:spPr>
+            <a:xfrm>
+              <a:off x="3814682" y="3714053"/>
+              <a:ext cx="2207794" cy="188494"/>
+            </a:xfrm>
+            <a:prstGeom prst="rect">
+              <a:avLst/>
+            </a:prstGeom>
+            <a:solidFill>
+              <a:schemeClr val="accent1">
+                <a:alpha val="80000"/>
+              </a:schemeClr>
+            </a:solidFill>
+          </p:spPr>
+          <p:style>
+            <a:lnRef idx="2">
+              <a:schemeClr val="accent1">
+                <a:shade val="50000"/>
+              </a:schemeClr>
+            </a:lnRef>
+            <a:fillRef idx="1">
+              <a:schemeClr val="accent1"/>
+            </a:fillRef>
+            <a:effectRef idx="0">
+              <a:schemeClr val="accent1"/>
+            </a:effectRef>
+            <a:fontRef idx="minor">
+              <a:schemeClr val="lt1"/>
+            </a:fontRef>
+          </p:style>
+          <p:txBody>
+            <a:bodyPr rtlCol="0" anchor="ctr"/>
+            <a:lstStyle/>
+            <a:p>
+              <a:pPr algn="ctr"/>
+              <a:endParaRPr lang="en-US"/>
+            </a:p>
+          </p:txBody>
+        </p:sp>
+        <p:sp>
+          <p:nvSpPr>
+            <p:cNvPr id="13" name="Rectangle 12"/>
+            <p:cNvSpPr/>
+            <p:nvPr/>
+          </p:nvSpPr>
+          <p:spPr>
+            <a:xfrm>
+              <a:off x="3752519" y="3808300"/>
+              <a:ext cx="2207794" cy="188494"/>
+            </a:xfrm>
+            <a:prstGeom prst="rect">
+              <a:avLst/>
+            </a:prstGeom>
+            <a:solidFill>
+              <a:schemeClr val="accent1">
+                <a:alpha val="80000"/>
+              </a:schemeClr>
+            </a:solidFill>
+          </p:spPr>
+          <p:style>
+            <a:lnRef idx="2">
+              <a:schemeClr val="accent1">
+                <a:shade val="50000"/>
+              </a:schemeClr>
+            </a:lnRef>
+            <a:fillRef idx="1">
+              <a:schemeClr val="accent1"/>
+            </a:fillRef>
+            <a:effectRef idx="0">
+              <a:schemeClr val="accent1"/>
+            </a:effectRef>
+            <a:fontRef idx="minor">
+              <a:schemeClr val="lt1"/>
+            </a:fontRef>
+          </p:style>
+          <p:txBody>
+            <a:bodyPr rtlCol="0" anchor="ctr"/>
+            <a:lstStyle/>
+            <a:p>
+              <a:pPr algn="ctr"/>
+              <a:endParaRPr lang="en-US"/>
+            </a:p>
+          </p:txBody>
+        </p:sp>
+        <p:sp>
+          <p:nvSpPr>
+            <p:cNvPr id="14" name="Rectangle 13"/>
+            <p:cNvSpPr/>
+            <p:nvPr/>
+          </p:nvSpPr>
+          <p:spPr>
+            <a:xfrm>
+              <a:off x="3690356" y="3902547"/>
+              <a:ext cx="2207794" cy="188494"/>
+            </a:xfrm>
+            <a:prstGeom prst="rect">
+              <a:avLst/>
+            </a:prstGeom>
+            <a:solidFill>
+              <a:schemeClr val="accent1">
+                <a:alpha val="80000"/>
+              </a:schemeClr>
+            </a:solidFill>
+          </p:spPr>
+          <p:style>
+            <a:lnRef idx="2">
+              <a:schemeClr val="accent1">
+                <a:shade val="50000"/>
+              </a:schemeClr>
+            </a:lnRef>
+            <a:fillRef idx="1">
+              <a:schemeClr val="accent1"/>
+            </a:fillRef>
+            <a:effectRef idx="0">
+              <a:schemeClr val="accent1"/>
+            </a:effectRef>
+            <a:fontRef idx="minor">
+              <a:schemeClr val="lt1"/>
+            </a:fontRef>
+          </p:style>
+          <p:txBody>
+            <a:bodyPr rtlCol="0" anchor="ctr"/>
+            <a:lstStyle/>
+            <a:p>
+              <a:pPr algn="ctr"/>
+              <a:endParaRPr lang="en-US"/>
+            </a:p>
+          </p:txBody>
+        </p:sp>
+        <p:sp>
+          <p:nvSpPr>
+            <p:cNvPr id="15" name="Rectangle 14"/>
+            <p:cNvSpPr/>
+            <p:nvPr/>
+          </p:nvSpPr>
+          <p:spPr>
+            <a:xfrm>
+              <a:off x="3628193" y="3996794"/>
+              <a:ext cx="2207794" cy="188494"/>
+            </a:xfrm>
+            <a:prstGeom prst="rect">
+              <a:avLst/>
+            </a:prstGeom>
+            <a:solidFill>
+              <a:schemeClr val="accent1">
+                <a:alpha val="80000"/>
+              </a:schemeClr>
+            </a:solidFill>
+          </p:spPr>
+          <p:style>
+            <a:lnRef idx="2">
+              <a:schemeClr val="accent1">
+                <a:shade val="50000"/>
+              </a:schemeClr>
+            </a:lnRef>
+            <a:fillRef idx="1">
+              <a:schemeClr val="accent1"/>
+            </a:fillRef>
+            <a:effectRef idx="0">
+              <a:schemeClr val="accent1"/>
+            </a:effectRef>
+            <a:fontRef idx="minor">
+              <a:schemeClr val="lt1"/>
+            </a:fontRef>
+          </p:style>
+          <p:txBody>
+            <a:bodyPr rtlCol="0" anchor="ctr"/>
+            <a:lstStyle/>
+            <a:p>
+              <a:pPr algn="ctr"/>
+              <a:endParaRPr lang="en-US"/>
+            </a:p>
+          </p:txBody>
+        </p:sp>
+        <p:sp>
+          <p:nvSpPr>
+            <p:cNvPr id="16" name="Rectangle 15"/>
+            <p:cNvSpPr/>
+            <p:nvPr/>
+          </p:nvSpPr>
+          <p:spPr>
+            <a:xfrm>
+              <a:off x="1399813" y="2854124"/>
+              <a:ext cx="2207794" cy="493294"/>
+            </a:xfrm>
+            <a:prstGeom prst="rect">
+              <a:avLst/>
+            </a:prstGeom>
+            <a:solidFill>
+              <a:schemeClr val="accent1">
+                <a:alpha val="80000"/>
+              </a:schemeClr>
+            </a:solidFill>
+          </p:spPr>
+          <p:style>
+            <a:lnRef idx="2">
+              <a:schemeClr val="accent1">
+                <a:shade val="50000"/>
+              </a:schemeClr>
+            </a:lnRef>
+            <a:fillRef idx="1">
+              <a:schemeClr val="accent1"/>
+            </a:fillRef>
+            <a:effectRef idx="0">
+              <a:schemeClr val="accent1"/>
+            </a:effectRef>
+            <a:fontRef idx="minor">
+              <a:schemeClr val="lt1"/>
+            </a:fontRef>
+          </p:style>
+          <p:txBody>
+            <a:bodyPr rtlCol="0" anchor="ctr"/>
+            <a:lstStyle/>
+            <a:p>
+              <a:pPr algn="ctr"/>
+              <a:endParaRPr lang="en-US"/>
+            </a:p>
+          </p:txBody>
+        </p:sp>
+        <p:sp>
+          <p:nvSpPr>
+            <p:cNvPr id="17" name="Rectangle 16"/>
+            <p:cNvSpPr/>
+            <p:nvPr/>
+          </p:nvSpPr>
+          <p:spPr>
+            <a:xfrm>
+              <a:off x="1319602" y="2948371"/>
+              <a:ext cx="2207794" cy="493294"/>
+            </a:xfrm>
+            <a:prstGeom prst="rect">
+              <a:avLst/>
+            </a:prstGeom>
+            <a:solidFill>
+              <a:schemeClr val="accent1">
+                <a:alpha val="80000"/>
+              </a:schemeClr>
+            </a:solidFill>
+          </p:spPr>
+          <p:style>
+            <a:lnRef idx="2">
+              <a:schemeClr val="accent1">
+                <a:shade val="50000"/>
+              </a:schemeClr>
+            </a:lnRef>
+            <a:fillRef idx="1">
+              <a:schemeClr val="accent1"/>
+            </a:fillRef>
+            <a:effectRef idx="0">
+              <a:schemeClr val="accent1"/>
+            </a:effectRef>
+            <a:fontRef idx="minor">
+              <a:schemeClr val="lt1"/>
+            </a:fontRef>
+          </p:style>
+          <p:txBody>
+            <a:bodyPr rtlCol="0" anchor="ctr"/>
+            <a:lstStyle/>
+            <a:p>
+              <a:pPr algn="ctr"/>
+              <a:endParaRPr lang="en-US"/>
+            </a:p>
+          </p:txBody>
+        </p:sp>
+        <p:sp>
+          <p:nvSpPr>
+            <p:cNvPr id="18" name="Rectangle 17"/>
+            <p:cNvSpPr/>
+            <p:nvPr/>
+          </p:nvSpPr>
+          <p:spPr>
+            <a:xfrm>
+              <a:off x="1239391" y="3042618"/>
+              <a:ext cx="2207794" cy="493294"/>
+            </a:xfrm>
+            <a:prstGeom prst="rect">
+              <a:avLst/>
+            </a:prstGeom>
+            <a:solidFill>
+              <a:schemeClr val="accent1">
+                <a:alpha val="80000"/>
+              </a:schemeClr>
+            </a:solidFill>
+          </p:spPr>
+          <p:style>
+            <a:lnRef idx="2">
+              <a:schemeClr val="accent1">
+                <a:shade val="50000"/>
+              </a:schemeClr>
+            </a:lnRef>
+            <a:fillRef idx="1">
+              <a:schemeClr val="accent1"/>
+            </a:fillRef>
+            <a:effectRef idx="0">
+              <a:schemeClr val="accent1"/>
+            </a:effectRef>
+            <a:fontRef idx="minor">
+              <a:schemeClr val="lt1"/>
+            </a:fontRef>
+          </p:style>
+          <p:txBody>
+            <a:bodyPr rtlCol="0" anchor="ctr"/>
+            <a:lstStyle/>
+            <a:p>
+              <a:pPr algn="ctr"/>
+              <a:endParaRPr lang="en-US"/>
+            </a:p>
+          </p:txBody>
+        </p:sp>
+        <p:sp>
+          <p:nvSpPr>
+            <p:cNvPr id="19" name="Rectangle 18"/>
+            <p:cNvSpPr/>
+            <p:nvPr/>
+          </p:nvSpPr>
+          <p:spPr>
+            <a:xfrm>
+              <a:off x="3566030" y="4091041"/>
+              <a:ext cx="2207794" cy="188494"/>
+            </a:xfrm>
+            <a:prstGeom prst="rect">
+              <a:avLst/>
+            </a:prstGeom>
+            <a:solidFill>
+              <a:schemeClr val="accent1">
+                <a:alpha val="80000"/>
+              </a:schemeClr>
+            </a:solidFill>
+          </p:spPr>
+          <p:style>
+            <a:lnRef idx="2">
+              <a:schemeClr val="accent1">
+                <a:shade val="50000"/>
+              </a:schemeClr>
+            </a:lnRef>
+            <a:fillRef idx="1">
+              <a:schemeClr val="accent1"/>
+            </a:fillRef>
+            <a:effectRef idx="0">
+              <a:schemeClr val="accent1"/>
+            </a:effectRef>
+            <a:fontRef idx="minor">
+              <a:schemeClr val="lt1"/>
+            </a:fontRef>
+          </p:style>
+          <p:txBody>
+            <a:bodyPr rtlCol="0" anchor="ctr"/>
+            <a:lstStyle/>
+            <a:p>
+              <a:pPr algn="ctr"/>
+              <a:endParaRPr lang="en-US"/>
+            </a:p>
+          </p:txBody>
+        </p:sp>
+        <p:cxnSp>
+          <p:nvCxnSpPr>
+            <p:cNvPr id="20" name="Straight Connector 19"/>
+            <p:cNvCxnSpPr/>
+            <p:nvPr/>
+          </p:nvCxnSpPr>
+          <p:spPr>
+            <a:xfrm>
+              <a:off x="1253350" y="3225602"/>
+              <a:ext cx="2307244" cy="1058927"/>
+            </a:xfrm>
+            <a:prstGeom prst="line">
+              <a:avLst/>
+            </a:prstGeom>
+            <a:ln w="12700">
+              <a:solidFill>
+                <a:srgbClr val="FFC000"/>
+              </a:solidFill>
+            </a:ln>
+          </p:spPr>
+          <p:style>
+            <a:lnRef idx="1">
+              <a:schemeClr val="accent1"/>
+            </a:lnRef>
+            <a:fillRef idx="0">
+              <a:schemeClr val="accent1"/>
+            </a:fillRef>
+            <a:effectRef idx="0">
+              <a:schemeClr val="accent1"/>
+            </a:effectRef>
+            <a:fontRef idx="minor">
+              <a:schemeClr val="tx1"/>
+            </a:fontRef>
+          </p:style>
+        </p:cxnSp>
+        <p:cxnSp>
+          <p:nvCxnSpPr>
+            <p:cNvPr id="21" name="Straight Connector 20"/>
+            <p:cNvCxnSpPr/>
+            <p:nvPr/>
+          </p:nvCxnSpPr>
+          <p:spPr>
+            <a:xfrm>
+              <a:off x="1335288" y="3049982"/>
+              <a:ext cx="2311175" cy="1136975"/>
+            </a:xfrm>
+            <a:prstGeom prst="line">
+              <a:avLst/>
+            </a:prstGeom>
+            <a:ln w="12700">
+              <a:solidFill>
+                <a:srgbClr val="FFC000"/>
+              </a:solidFill>
+            </a:ln>
+          </p:spPr>
+          <p:style>
+            <a:lnRef idx="1">
+              <a:schemeClr val="accent1"/>
+            </a:lnRef>
+            <a:fillRef idx="0">
+              <a:schemeClr val="accent1"/>
+            </a:fillRef>
+            <a:effectRef idx="0">
+              <a:schemeClr val="accent1"/>
+            </a:effectRef>
+            <a:fontRef idx="minor">
+              <a:schemeClr val="tx1"/>
+            </a:fontRef>
+          </p:style>
+        </p:cxnSp>
+        <p:sp>
+          <p:nvSpPr>
+            <p:cNvPr id="22" name="Rectangle 21"/>
+            <p:cNvSpPr/>
+            <p:nvPr/>
+          </p:nvSpPr>
+          <p:spPr>
+            <a:xfrm>
+              <a:off x="7111292" y="2436388"/>
+              <a:ext cx="89771" cy="91877"/>
+            </a:xfrm>
+            <a:prstGeom prst="rect">
+              <a:avLst/>
+            </a:prstGeom>
+            <a:solidFill>
+              <a:schemeClr val="accent4"/>
+            </a:solidFill>
+          </p:spPr>
+          <p:style>
+            <a:lnRef idx="2">
+              <a:schemeClr val="accent1">
+                <a:shade val="50000"/>
+              </a:schemeClr>
+            </a:lnRef>
+            <a:fillRef idx="1">
+              <a:schemeClr val="accent1"/>
+            </a:fillRef>
+            <a:effectRef idx="0">
+              <a:schemeClr val="accent1"/>
+            </a:effectRef>
+            <a:fontRef idx="minor">
+              <a:schemeClr val="lt1"/>
+            </a:fontRef>
+          </p:style>
+          <p:txBody>
+            <a:bodyPr rtlCol="0" anchor="ctr"/>
+            <a:lstStyle/>
+            <a:p>
+              <a:pPr algn="ctr"/>
+              <a:endParaRPr lang="en-US"/>
+            </a:p>
+          </p:txBody>
+        </p:sp>
+        <p:sp>
+          <p:nvSpPr>
+            <p:cNvPr id="23" name="Rectangle 22"/>
+            <p:cNvSpPr/>
+            <p:nvPr/>
+          </p:nvSpPr>
+          <p:spPr>
+            <a:xfrm>
+              <a:off x="7111292" y="2530635"/>
+              <a:ext cx="89771" cy="91877"/>
+            </a:xfrm>
+            <a:prstGeom prst="rect">
+              <a:avLst/>
+            </a:prstGeom>
+            <a:solidFill>
+              <a:schemeClr val="accent4"/>
+            </a:solidFill>
+          </p:spPr>
+          <p:style>
+            <a:lnRef idx="2">
+              <a:schemeClr val="accent1">
+                <a:shade val="50000"/>
+              </a:schemeClr>
+            </a:lnRef>
+            <a:fillRef idx="1">
+              <a:schemeClr val="accent1"/>
+            </a:fillRef>
+            <a:effectRef idx="0">
+              <a:schemeClr val="accent1"/>
+            </a:effectRef>
+            <a:fontRef idx="minor">
+              <a:schemeClr val="lt1"/>
+            </a:fontRef>
+          </p:style>
+          <p:txBody>
+            <a:bodyPr rtlCol="0" anchor="ctr"/>
+            <a:lstStyle/>
+            <a:p>
+              <a:pPr algn="ctr"/>
+              <a:endParaRPr lang="en-US"/>
+            </a:p>
+          </p:txBody>
+        </p:sp>
+        <p:sp>
+          <p:nvSpPr>
+            <p:cNvPr id="24" name="Rectangle 23"/>
+            <p:cNvSpPr/>
+            <p:nvPr/>
+          </p:nvSpPr>
+          <p:spPr>
+            <a:xfrm>
+              <a:off x="7111292" y="2621707"/>
+              <a:ext cx="89771" cy="91877"/>
+            </a:xfrm>
+            <a:prstGeom prst="rect">
+              <a:avLst/>
+            </a:prstGeom>
+            <a:solidFill>
+              <a:schemeClr val="accent4"/>
+            </a:solidFill>
+          </p:spPr>
+          <p:style>
+            <a:lnRef idx="2">
+              <a:schemeClr val="accent1">
+                <a:shade val="50000"/>
+              </a:schemeClr>
+            </a:lnRef>
+            <a:fillRef idx="1">
+              <a:schemeClr val="accent1"/>
+            </a:fillRef>
+            <a:effectRef idx="0">
+              <a:schemeClr val="accent1"/>
+            </a:effectRef>
+            <a:fontRef idx="minor">
+              <a:schemeClr val="lt1"/>
+            </a:fontRef>
+          </p:style>
+          <p:txBody>
+            <a:bodyPr rtlCol="0" anchor="ctr"/>
+            <a:lstStyle/>
+            <a:p>
+              <a:pPr algn="ctr"/>
+              <a:endParaRPr lang="en-US"/>
+            </a:p>
+          </p:txBody>
+        </p:sp>
+        <p:sp>
+          <p:nvSpPr>
+            <p:cNvPr id="25" name="Rectangle 24"/>
+            <p:cNvSpPr/>
+            <p:nvPr/>
+          </p:nvSpPr>
+          <p:spPr>
+            <a:xfrm>
+              <a:off x="7111292" y="2709915"/>
+              <a:ext cx="89771" cy="91877"/>
+            </a:xfrm>
+            <a:prstGeom prst="rect">
+              <a:avLst/>
+            </a:prstGeom>
+            <a:solidFill>
+              <a:schemeClr val="accent4"/>
+            </a:solidFill>
+          </p:spPr>
+          <p:style>
+            <a:lnRef idx="2">
+              <a:schemeClr val="accent1">
+                <a:shade val="50000"/>
+              </a:schemeClr>
+            </a:lnRef>
+            <a:fillRef idx="1">
+              <a:schemeClr val="accent1"/>
+            </a:fillRef>
+            <a:effectRef idx="0">
+              <a:schemeClr val="accent1"/>
+            </a:effectRef>
+            <a:fontRef idx="minor">
+              <a:schemeClr val="lt1"/>
+            </a:fontRef>
+          </p:style>
+          <p:txBody>
+            <a:bodyPr rtlCol="0" anchor="ctr"/>
+            <a:lstStyle/>
+            <a:p>
+              <a:pPr algn="ctr"/>
+              <a:endParaRPr lang="en-US"/>
+            </a:p>
+          </p:txBody>
+        </p:sp>
+        <p:sp>
+          <p:nvSpPr>
+            <p:cNvPr id="26" name="Rectangle 25"/>
+            <p:cNvSpPr/>
+            <p:nvPr/>
+          </p:nvSpPr>
+          <p:spPr>
+            <a:xfrm>
+              <a:off x="7111292" y="2800987"/>
+              <a:ext cx="89771" cy="91877"/>
+            </a:xfrm>
+            <a:prstGeom prst="rect">
+              <a:avLst/>
+            </a:prstGeom>
+            <a:solidFill>
+              <a:schemeClr val="accent4"/>
+            </a:solidFill>
+          </p:spPr>
+          <p:style>
+            <a:lnRef idx="2">
+              <a:schemeClr val="accent1">
+                <a:shade val="50000"/>
+              </a:schemeClr>
+            </a:lnRef>
+            <a:fillRef idx="1">
+              <a:schemeClr val="accent1"/>
+            </a:fillRef>
+            <a:effectRef idx="0">
+              <a:schemeClr val="accent1"/>
+            </a:effectRef>
+            <a:fontRef idx="minor">
+              <a:schemeClr val="lt1"/>
+            </a:fontRef>
+          </p:style>
+          <p:txBody>
+            <a:bodyPr rtlCol="0" anchor="ctr"/>
+            <a:lstStyle/>
+            <a:p>
+              <a:pPr algn="ctr"/>
+              <a:endParaRPr lang="en-US"/>
+            </a:p>
+          </p:txBody>
+        </p:sp>
+        <p:sp>
+          <p:nvSpPr>
+            <p:cNvPr id="27" name="Rectangle 26"/>
+            <p:cNvSpPr/>
+            <p:nvPr/>
+          </p:nvSpPr>
+          <p:spPr>
+            <a:xfrm>
+              <a:off x="7111292" y="2895234"/>
+              <a:ext cx="89771" cy="91877"/>
+            </a:xfrm>
+            <a:prstGeom prst="rect">
+              <a:avLst/>
+            </a:prstGeom>
+            <a:solidFill>
+              <a:schemeClr val="accent4"/>
+            </a:solidFill>
+          </p:spPr>
+          <p:style>
+            <a:lnRef idx="2">
+              <a:schemeClr val="accent1">
+                <a:shade val="50000"/>
+              </a:schemeClr>
+            </a:lnRef>
+            <a:fillRef idx="1">
+              <a:schemeClr val="accent1"/>
+            </a:fillRef>
+            <a:effectRef idx="0">
+              <a:schemeClr val="accent1"/>
+            </a:effectRef>
+            <a:fontRef idx="minor">
+              <a:schemeClr val="lt1"/>
+            </a:fontRef>
+          </p:style>
+          <p:txBody>
+            <a:bodyPr rtlCol="0" anchor="ctr"/>
+            <a:lstStyle/>
+            <a:p>
+              <a:pPr algn="ctr"/>
+              <a:endParaRPr lang="en-US"/>
+            </a:p>
+          </p:txBody>
+        </p:sp>
+        <p:sp>
+          <p:nvSpPr>
+            <p:cNvPr id="28" name="Rectangle 27"/>
+            <p:cNvSpPr/>
+            <p:nvPr/>
+          </p:nvSpPr>
+          <p:spPr>
+            <a:xfrm>
+              <a:off x="7111292" y="2986306"/>
+              <a:ext cx="89771" cy="91877"/>
+            </a:xfrm>
+            <a:prstGeom prst="rect">
+              <a:avLst/>
+            </a:prstGeom>
+            <a:solidFill>
+              <a:schemeClr val="accent4"/>
+            </a:solidFill>
+          </p:spPr>
+          <p:style>
+            <a:lnRef idx="2">
+              <a:schemeClr val="accent1">
+                <a:shade val="50000"/>
+              </a:schemeClr>
+            </a:lnRef>
+            <a:fillRef idx="1">
+              <a:schemeClr val="accent1"/>
+            </a:fillRef>
+            <a:effectRef idx="0">
+              <a:schemeClr val="accent1"/>
+            </a:effectRef>
+            <a:fontRef idx="minor">
+              <a:schemeClr val="lt1"/>
+            </a:fontRef>
+          </p:style>
+          <p:txBody>
+            <a:bodyPr rtlCol="0" anchor="ctr"/>
+            <a:lstStyle/>
+            <a:p>
+              <a:pPr algn="ctr"/>
+              <a:endParaRPr lang="en-US"/>
+            </a:p>
+          </p:txBody>
+        </p:sp>
+        <p:sp>
+          <p:nvSpPr>
+            <p:cNvPr id="29" name="Rectangle 28"/>
+            <p:cNvSpPr/>
+            <p:nvPr/>
+          </p:nvSpPr>
+          <p:spPr>
+            <a:xfrm>
+              <a:off x="7111292" y="3072897"/>
+              <a:ext cx="89771" cy="91877"/>
+            </a:xfrm>
+            <a:prstGeom prst="rect">
+              <a:avLst/>
+            </a:prstGeom>
+            <a:solidFill>
+              <a:schemeClr val="accent4"/>
+            </a:solidFill>
+          </p:spPr>
+          <p:style>
+            <a:lnRef idx="2">
+              <a:schemeClr val="accent1">
+                <a:shade val="50000"/>
+              </a:schemeClr>
+            </a:lnRef>
+            <a:fillRef idx="1">
+              <a:schemeClr val="accent1"/>
+            </a:fillRef>
+            <a:effectRef idx="0">
+              <a:schemeClr val="accent1"/>
+            </a:effectRef>
+            <a:fontRef idx="minor">
+              <a:schemeClr val="lt1"/>
+            </a:fontRef>
+          </p:style>
+          <p:txBody>
+            <a:bodyPr rtlCol="0" anchor="ctr"/>
+            <a:lstStyle/>
+            <a:p>
+              <a:pPr algn="ctr"/>
+              <a:endParaRPr lang="en-US"/>
+            </a:p>
+          </p:txBody>
+        </p:sp>
+        <p:sp>
+          <p:nvSpPr>
+            <p:cNvPr id="30" name="Rectangle 29"/>
+            <p:cNvSpPr/>
+            <p:nvPr/>
+          </p:nvSpPr>
+          <p:spPr>
+            <a:xfrm>
+              <a:off x="7111292" y="3163969"/>
+              <a:ext cx="89771" cy="91877"/>
+            </a:xfrm>
+            <a:prstGeom prst="rect">
+              <a:avLst/>
+            </a:prstGeom>
+            <a:solidFill>
+              <a:schemeClr val="accent4"/>
+            </a:solidFill>
+          </p:spPr>
+          <p:style>
+            <a:lnRef idx="2">
+              <a:schemeClr val="accent1">
+                <a:shade val="50000"/>
+              </a:schemeClr>
+            </a:lnRef>
+            <a:fillRef idx="1">
+              <a:schemeClr val="accent1"/>
+            </a:fillRef>
+            <a:effectRef idx="0">
+              <a:schemeClr val="accent1"/>
+            </a:effectRef>
+            <a:fontRef idx="minor">
+              <a:schemeClr val="lt1"/>
+            </a:fontRef>
+          </p:style>
+          <p:txBody>
+            <a:bodyPr rtlCol="0" anchor="ctr"/>
+            <a:lstStyle/>
+            <a:p>
+              <a:pPr algn="ctr"/>
+              <a:endParaRPr lang="en-US"/>
+            </a:p>
+          </p:txBody>
+        </p:sp>
+        <p:sp>
+          <p:nvSpPr>
+            <p:cNvPr id="31" name="Rectangle 30"/>
+            <p:cNvSpPr/>
+            <p:nvPr/>
+          </p:nvSpPr>
+          <p:spPr>
+            <a:xfrm>
+              <a:off x="7111292" y="3258216"/>
+              <a:ext cx="89771" cy="91877"/>
+            </a:xfrm>
+            <a:prstGeom prst="rect">
+              <a:avLst/>
+            </a:prstGeom>
+            <a:solidFill>
+              <a:schemeClr val="accent4"/>
+            </a:solidFill>
+          </p:spPr>
+          <p:style>
+            <a:lnRef idx="2">
+              <a:schemeClr val="accent1">
+                <a:shade val="50000"/>
+              </a:schemeClr>
+            </a:lnRef>
+            <a:fillRef idx="1">
+              <a:schemeClr val="accent1"/>
+            </a:fillRef>
+            <a:effectRef idx="0">
+              <a:schemeClr val="accent1"/>
+            </a:effectRef>
+            <a:fontRef idx="minor">
+              <a:schemeClr val="lt1"/>
+            </a:fontRef>
+          </p:style>
+          <p:txBody>
+            <a:bodyPr rtlCol="0" anchor="ctr"/>
+            <a:lstStyle/>
+            <a:p>
+              <a:pPr algn="ctr"/>
+              <a:endParaRPr lang="en-US"/>
+            </a:p>
+          </p:txBody>
+        </p:sp>
+        <p:sp>
+          <p:nvSpPr>
+            <p:cNvPr id="32" name="Rectangle 31"/>
+            <p:cNvSpPr/>
+            <p:nvPr/>
+          </p:nvSpPr>
+          <p:spPr>
+            <a:xfrm>
+              <a:off x="7111292" y="3349288"/>
+              <a:ext cx="89771" cy="91877"/>
+            </a:xfrm>
+            <a:prstGeom prst="rect">
+              <a:avLst/>
+            </a:prstGeom>
+            <a:solidFill>
+              <a:schemeClr val="accent4"/>
+            </a:solidFill>
+          </p:spPr>
+          <p:style>
+            <a:lnRef idx="2">
+              <a:schemeClr val="accent1">
+                <a:shade val="50000"/>
+              </a:schemeClr>
+            </a:lnRef>
+            <a:fillRef idx="1">
+              <a:schemeClr val="accent1"/>
+            </a:fillRef>
+            <a:effectRef idx="0">
+              <a:schemeClr val="accent1"/>
+            </a:effectRef>
+            <a:fontRef idx="minor">
+              <a:schemeClr val="lt1"/>
+            </a:fontRef>
+          </p:style>
+          <p:txBody>
+            <a:bodyPr rtlCol="0" anchor="ctr"/>
+            <a:lstStyle/>
+            <a:p>
+              <a:pPr algn="ctr"/>
+              <a:endParaRPr lang="en-US"/>
+            </a:p>
+          </p:txBody>
+        </p:sp>
+        <p:sp>
+          <p:nvSpPr>
+            <p:cNvPr id="33" name="Rectangle 32"/>
+            <p:cNvSpPr/>
+            <p:nvPr/>
+          </p:nvSpPr>
+          <p:spPr>
+            <a:xfrm>
+              <a:off x="7111292" y="3437496"/>
+              <a:ext cx="89771" cy="91877"/>
+            </a:xfrm>
+            <a:prstGeom prst="rect">
+              <a:avLst/>
+            </a:prstGeom>
+            <a:solidFill>
+              <a:schemeClr val="accent4"/>
+            </a:solidFill>
+          </p:spPr>
+          <p:style>
+            <a:lnRef idx="2">
+              <a:schemeClr val="accent1">
+                <a:shade val="50000"/>
+              </a:schemeClr>
+            </a:lnRef>
+            <a:fillRef idx="1">
+              <a:schemeClr val="accent1"/>
+            </a:fillRef>
+            <a:effectRef idx="0">
+              <a:schemeClr val="accent1"/>
+            </a:effectRef>
+            <a:fontRef idx="minor">
+              <a:schemeClr val="lt1"/>
+            </a:fontRef>
+          </p:style>
+          <p:txBody>
+            <a:bodyPr rtlCol="0" anchor="ctr"/>
+            <a:lstStyle/>
+            <a:p>
+              <a:pPr algn="ctr"/>
+              <a:endParaRPr lang="en-US"/>
+            </a:p>
+          </p:txBody>
+        </p:sp>
+        <p:sp>
+          <p:nvSpPr>
+            <p:cNvPr id="34" name="Rectangle 33"/>
+            <p:cNvSpPr/>
+            <p:nvPr/>
+          </p:nvSpPr>
+          <p:spPr>
+            <a:xfrm>
+              <a:off x="7111292" y="3528568"/>
+              <a:ext cx="89771" cy="91877"/>
+            </a:xfrm>
+            <a:prstGeom prst="rect">
+              <a:avLst/>
+            </a:prstGeom>
+            <a:solidFill>
+              <a:schemeClr val="accent4"/>
+            </a:solidFill>
+          </p:spPr>
+          <p:style>
+            <a:lnRef idx="2">
+              <a:schemeClr val="accent1">
+                <a:shade val="50000"/>
+              </a:schemeClr>
+            </a:lnRef>
+            <a:fillRef idx="1">
+              <a:schemeClr val="accent1"/>
+            </a:fillRef>
+            <a:effectRef idx="0">
+              <a:schemeClr val="accent1"/>
+            </a:effectRef>
+            <a:fontRef idx="minor">
+              <a:schemeClr val="lt1"/>
+            </a:fontRef>
+          </p:style>
+          <p:txBody>
+            <a:bodyPr rtlCol="0" anchor="ctr"/>
+            <a:lstStyle/>
+            <a:p>
+              <a:pPr algn="ctr"/>
+              <a:endParaRPr lang="en-US"/>
+            </a:p>
+          </p:txBody>
+        </p:sp>
+        <p:sp>
+          <p:nvSpPr>
+            <p:cNvPr id="35" name="Rectangle 34"/>
+            <p:cNvSpPr/>
+            <p:nvPr/>
+          </p:nvSpPr>
+          <p:spPr>
+            <a:xfrm>
+              <a:off x="7111292" y="3622815"/>
+              <a:ext cx="89771" cy="91877"/>
+            </a:xfrm>
+            <a:prstGeom prst="rect">
+              <a:avLst/>
+            </a:prstGeom>
+            <a:solidFill>
+              <a:schemeClr val="accent4"/>
+            </a:solidFill>
+          </p:spPr>
+          <p:style>
+            <a:lnRef idx="2">
+              <a:schemeClr val="accent1">
+                <a:shade val="50000"/>
+              </a:schemeClr>
+            </a:lnRef>
+            <a:fillRef idx="1">
+              <a:schemeClr val="accent1"/>
+            </a:fillRef>
+            <a:effectRef idx="0">
+              <a:schemeClr val="accent1"/>
+            </a:effectRef>
+            <a:fontRef idx="minor">
+              <a:schemeClr val="lt1"/>
+            </a:fontRef>
+          </p:style>
+          <p:txBody>
+            <a:bodyPr rtlCol="0" anchor="ctr"/>
+            <a:lstStyle/>
+            <a:p>
+              <a:pPr algn="ctr"/>
+              <a:endParaRPr lang="en-US"/>
+            </a:p>
+          </p:txBody>
+        </p:sp>
+        <p:sp>
+          <p:nvSpPr>
+            <p:cNvPr id="36" name="Rectangle 35"/>
+            <p:cNvSpPr/>
+            <p:nvPr/>
+          </p:nvSpPr>
+          <p:spPr>
+            <a:xfrm>
+              <a:off x="7111292" y="3713887"/>
+              <a:ext cx="89771" cy="91877"/>
+            </a:xfrm>
+            <a:prstGeom prst="rect">
+              <a:avLst/>
+            </a:prstGeom>
+            <a:solidFill>
+              <a:schemeClr val="accent4"/>
+            </a:solidFill>
+          </p:spPr>
+          <p:style>
+            <a:lnRef idx="2">
+              <a:schemeClr val="accent1">
+                <a:shade val="50000"/>
+              </a:schemeClr>
+            </a:lnRef>
+            <a:fillRef idx="1">
+              <a:schemeClr val="accent1"/>
+            </a:fillRef>
+            <a:effectRef idx="0">
+              <a:schemeClr val="accent1"/>
+            </a:effectRef>
+            <a:fontRef idx="minor">
+              <a:schemeClr val="lt1"/>
+            </a:fontRef>
+          </p:style>
+          <p:txBody>
+            <a:bodyPr rtlCol="0" anchor="ctr"/>
+            <a:lstStyle/>
+            <a:p>
+              <a:pPr algn="ctr"/>
+              <a:endParaRPr lang="en-US"/>
+            </a:p>
+          </p:txBody>
+        </p:sp>
+        <p:sp>
+          <p:nvSpPr>
+            <p:cNvPr id="37" name="Rectangle 36"/>
+            <p:cNvSpPr/>
+            <p:nvPr/>
+          </p:nvSpPr>
+          <p:spPr>
+            <a:xfrm>
+              <a:off x="7111292" y="3805764"/>
+              <a:ext cx="89771" cy="91877"/>
+            </a:xfrm>
+            <a:prstGeom prst="rect">
+              <a:avLst/>
+            </a:prstGeom>
+            <a:solidFill>
+              <a:schemeClr val="accent4"/>
+            </a:solidFill>
+          </p:spPr>
+          <p:style>
+            <a:lnRef idx="2">
+              <a:schemeClr val="accent1">
+                <a:shade val="50000"/>
+              </a:schemeClr>
+            </a:lnRef>
+            <a:fillRef idx="1">
+              <a:schemeClr val="accent1"/>
+            </a:fillRef>
+            <a:effectRef idx="0">
+              <a:schemeClr val="accent1"/>
+            </a:effectRef>
+            <a:fontRef idx="minor">
+              <a:schemeClr val="lt1"/>
+            </a:fontRef>
+          </p:style>
+          <p:txBody>
+            <a:bodyPr rtlCol="0" anchor="ctr"/>
+            <a:lstStyle/>
+            <a:p>
+              <a:pPr algn="ctr"/>
+              <a:endParaRPr lang="en-US"/>
+            </a:p>
+          </p:txBody>
+        </p:sp>
+        <p:sp>
+          <p:nvSpPr>
+            <p:cNvPr id="38" name="Rectangle 37"/>
+            <p:cNvSpPr/>
+            <p:nvPr/>
+          </p:nvSpPr>
+          <p:spPr>
+            <a:xfrm>
+              <a:off x="7111292" y="3896836"/>
+              <a:ext cx="89771" cy="91877"/>
+            </a:xfrm>
+            <a:prstGeom prst="rect">
+              <a:avLst/>
+            </a:prstGeom>
+            <a:solidFill>
+              <a:schemeClr val="accent4"/>
+            </a:solidFill>
+          </p:spPr>
+          <p:style>
+            <a:lnRef idx="2">
+              <a:schemeClr val="accent1">
+                <a:shade val="50000"/>
+              </a:schemeClr>
+            </a:lnRef>
+            <a:fillRef idx="1">
+              <a:schemeClr val="accent1"/>
+            </a:fillRef>
+            <a:effectRef idx="0">
+              <a:schemeClr val="accent1"/>
+            </a:effectRef>
+            <a:fontRef idx="minor">
+              <a:schemeClr val="lt1"/>
+            </a:fontRef>
+          </p:style>
+          <p:txBody>
+            <a:bodyPr rtlCol="0" anchor="ctr"/>
+            <a:lstStyle/>
+            <a:p>
+              <a:pPr algn="ctr"/>
+              <a:endParaRPr lang="en-US"/>
+            </a:p>
+          </p:txBody>
+        </p:sp>
+        <p:sp>
+          <p:nvSpPr>
+            <p:cNvPr id="39" name="Rectangle 38"/>
+            <p:cNvSpPr/>
+            <p:nvPr/>
+          </p:nvSpPr>
+          <p:spPr>
+            <a:xfrm>
+              <a:off x="7111292" y="3991083"/>
+              <a:ext cx="89771" cy="91877"/>
+            </a:xfrm>
+            <a:prstGeom prst="rect">
+              <a:avLst/>
+            </a:prstGeom>
+            <a:solidFill>
+              <a:schemeClr val="accent4"/>
+            </a:solidFill>
+          </p:spPr>
+          <p:style>
+            <a:lnRef idx="2">
+              <a:schemeClr val="accent1">
+                <a:shade val="50000"/>
+              </a:schemeClr>
+            </a:lnRef>
+            <a:fillRef idx="1">
+              <a:schemeClr val="accent1"/>
+            </a:fillRef>
+            <a:effectRef idx="0">
+              <a:schemeClr val="accent1"/>
+            </a:effectRef>
+            <a:fontRef idx="minor">
+              <a:schemeClr val="lt1"/>
+            </a:fontRef>
+          </p:style>
+          <p:txBody>
+            <a:bodyPr rtlCol="0" anchor="ctr"/>
+            <a:lstStyle/>
+            <a:p>
+              <a:pPr algn="ctr"/>
+              <a:endParaRPr lang="en-US"/>
+            </a:p>
+          </p:txBody>
+        </p:sp>
+        <p:sp>
+          <p:nvSpPr>
+            <p:cNvPr id="40" name="Rectangle 39"/>
+            <p:cNvSpPr/>
+            <p:nvPr/>
+          </p:nvSpPr>
+          <p:spPr>
+            <a:xfrm>
+              <a:off x="7111292" y="4082155"/>
+              <a:ext cx="89771" cy="91877"/>
+            </a:xfrm>
+            <a:prstGeom prst="rect">
+              <a:avLst/>
+            </a:prstGeom>
+            <a:solidFill>
+              <a:schemeClr val="accent4"/>
+            </a:solidFill>
+          </p:spPr>
+          <p:style>
+            <a:lnRef idx="2">
+              <a:schemeClr val="accent1">
+                <a:shade val="50000"/>
+              </a:schemeClr>
+            </a:lnRef>
+            <a:fillRef idx="1">
+              <a:schemeClr val="accent1"/>
+            </a:fillRef>
+            <a:effectRef idx="0">
+              <a:schemeClr val="accent1"/>
+            </a:effectRef>
+            <a:fontRef idx="minor">
+              <a:schemeClr val="lt1"/>
+            </a:fontRef>
+          </p:style>
+          <p:txBody>
+            <a:bodyPr rtlCol="0" anchor="ctr"/>
+            <a:lstStyle/>
+            <a:p>
+              <a:pPr algn="ctr"/>
+              <a:endParaRPr lang="en-US"/>
+            </a:p>
+          </p:txBody>
+        </p:sp>
+        <p:sp>
+          <p:nvSpPr>
+            <p:cNvPr id="41" name="Rectangle 40"/>
+            <p:cNvSpPr/>
+            <p:nvPr/>
+          </p:nvSpPr>
+          <p:spPr>
+            <a:xfrm>
+              <a:off x="7111292" y="4170363"/>
+              <a:ext cx="89771" cy="91877"/>
+            </a:xfrm>
+            <a:prstGeom prst="rect">
+              <a:avLst/>
+            </a:prstGeom>
+            <a:solidFill>
+              <a:schemeClr val="accent4"/>
+            </a:solidFill>
+          </p:spPr>
+          <p:style>
+            <a:lnRef idx="2">
+              <a:schemeClr val="accent1">
+                <a:shade val="50000"/>
+              </a:schemeClr>
+            </a:lnRef>
+            <a:fillRef idx="1">
+              <a:schemeClr val="accent1"/>
+            </a:fillRef>
+            <a:effectRef idx="0">
+              <a:schemeClr val="accent1"/>
+            </a:effectRef>
+            <a:fontRef idx="minor">
+              <a:schemeClr val="lt1"/>
+            </a:fontRef>
+          </p:style>
+          <p:txBody>
+            <a:bodyPr rtlCol="0" anchor="ctr"/>
+            <a:lstStyle/>
+            <a:p>
+              <a:pPr algn="ctr"/>
+              <a:endParaRPr lang="en-US"/>
+            </a:p>
+          </p:txBody>
+        </p:sp>
+        <p:sp>
+          <p:nvSpPr>
+            <p:cNvPr id="42" name="Rectangle 41"/>
+            <p:cNvSpPr/>
+            <p:nvPr/>
+          </p:nvSpPr>
+          <p:spPr>
+            <a:xfrm>
+              <a:off x="7111292" y="4261435"/>
+              <a:ext cx="89771" cy="91877"/>
+            </a:xfrm>
+            <a:prstGeom prst="rect">
+              <a:avLst/>
+            </a:prstGeom>
+            <a:solidFill>
+              <a:schemeClr val="accent4"/>
+            </a:solidFill>
+          </p:spPr>
+          <p:style>
+            <a:lnRef idx="2">
+              <a:schemeClr val="accent1">
+                <a:shade val="50000"/>
+              </a:schemeClr>
+            </a:lnRef>
+            <a:fillRef idx="1">
+              <a:schemeClr val="accent1"/>
+            </a:fillRef>
+            <a:effectRef idx="0">
+              <a:schemeClr val="accent1"/>
+            </a:effectRef>
+            <a:fontRef idx="minor">
+              <a:schemeClr val="lt1"/>
+            </a:fontRef>
+          </p:style>
+          <p:txBody>
+            <a:bodyPr rtlCol="0" anchor="ctr"/>
+            <a:lstStyle/>
+            <a:p>
+              <a:pPr algn="ctr"/>
+              <a:endParaRPr lang="en-US"/>
+            </a:p>
+          </p:txBody>
+        </p:sp>
+        <p:sp>
+          <p:nvSpPr>
+            <p:cNvPr id="43" name="Rectangle 42"/>
+            <p:cNvSpPr/>
+            <p:nvPr/>
+          </p:nvSpPr>
+          <p:spPr>
+            <a:xfrm>
+              <a:off x="7111292" y="4355682"/>
+              <a:ext cx="89771" cy="91877"/>
+            </a:xfrm>
+            <a:prstGeom prst="rect">
+              <a:avLst/>
+            </a:prstGeom>
+            <a:solidFill>
+              <a:schemeClr val="accent4"/>
+            </a:solidFill>
+          </p:spPr>
+          <p:style>
+            <a:lnRef idx="2">
+              <a:schemeClr val="accent1">
+                <a:shade val="50000"/>
+              </a:schemeClr>
+            </a:lnRef>
+            <a:fillRef idx="1">
+              <a:schemeClr val="accent1"/>
+            </a:fillRef>
+            <a:effectRef idx="0">
+              <a:schemeClr val="accent1"/>
+            </a:effectRef>
+            <a:fontRef idx="minor">
+              <a:schemeClr val="lt1"/>
+            </a:fontRef>
+          </p:style>
+          <p:txBody>
+            <a:bodyPr rtlCol="0" anchor="ctr"/>
+            <a:lstStyle/>
+            <a:p>
+              <a:pPr algn="ctr"/>
+              <a:endParaRPr lang="en-US"/>
+            </a:p>
+          </p:txBody>
+        </p:sp>
+        <p:sp>
+          <p:nvSpPr>
+            <p:cNvPr id="44" name="Rectangle 43"/>
+            <p:cNvSpPr/>
+            <p:nvPr/>
+          </p:nvSpPr>
+          <p:spPr>
+            <a:xfrm>
+              <a:off x="7111292" y="4446754"/>
+              <a:ext cx="89771" cy="91877"/>
+            </a:xfrm>
+            <a:prstGeom prst="rect">
+              <a:avLst/>
+            </a:prstGeom>
+            <a:solidFill>
+              <a:schemeClr val="accent4"/>
+            </a:solidFill>
+          </p:spPr>
+          <p:style>
+            <a:lnRef idx="2">
+              <a:schemeClr val="accent1">
+                <a:shade val="50000"/>
+              </a:schemeClr>
+            </a:lnRef>
+            <a:fillRef idx="1">
+              <a:schemeClr val="accent1"/>
+            </a:fillRef>
+            <a:effectRef idx="0">
+              <a:schemeClr val="accent1"/>
+            </a:effectRef>
+            <a:fontRef idx="minor">
+              <a:schemeClr val="lt1"/>
+            </a:fontRef>
+          </p:style>
+          <p:txBody>
+            <a:bodyPr rtlCol="0" anchor="ctr"/>
+            <a:lstStyle/>
+            <a:p>
+              <a:pPr algn="ctr"/>
+              <a:endParaRPr lang="en-US"/>
+            </a:p>
+          </p:txBody>
+        </p:sp>
+        <p:sp>
+          <p:nvSpPr>
+            <p:cNvPr id="45" name="Rectangle 44"/>
+            <p:cNvSpPr/>
+            <p:nvPr/>
+          </p:nvSpPr>
+          <p:spPr>
+            <a:xfrm>
+              <a:off x="7111292" y="4533345"/>
+              <a:ext cx="89771" cy="91877"/>
+            </a:xfrm>
+            <a:prstGeom prst="rect">
+              <a:avLst/>
+            </a:prstGeom>
+            <a:solidFill>
+              <a:schemeClr val="accent4"/>
+            </a:solidFill>
+          </p:spPr>
+          <p:style>
+            <a:lnRef idx="2">
+              <a:schemeClr val="accent1">
+                <a:shade val="50000"/>
+              </a:schemeClr>
+            </a:lnRef>
+            <a:fillRef idx="1">
+              <a:schemeClr val="accent1"/>
+            </a:fillRef>
+            <a:effectRef idx="0">
+              <a:schemeClr val="accent1"/>
+            </a:effectRef>
+            <a:fontRef idx="minor">
+              <a:schemeClr val="lt1"/>
+            </a:fontRef>
+          </p:style>
+          <p:txBody>
+            <a:bodyPr rtlCol="0" anchor="ctr"/>
+            <a:lstStyle/>
+            <a:p>
+              <a:pPr algn="ctr"/>
+              <a:endParaRPr lang="en-US"/>
+            </a:p>
+          </p:txBody>
+        </p:sp>
+        <p:sp>
+          <p:nvSpPr>
+            <p:cNvPr id="46" name="Rectangle 45"/>
+            <p:cNvSpPr/>
+            <p:nvPr/>
+          </p:nvSpPr>
+          <p:spPr>
+            <a:xfrm>
+              <a:off x="7646366" y="2436388"/>
+              <a:ext cx="89771" cy="91877"/>
+            </a:xfrm>
+            <a:prstGeom prst="rect">
+              <a:avLst/>
+            </a:prstGeom>
+            <a:solidFill>
+              <a:schemeClr val="accent6"/>
+            </a:solidFill>
+          </p:spPr>
+          <p:style>
+            <a:lnRef idx="2">
+              <a:schemeClr val="accent1">
+                <a:shade val="50000"/>
+              </a:schemeClr>
+            </a:lnRef>
+            <a:fillRef idx="1">
+              <a:schemeClr val="accent1"/>
+            </a:fillRef>
+            <a:effectRef idx="0">
+              <a:schemeClr val="accent1"/>
+            </a:effectRef>
+            <a:fontRef idx="minor">
+              <a:schemeClr val="lt1"/>
+            </a:fontRef>
+          </p:style>
+          <p:txBody>
+            <a:bodyPr rtlCol="0" anchor="ctr"/>
+            <a:lstStyle/>
+            <a:p>
+              <a:pPr algn="ctr"/>
+              <a:endParaRPr lang="en-US"/>
+            </a:p>
+          </p:txBody>
+        </p:sp>
+        <p:sp>
+          <p:nvSpPr>
+            <p:cNvPr id="47" name="Rectangle 46"/>
+            <p:cNvSpPr/>
+            <p:nvPr/>
+          </p:nvSpPr>
+          <p:spPr>
+            <a:xfrm>
+              <a:off x="7646366" y="2530635"/>
+              <a:ext cx="89771" cy="91877"/>
+            </a:xfrm>
+            <a:prstGeom prst="rect">
+              <a:avLst/>
+            </a:prstGeom>
+            <a:solidFill>
+              <a:schemeClr val="accent6"/>
+            </a:solidFill>
+          </p:spPr>
+          <p:style>
+            <a:lnRef idx="2">
+              <a:schemeClr val="accent1">
+                <a:shade val="50000"/>
+              </a:schemeClr>
+            </a:lnRef>
+            <a:fillRef idx="1">
+              <a:schemeClr val="accent1"/>
+            </a:fillRef>
+            <a:effectRef idx="0">
+              <a:schemeClr val="accent1"/>
+            </a:effectRef>
+            <a:fontRef idx="minor">
+              <a:schemeClr val="lt1"/>
+            </a:fontRef>
+          </p:style>
+          <p:txBody>
+            <a:bodyPr rtlCol="0" anchor="ctr"/>
+            <a:lstStyle/>
+            <a:p>
+              <a:pPr algn="ctr"/>
+              <a:endParaRPr lang="en-US"/>
+            </a:p>
+          </p:txBody>
+        </p:sp>
+        <p:sp>
+          <p:nvSpPr>
+            <p:cNvPr id="48" name="Rectangle 47"/>
+            <p:cNvSpPr/>
+            <p:nvPr/>
+          </p:nvSpPr>
+          <p:spPr>
+            <a:xfrm>
+              <a:off x="7646366" y="2621707"/>
+              <a:ext cx="89771" cy="91877"/>
+            </a:xfrm>
+            <a:prstGeom prst="rect">
+              <a:avLst/>
+            </a:prstGeom>
+            <a:solidFill>
+              <a:schemeClr val="accent6"/>
+            </a:solidFill>
+          </p:spPr>
+          <p:style>
+            <a:lnRef idx="2">
+              <a:schemeClr val="accent1">
+                <a:shade val="50000"/>
+              </a:schemeClr>
+            </a:lnRef>
+            <a:fillRef idx="1">
+              <a:schemeClr val="accent1"/>
+            </a:fillRef>
+            <a:effectRef idx="0">
+              <a:schemeClr val="accent1"/>
+            </a:effectRef>
+            <a:fontRef idx="minor">
+              <a:schemeClr val="lt1"/>
+            </a:fontRef>
+          </p:style>
+          <p:txBody>
+            <a:bodyPr rtlCol="0" anchor="ctr"/>
+            <a:lstStyle/>
+            <a:p>
+              <a:pPr algn="ctr"/>
+              <a:endParaRPr lang="en-US"/>
+            </a:p>
+          </p:txBody>
+        </p:sp>
+        <p:sp>
+          <p:nvSpPr>
+            <p:cNvPr id="49" name="Rectangle 48"/>
+            <p:cNvSpPr/>
+            <p:nvPr/>
+          </p:nvSpPr>
+          <p:spPr>
+            <a:xfrm>
+              <a:off x="7646366" y="2709915"/>
+              <a:ext cx="89771" cy="91877"/>
+            </a:xfrm>
+            <a:prstGeom prst="rect">
+              <a:avLst/>
+            </a:prstGeom>
+            <a:solidFill>
+              <a:schemeClr val="accent6"/>
+            </a:solidFill>
+          </p:spPr>
+          <p:style>
+            <a:lnRef idx="2">
+              <a:schemeClr val="accent1">
+                <a:shade val="50000"/>
+              </a:schemeClr>
+            </a:lnRef>
+            <a:fillRef idx="1">
+              <a:schemeClr val="accent1"/>
+            </a:fillRef>
+            <a:effectRef idx="0">
+              <a:schemeClr val="accent1"/>
+            </a:effectRef>
+            <a:fontRef idx="minor">
+              <a:schemeClr val="lt1"/>
+            </a:fontRef>
+          </p:style>
+          <p:txBody>
+            <a:bodyPr rtlCol="0" anchor="ctr"/>
+            <a:lstStyle/>
+            <a:p>
+              <a:pPr algn="ctr"/>
+              <a:endParaRPr lang="en-US"/>
+            </a:p>
+          </p:txBody>
+        </p:sp>
+        <p:sp>
+          <p:nvSpPr>
+            <p:cNvPr id="50" name="Rectangle 49"/>
+            <p:cNvSpPr/>
+            <p:nvPr/>
+          </p:nvSpPr>
+          <p:spPr>
+            <a:xfrm>
+              <a:off x="7646366" y="2800987"/>
+              <a:ext cx="89771" cy="91877"/>
+            </a:xfrm>
+            <a:prstGeom prst="rect">
+              <a:avLst/>
+            </a:prstGeom>
+            <a:solidFill>
+              <a:schemeClr val="accent6"/>
+            </a:solidFill>
+          </p:spPr>
+          <p:style>
+            <a:lnRef idx="2">
+              <a:schemeClr val="accent1">
+                <a:shade val="50000"/>
+              </a:schemeClr>
+            </a:lnRef>
+            <a:fillRef idx="1">
+              <a:schemeClr val="accent1"/>
+            </a:fillRef>
+            <a:effectRef idx="0">
+              <a:schemeClr val="accent1"/>
+            </a:effectRef>
+            <a:fontRef idx="minor">
+              <a:schemeClr val="lt1"/>
+            </a:fontRef>
+          </p:style>
+          <p:txBody>
+            <a:bodyPr rtlCol="0" anchor="ctr"/>
+            <a:lstStyle/>
+            <a:p>
+              <a:pPr algn="ctr"/>
+              <a:endParaRPr lang="en-US"/>
+            </a:p>
+          </p:txBody>
+        </p:sp>
+        <p:sp>
+          <p:nvSpPr>
+            <p:cNvPr id="51" name="Rectangle 50"/>
+            <p:cNvSpPr/>
+            <p:nvPr/>
+          </p:nvSpPr>
+          <p:spPr>
+            <a:xfrm>
+              <a:off x="7646366" y="2895234"/>
+              <a:ext cx="89771" cy="91877"/>
+            </a:xfrm>
+            <a:prstGeom prst="rect">
+              <a:avLst/>
+            </a:prstGeom>
+            <a:solidFill>
+              <a:schemeClr val="accent6"/>
+            </a:solidFill>
+          </p:spPr>
+          <p:style>
+            <a:lnRef idx="2">
+              <a:schemeClr val="accent1">
+                <a:shade val="50000"/>
+              </a:schemeClr>
+            </a:lnRef>
+            <a:fillRef idx="1">
+              <a:schemeClr val="accent1"/>
+            </a:fillRef>
+            <a:effectRef idx="0">
+              <a:schemeClr val="accent1"/>
+            </a:effectRef>
+            <a:fontRef idx="minor">
+              <a:schemeClr val="lt1"/>
+            </a:fontRef>
+          </p:style>
+          <p:txBody>
+            <a:bodyPr rtlCol="0" anchor="ctr"/>
+            <a:lstStyle/>
+            <a:p>
+              <a:pPr algn="ctr"/>
+              <a:endParaRPr lang="en-US"/>
+            </a:p>
+          </p:txBody>
+        </p:sp>
+        <p:sp>
+          <p:nvSpPr>
+            <p:cNvPr id="52" name="Rectangle 51"/>
+            <p:cNvSpPr/>
+            <p:nvPr/>
+          </p:nvSpPr>
+          <p:spPr>
+            <a:xfrm>
+              <a:off x="7646366" y="2986306"/>
+              <a:ext cx="89771" cy="91877"/>
+            </a:xfrm>
+            <a:prstGeom prst="rect">
+              <a:avLst/>
+            </a:prstGeom>
+            <a:solidFill>
+              <a:schemeClr val="accent6"/>
+            </a:solidFill>
+          </p:spPr>
+          <p:style>
+            <a:lnRef idx="2">
+              <a:schemeClr val="accent1">
+                <a:shade val="50000"/>
+              </a:schemeClr>
+            </a:lnRef>
+            <a:fillRef idx="1">
+              <a:schemeClr val="accent1"/>
+            </a:fillRef>
+            <a:effectRef idx="0">
+              <a:schemeClr val="accent1"/>
+            </a:effectRef>
+            <a:fontRef idx="minor">
+              <a:schemeClr val="lt1"/>
+            </a:fontRef>
+          </p:style>
+          <p:txBody>
+            <a:bodyPr rtlCol="0" anchor="ctr"/>
+            <a:lstStyle/>
+            <a:p>
+              <a:pPr algn="ctr"/>
+              <a:endParaRPr lang="en-US"/>
+            </a:p>
+          </p:txBody>
+        </p:sp>
+        <p:sp>
+          <p:nvSpPr>
+            <p:cNvPr id="53" name="Rectangle 52"/>
+            <p:cNvSpPr/>
+            <p:nvPr/>
+          </p:nvSpPr>
+          <p:spPr>
+            <a:xfrm>
+              <a:off x="7646366" y="3072897"/>
+              <a:ext cx="89771" cy="91877"/>
+            </a:xfrm>
+            <a:prstGeom prst="rect">
+              <a:avLst/>
+            </a:prstGeom>
+            <a:solidFill>
+              <a:schemeClr val="accent6"/>
+            </a:solidFill>
+          </p:spPr>
+          <p:style>
+            <a:lnRef idx="2">
+              <a:schemeClr val="accent1">
+                <a:shade val="50000"/>
+              </a:schemeClr>
+            </a:lnRef>
+            <a:fillRef idx="1">
+              <a:schemeClr val="accent1"/>
+            </a:fillRef>
+            <a:effectRef idx="0">
+              <a:schemeClr val="accent1"/>
+            </a:effectRef>
+            <a:fontRef idx="minor">
+              <a:schemeClr val="lt1"/>
+            </a:fontRef>
+          </p:style>
+          <p:txBody>
+            <a:bodyPr rtlCol="0" anchor="ctr"/>
+            <a:lstStyle/>
+            <a:p>
+              <a:pPr algn="ctr"/>
+              <a:endParaRPr lang="en-US"/>
+            </a:p>
+          </p:txBody>
+        </p:sp>
+        <p:sp>
+          <p:nvSpPr>
+            <p:cNvPr id="54" name="Rectangle 53"/>
+            <p:cNvSpPr/>
+            <p:nvPr/>
+          </p:nvSpPr>
+          <p:spPr>
+            <a:xfrm>
+              <a:off x="7646366" y="3163969"/>
+              <a:ext cx="89771" cy="91877"/>
+            </a:xfrm>
+            <a:prstGeom prst="rect">
+              <a:avLst/>
+            </a:prstGeom>
+            <a:solidFill>
+              <a:schemeClr val="accent6"/>
+            </a:solidFill>
+          </p:spPr>
+          <p:style>
+            <a:lnRef idx="2">
+              <a:schemeClr val="accent1">
+                <a:shade val="50000"/>
+              </a:schemeClr>
+            </a:lnRef>
+            <a:fillRef idx="1">
+              <a:schemeClr val="accent1"/>
+            </a:fillRef>
+            <a:effectRef idx="0">
+              <a:schemeClr val="accent1"/>
+            </a:effectRef>
+            <a:fontRef idx="minor">
+              <a:schemeClr val="lt1"/>
+            </a:fontRef>
+          </p:style>
+          <p:txBody>
+            <a:bodyPr rtlCol="0" anchor="ctr"/>
+            <a:lstStyle/>
+            <a:p>
+              <a:pPr algn="ctr"/>
+              <a:endParaRPr lang="en-US"/>
+            </a:p>
+          </p:txBody>
+        </p:sp>
+        <p:sp>
+          <p:nvSpPr>
+            <p:cNvPr id="55" name="Rectangle 54"/>
+            <p:cNvSpPr/>
+            <p:nvPr/>
+          </p:nvSpPr>
+          <p:spPr>
+            <a:xfrm>
+              <a:off x="7646366" y="3258216"/>
+              <a:ext cx="89771" cy="91877"/>
+            </a:xfrm>
+            <a:prstGeom prst="rect">
+              <a:avLst/>
+            </a:prstGeom>
+            <a:solidFill>
+              <a:schemeClr val="accent6"/>
+            </a:solidFill>
+          </p:spPr>
+          <p:style>
+            <a:lnRef idx="2">
+              <a:schemeClr val="accent1">
+                <a:shade val="50000"/>
+              </a:schemeClr>
+            </a:lnRef>
+            <a:fillRef idx="1">
+              <a:schemeClr val="accent1"/>
+            </a:fillRef>
+            <a:effectRef idx="0">
+              <a:schemeClr val="accent1"/>
+            </a:effectRef>
+            <a:fontRef idx="minor">
+              <a:schemeClr val="lt1"/>
+            </a:fontRef>
+          </p:style>
+          <p:txBody>
+            <a:bodyPr rtlCol="0" anchor="ctr"/>
+            <a:lstStyle/>
+            <a:p>
+              <a:pPr algn="ctr"/>
+              <a:endParaRPr lang="en-US"/>
+            </a:p>
+          </p:txBody>
+        </p:sp>
+        <p:sp>
+          <p:nvSpPr>
+            <p:cNvPr id="56" name="Rectangle 55"/>
+            <p:cNvSpPr/>
+            <p:nvPr/>
+          </p:nvSpPr>
+          <p:spPr>
+            <a:xfrm>
+              <a:off x="7646366" y="3349288"/>
+              <a:ext cx="89771" cy="91877"/>
+            </a:xfrm>
+            <a:prstGeom prst="rect">
+              <a:avLst/>
+            </a:prstGeom>
+            <a:solidFill>
+              <a:schemeClr val="accent6"/>
+            </a:solidFill>
+          </p:spPr>
+          <p:style>
+            <a:lnRef idx="2">
+              <a:schemeClr val="accent1">
+                <a:shade val="50000"/>
+              </a:schemeClr>
+            </a:lnRef>
+            <a:fillRef idx="1">
+              <a:schemeClr val="accent1"/>
+            </a:fillRef>
+            <a:effectRef idx="0">
+              <a:schemeClr val="accent1"/>
+            </a:effectRef>
+            <a:fontRef idx="minor">
+              <a:schemeClr val="lt1"/>
+            </a:fontRef>
+          </p:style>
+          <p:txBody>
+            <a:bodyPr rtlCol="0" anchor="ctr"/>
+            <a:lstStyle/>
+            <a:p>
+              <a:pPr algn="ctr"/>
+              <a:endParaRPr lang="en-US"/>
+            </a:p>
+          </p:txBody>
+        </p:sp>
+        <p:sp>
+          <p:nvSpPr>
+            <p:cNvPr id="57" name="Rectangle 56"/>
+            <p:cNvSpPr/>
+            <p:nvPr/>
+          </p:nvSpPr>
+          <p:spPr>
+            <a:xfrm>
+              <a:off x="7646366" y="3437496"/>
+              <a:ext cx="89771" cy="91877"/>
+            </a:xfrm>
+            <a:prstGeom prst="rect">
+              <a:avLst/>
+            </a:prstGeom>
+            <a:solidFill>
+              <a:schemeClr val="accent6"/>
+            </a:solidFill>
+          </p:spPr>
+          <p:style>
+            <a:lnRef idx="2">
+              <a:schemeClr val="accent1">
+                <a:shade val="50000"/>
+              </a:schemeClr>
+            </a:lnRef>
+            <a:fillRef idx="1">
+              <a:schemeClr val="accent1"/>
+            </a:fillRef>
+            <a:effectRef idx="0">
+              <a:schemeClr val="accent1"/>
+            </a:effectRef>
+            <a:fontRef idx="minor">
+              <a:schemeClr val="lt1"/>
+            </a:fontRef>
+          </p:style>
+          <p:txBody>
+            <a:bodyPr rtlCol="0" anchor="ctr"/>
+            <a:lstStyle/>
+            <a:p>
+              <a:pPr algn="ctr"/>
+              <a:endParaRPr lang="en-US"/>
+            </a:p>
+          </p:txBody>
+        </p:sp>
+        <p:sp>
+          <p:nvSpPr>
+            <p:cNvPr id="58" name="Rectangle 57"/>
+            <p:cNvSpPr/>
+            <p:nvPr/>
+          </p:nvSpPr>
+          <p:spPr>
+            <a:xfrm>
+              <a:off x="7646366" y="3528568"/>
+              <a:ext cx="89771" cy="91877"/>
+            </a:xfrm>
+            <a:prstGeom prst="rect">
+              <a:avLst/>
+            </a:prstGeom>
+            <a:solidFill>
+              <a:schemeClr val="accent6"/>
+            </a:solidFill>
+          </p:spPr>
+          <p:style>
+            <a:lnRef idx="2">
+              <a:schemeClr val="accent1">
+                <a:shade val="50000"/>
+              </a:schemeClr>
+            </a:lnRef>
+            <a:fillRef idx="1">
+              <a:schemeClr val="accent1"/>
+            </a:fillRef>
+            <a:effectRef idx="0">
+              <a:schemeClr val="accent1"/>
+            </a:effectRef>
+            <a:fontRef idx="minor">
+              <a:schemeClr val="lt1"/>
+            </a:fontRef>
+          </p:style>
+          <p:txBody>
+            <a:bodyPr rtlCol="0" anchor="ctr"/>
+            <a:lstStyle/>
+            <a:p>
+              <a:pPr algn="ctr"/>
+              <a:endParaRPr lang="en-US"/>
+            </a:p>
+          </p:txBody>
+        </p:sp>
+        <p:sp>
+          <p:nvSpPr>
+            <p:cNvPr id="59" name="Rectangle 58"/>
+            <p:cNvSpPr/>
+            <p:nvPr/>
+          </p:nvSpPr>
+          <p:spPr>
+            <a:xfrm>
+              <a:off x="7646366" y="3622815"/>
+              <a:ext cx="89771" cy="91877"/>
+            </a:xfrm>
+            <a:prstGeom prst="rect">
+              <a:avLst/>
+            </a:prstGeom>
+            <a:solidFill>
+              <a:schemeClr val="accent6"/>
+            </a:solidFill>
+          </p:spPr>
+          <p:style>
+            <a:lnRef idx="2">
+              <a:schemeClr val="accent1">
+                <a:shade val="50000"/>
+              </a:schemeClr>
+            </a:lnRef>
+            <a:fillRef idx="1">
+              <a:schemeClr val="accent1"/>
+            </a:fillRef>
+            <a:effectRef idx="0">
+              <a:schemeClr val="accent1"/>
+            </a:effectRef>
+            <a:fontRef idx="minor">
+              <a:schemeClr val="lt1"/>
+            </a:fontRef>
+          </p:style>
+          <p:txBody>
+            <a:bodyPr rtlCol="0" anchor="ctr"/>
+            <a:lstStyle/>
+            <a:p>
+              <a:pPr algn="ctr"/>
+              <a:endParaRPr lang="en-US"/>
+            </a:p>
+          </p:txBody>
+        </p:sp>
+        <p:sp>
+          <p:nvSpPr>
+            <p:cNvPr id="60" name="Rectangle 59"/>
+            <p:cNvSpPr/>
+            <p:nvPr/>
+          </p:nvSpPr>
+          <p:spPr>
+            <a:xfrm>
+              <a:off x="7646366" y="3713887"/>
+              <a:ext cx="89771" cy="91877"/>
+            </a:xfrm>
+            <a:prstGeom prst="rect">
+              <a:avLst/>
+            </a:prstGeom>
+            <a:solidFill>
+              <a:schemeClr val="accent6"/>
+            </a:solidFill>
+          </p:spPr>
+          <p:style>
+            <a:lnRef idx="2">
+              <a:schemeClr val="accent1">
+                <a:shade val="50000"/>
+              </a:schemeClr>
+            </a:lnRef>
+            <a:fillRef idx="1">
+              <a:schemeClr val="accent1"/>
+            </a:fillRef>
+            <a:effectRef idx="0">
+              <a:schemeClr val="accent1"/>
+            </a:effectRef>
+            <a:fontRef idx="minor">
+              <a:schemeClr val="lt1"/>
+            </a:fontRef>
+          </p:style>
+          <p:txBody>
+            <a:bodyPr rtlCol="0" anchor="ctr"/>
+            <a:lstStyle/>
+            <a:p>
+              <a:pPr algn="ctr"/>
+              <a:endParaRPr lang="en-US"/>
+            </a:p>
+          </p:txBody>
+        </p:sp>
+        <p:sp>
+          <p:nvSpPr>
+            <p:cNvPr id="61" name="Rectangle 60"/>
+            <p:cNvSpPr/>
+            <p:nvPr/>
+          </p:nvSpPr>
+          <p:spPr>
+            <a:xfrm>
+              <a:off x="7646366" y="3805764"/>
+              <a:ext cx="89771" cy="91877"/>
+            </a:xfrm>
+            <a:prstGeom prst="rect">
+              <a:avLst/>
+            </a:prstGeom>
+            <a:solidFill>
+              <a:schemeClr val="accent6"/>
+            </a:solidFill>
+          </p:spPr>
+          <p:style>
+            <a:lnRef idx="2">
+              <a:schemeClr val="accent1">
+                <a:shade val="50000"/>
+              </a:schemeClr>
+            </a:lnRef>
+            <a:fillRef idx="1">
+              <a:schemeClr val="accent1"/>
+            </a:fillRef>
+            <a:effectRef idx="0">
+              <a:schemeClr val="accent1"/>
+            </a:effectRef>
+            <a:fontRef idx="minor">
+              <a:schemeClr val="lt1"/>
+            </a:fontRef>
+          </p:style>
+          <p:txBody>
+            <a:bodyPr rtlCol="0" anchor="ctr"/>
+            <a:lstStyle/>
+            <a:p>
+              <a:pPr algn="ctr"/>
+              <a:endParaRPr lang="en-US"/>
+            </a:p>
+          </p:txBody>
+        </p:sp>
+        <p:sp>
+          <p:nvSpPr>
+            <p:cNvPr id="62" name="Rectangle 61"/>
+            <p:cNvSpPr/>
+            <p:nvPr/>
+          </p:nvSpPr>
+          <p:spPr>
+            <a:xfrm>
+              <a:off x="7646366" y="3896836"/>
+              <a:ext cx="89771" cy="91877"/>
+            </a:xfrm>
+            <a:prstGeom prst="rect">
+              <a:avLst/>
+            </a:prstGeom>
+            <a:solidFill>
+              <a:schemeClr val="accent6"/>
+            </a:solidFill>
+          </p:spPr>
+          <p:style>
+            <a:lnRef idx="2">
+              <a:schemeClr val="accent1">
+                <a:shade val="50000"/>
+              </a:schemeClr>
+            </a:lnRef>
+            <a:fillRef idx="1">
+              <a:schemeClr val="accent1"/>
+            </a:fillRef>
+            <a:effectRef idx="0">
+              <a:schemeClr val="accent1"/>
+            </a:effectRef>
+            <a:fontRef idx="minor">
+              <a:schemeClr val="lt1"/>
+            </a:fontRef>
+          </p:style>
+          <p:txBody>
+            <a:bodyPr rtlCol="0" anchor="ctr"/>
+            <a:lstStyle/>
+            <a:p>
+              <a:pPr algn="ctr"/>
+              <a:endParaRPr lang="en-US"/>
+            </a:p>
+          </p:txBody>
+        </p:sp>
+        <p:sp>
+          <p:nvSpPr>
+            <p:cNvPr id="63" name="Rectangle 62"/>
+            <p:cNvSpPr/>
+            <p:nvPr/>
+          </p:nvSpPr>
+          <p:spPr>
+            <a:xfrm>
+              <a:off x="7646366" y="3991083"/>
+              <a:ext cx="89771" cy="91877"/>
+            </a:xfrm>
+            <a:prstGeom prst="rect">
+              <a:avLst/>
+            </a:prstGeom>
+            <a:solidFill>
+              <a:schemeClr val="accent6"/>
+            </a:solidFill>
+          </p:spPr>
+          <p:style>
+            <a:lnRef idx="2">
+              <a:schemeClr val="accent1">
+                <a:shade val="50000"/>
+              </a:schemeClr>
+            </a:lnRef>
+            <a:fillRef idx="1">
+              <a:schemeClr val="accent1"/>
+            </a:fillRef>
+            <a:effectRef idx="0">
+              <a:schemeClr val="accent1"/>
+            </a:effectRef>
+            <a:fontRef idx="minor">
+              <a:schemeClr val="lt1"/>
+            </a:fontRef>
+          </p:style>
+          <p:txBody>
+            <a:bodyPr rtlCol="0" anchor="ctr"/>
+            <a:lstStyle/>
+            <a:p>
+              <a:pPr algn="ctr"/>
+              <a:endParaRPr lang="en-US"/>
+            </a:p>
+          </p:txBody>
+        </p:sp>
+        <p:sp>
+          <p:nvSpPr>
+            <p:cNvPr id="64" name="Rectangle 63"/>
+            <p:cNvSpPr/>
+            <p:nvPr/>
+          </p:nvSpPr>
+          <p:spPr>
+            <a:xfrm>
+              <a:off x="7646366" y="4082155"/>
+              <a:ext cx="89771" cy="91877"/>
+            </a:xfrm>
+            <a:prstGeom prst="rect">
+              <a:avLst/>
+            </a:prstGeom>
+            <a:solidFill>
+              <a:schemeClr val="accent6"/>
+            </a:solidFill>
+          </p:spPr>
+          <p:style>
+            <a:lnRef idx="2">
+              <a:schemeClr val="accent1">
+                <a:shade val="50000"/>
+              </a:schemeClr>
+            </a:lnRef>
+            <a:fillRef idx="1">
+              <a:schemeClr val="accent1"/>
+            </a:fillRef>
+            <a:effectRef idx="0">
+              <a:schemeClr val="accent1"/>
+            </a:effectRef>
+            <a:fontRef idx="minor">
+              <a:schemeClr val="lt1"/>
+            </a:fontRef>
+          </p:style>
+          <p:txBody>
+            <a:bodyPr rtlCol="0" anchor="ctr"/>
+            <a:lstStyle/>
+            <a:p>
+              <a:pPr algn="ctr"/>
+              <a:endParaRPr lang="en-US"/>
+            </a:p>
+          </p:txBody>
+        </p:sp>
+        <p:sp>
+          <p:nvSpPr>
+            <p:cNvPr id="65" name="Rectangle 64"/>
+            <p:cNvSpPr/>
+            <p:nvPr/>
+          </p:nvSpPr>
+          <p:spPr>
+            <a:xfrm>
+              <a:off x="7646366" y="4170363"/>
+              <a:ext cx="89771" cy="91877"/>
+            </a:xfrm>
+            <a:prstGeom prst="rect">
+              <a:avLst/>
+            </a:prstGeom>
+            <a:solidFill>
+              <a:schemeClr val="accent6"/>
+            </a:solidFill>
+          </p:spPr>
+          <p:style>
+            <a:lnRef idx="2">
+              <a:schemeClr val="accent1">
+                <a:shade val="50000"/>
+              </a:schemeClr>
+            </a:lnRef>
+            <a:fillRef idx="1">
+              <a:schemeClr val="accent1"/>
+            </a:fillRef>
+            <a:effectRef idx="0">
+              <a:schemeClr val="accent1"/>
+            </a:effectRef>
+            <a:fontRef idx="minor">
+              <a:schemeClr val="lt1"/>
+            </a:fontRef>
+          </p:style>
+          <p:txBody>
+            <a:bodyPr rtlCol="0" anchor="ctr"/>
+            <a:lstStyle/>
+            <a:p>
+              <a:pPr algn="ctr"/>
+              <a:endParaRPr lang="en-US"/>
+            </a:p>
+          </p:txBody>
+        </p:sp>
+        <p:sp>
+          <p:nvSpPr>
+            <p:cNvPr id="66" name="Rectangle 65"/>
+            <p:cNvSpPr/>
+            <p:nvPr/>
+          </p:nvSpPr>
+          <p:spPr>
+            <a:xfrm>
+              <a:off x="7646366" y="4261435"/>
+              <a:ext cx="89771" cy="91877"/>
+            </a:xfrm>
+            <a:prstGeom prst="rect">
+              <a:avLst/>
+            </a:prstGeom>
+            <a:solidFill>
+              <a:schemeClr val="accent6"/>
+            </a:solidFill>
+          </p:spPr>
+          <p:style>
+            <a:lnRef idx="2">
+              <a:schemeClr val="accent1">
+                <a:shade val="50000"/>
+              </a:schemeClr>
+            </a:lnRef>
+            <a:fillRef idx="1">
+              <a:schemeClr val="accent1"/>
+            </a:fillRef>
+            <a:effectRef idx="0">
+              <a:schemeClr val="accent1"/>
+            </a:effectRef>
+            <a:fontRef idx="minor">
+              <a:schemeClr val="lt1"/>
+            </a:fontRef>
+          </p:style>
+          <p:txBody>
+            <a:bodyPr rtlCol="0" anchor="ctr"/>
+            <a:lstStyle/>
+            <a:p>
+              <a:pPr algn="ctr"/>
+              <a:endParaRPr lang="en-US"/>
+            </a:p>
+          </p:txBody>
+        </p:sp>
+        <p:sp>
+          <p:nvSpPr>
+            <p:cNvPr id="67" name="Rectangle 66"/>
+            <p:cNvSpPr/>
+            <p:nvPr/>
+          </p:nvSpPr>
+          <p:spPr>
+            <a:xfrm>
+              <a:off x="7646366" y="4355682"/>
+              <a:ext cx="89771" cy="91877"/>
+            </a:xfrm>
+            <a:prstGeom prst="rect">
+              <a:avLst/>
+            </a:prstGeom>
+            <a:solidFill>
+              <a:schemeClr val="accent6"/>
+            </a:solidFill>
+          </p:spPr>
+          <p:style>
+            <a:lnRef idx="2">
+              <a:schemeClr val="accent1">
+                <a:shade val="50000"/>
+              </a:schemeClr>
+            </a:lnRef>
+            <a:fillRef idx="1">
+              <a:schemeClr val="accent1"/>
+            </a:fillRef>
+            <a:effectRef idx="0">
+              <a:schemeClr val="accent1"/>
+            </a:effectRef>
+            <a:fontRef idx="minor">
+              <a:schemeClr val="lt1"/>
+            </a:fontRef>
+          </p:style>
+          <p:txBody>
+            <a:bodyPr rtlCol="0" anchor="ctr"/>
+            <a:lstStyle/>
+            <a:p>
+              <a:pPr algn="ctr"/>
+              <a:endParaRPr lang="en-US"/>
+            </a:p>
+          </p:txBody>
+        </p:sp>
+        <p:sp>
+          <p:nvSpPr>
+            <p:cNvPr id="68" name="Rectangle 67"/>
+            <p:cNvSpPr/>
+            <p:nvPr/>
+          </p:nvSpPr>
+          <p:spPr>
+            <a:xfrm>
+              <a:off x="7646366" y="4446754"/>
+              <a:ext cx="89771" cy="91877"/>
+            </a:xfrm>
+            <a:prstGeom prst="rect">
+              <a:avLst/>
+            </a:prstGeom>
+            <a:solidFill>
+              <a:schemeClr val="accent6"/>
+            </a:solidFill>
+          </p:spPr>
+          <p:style>
+            <a:lnRef idx="2">
+              <a:schemeClr val="accent1">
+                <a:shade val="50000"/>
+              </a:schemeClr>
+            </a:lnRef>
+            <a:fillRef idx="1">
+              <a:schemeClr val="accent1"/>
+            </a:fillRef>
+            <a:effectRef idx="0">
+              <a:schemeClr val="accent1"/>
+            </a:effectRef>
+            <a:fontRef idx="minor">
+              <a:schemeClr val="lt1"/>
+            </a:fontRef>
+          </p:style>
+          <p:txBody>
+            <a:bodyPr rtlCol="0" anchor="ctr"/>
+            <a:lstStyle/>
+            <a:p>
+              <a:pPr algn="ctr"/>
+              <a:endParaRPr lang="en-US"/>
+            </a:p>
+          </p:txBody>
+        </p:sp>
+        <p:sp>
+          <p:nvSpPr>
+            <p:cNvPr id="69" name="Rectangle 68"/>
+            <p:cNvSpPr/>
+            <p:nvPr/>
+          </p:nvSpPr>
+          <p:spPr>
+            <a:xfrm>
+              <a:off x="7646366" y="4533345"/>
+              <a:ext cx="89771" cy="91877"/>
+            </a:xfrm>
+            <a:prstGeom prst="rect">
+              <a:avLst/>
+            </a:prstGeom>
+            <a:solidFill>
+              <a:schemeClr val="accent6"/>
+            </a:solidFill>
+          </p:spPr>
+          <p:style>
+            <a:lnRef idx="2">
+              <a:schemeClr val="accent1">
+                <a:shade val="50000"/>
+              </a:schemeClr>
+            </a:lnRef>
+            <a:fillRef idx="1">
+              <a:schemeClr val="accent1"/>
+            </a:fillRef>
+            <a:effectRef idx="0">
+              <a:schemeClr val="accent1"/>
+            </a:effectRef>
+            <a:fontRef idx="minor">
+              <a:schemeClr val="lt1"/>
+            </a:fontRef>
+          </p:style>
+          <p:txBody>
+            <a:bodyPr rtlCol="0" anchor="ctr"/>
+            <a:lstStyle/>
+            <a:p>
+              <a:pPr algn="ctr"/>
+              <a:endParaRPr lang="en-US"/>
+            </a:p>
+          </p:txBody>
+        </p:sp>
+        <p:sp>
+          <p:nvSpPr>
+            <p:cNvPr id="70" name="Rectangle 69"/>
+            <p:cNvSpPr/>
+            <p:nvPr/>
+          </p:nvSpPr>
+          <p:spPr>
+            <a:xfrm>
+              <a:off x="7268060" y="3454225"/>
+              <a:ext cx="45719" cy="45719"/>
+            </a:xfrm>
+            <a:prstGeom prst="rect">
+              <a:avLst/>
+            </a:prstGeom>
+            <a:solidFill>
+              <a:schemeClr val="tx1"/>
+            </a:solidFill>
+            <a:ln>
+              <a:noFill/>
+            </a:ln>
+          </p:spPr>
+          <p:style>
+            <a:lnRef idx="2">
+              <a:schemeClr val="accent1">
+                <a:shade val="50000"/>
+              </a:schemeClr>
+            </a:lnRef>
+            <a:fillRef idx="1">
+              <a:schemeClr val="accent1"/>
+            </a:fillRef>
+            <a:effectRef idx="0">
+              <a:schemeClr val="accent1"/>
+            </a:effectRef>
+            <a:fontRef idx="minor">
+              <a:schemeClr val="lt1"/>
+            </a:fontRef>
+          </p:style>
+          <p:txBody>
+            <a:bodyPr rtlCol="0" anchor="ctr"/>
+            <a:lstStyle/>
+            <a:p>
+              <a:pPr algn="ctr"/>
+              <a:endParaRPr lang="en-US"/>
+            </a:p>
+          </p:txBody>
+        </p:sp>
+        <p:sp>
+          <p:nvSpPr>
+            <p:cNvPr id="71" name="Rectangle 70"/>
+            <p:cNvSpPr/>
+            <p:nvPr/>
+          </p:nvSpPr>
+          <p:spPr>
+            <a:xfrm>
+              <a:off x="7400838" y="3454225"/>
+              <a:ext cx="45719" cy="45719"/>
+            </a:xfrm>
+            <a:prstGeom prst="rect">
+              <a:avLst/>
+            </a:prstGeom>
+            <a:solidFill>
+              <a:schemeClr val="tx1"/>
+            </a:solidFill>
+            <a:ln>
+              <a:noFill/>
+            </a:ln>
+          </p:spPr>
+          <p:style>
+            <a:lnRef idx="2">
+              <a:schemeClr val="accent1">
+                <a:shade val="50000"/>
+              </a:schemeClr>
+            </a:lnRef>
+            <a:fillRef idx="1">
+              <a:schemeClr val="accent1"/>
+            </a:fillRef>
+            <a:effectRef idx="0">
+              <a:schemeClr val="accent1"/>
+            </a:effectRef>
+            <a:fontRef idx="minor">
+              <a:schemeClr val="lt1"/>
+            </a:fontRef>
+          </p:style>
+          <p:txBody>
+            <a:bodyPr rtlCol="0" anchor="ctr"/>
+            <a:lstStyle/>
+            <a:p>
+              <a:pPr algn="ctr"/>
+              <a:endParaRPr lang="en-US"/>
+            </a:p>
+          </p:txBody>
+        </p:sp>
+        <p:sp>
+          <p:nvSpPr>
+            <p:cNvPr id="72" name="Rectangle 71"/>
+            <p:cNvSpPr/>
+            <p:nvPr/>
+          </p:nvSpPr>
+          <p:spPr>
+            <a:xfrm>
+              <a:off x="7533649" y="3454225"/>
+              <a:ext cx="45719" cy="45719"/>
+            </a:xfrm>
+            <a:prstGeom prst="rect">
+              <a:avLst/>
+            </a:prstGeom>
+            <a:solidFill>
+              <a:schemeClr val="tx1"/>
+            </a:solidFill>
+            <a:ln>
+              <a:noFill/>
+            </a:ln>
+          </p:spPr>
+          <p:style>
+            <a:lnRef idx="2">
+              <a:schemeClr val="accent1">
+                <a:shade val="50000"/>
+              </a:schemeClr>
+            </a:lnRef>
+            <a:fillRef idx="1">
+              <a:schemeClr val="accent1"/>
+            </a:fillRef>
+            <a:effectRef idx="0">
+              <a:schemeClr val="accent1"/>
+            </a:effectRef>
+            <a:fontRef idx="minor">
+              <a:schemeClr val="lt1"/>
+            </a:fontRef>
+          </p:style>
+          <p:txBody>
+            <a:bodyPr rtlCol="0" anchor="ctr"/>
+            <a:lstStyle/>
+            <a:p>
+              <a:pPr algn="ctr"/>
+              <a:endParaRPr lang="en-US"/>
+            </a:p>
+          </p:txBody>
+        </p:sp>
+        <p:cxnSp>
+          <p:nvCxnSpPr>
+            <p:cNvPr id="73" name="Straight Connector 72"/>
+            <p:cNvCxnSpPr>
+              <a:stCxn id="92" idx="0"/>
+              <a:endCxn id="49" idx="0"/>
+            </p:cNvCxnSpPr>
+            <p:nvPr/>
+          </p:nvCxnSpPr>
+          <p:spPr>
+            <a:xfrm flipV="1">
+              <a:off x="4579231" y="2345316"/>
+              <a:ext cx="2576947" cy="255352"/>
+            </a:xfrm>
+            <a:prstGeom prst="line">
+              <a:avLst/>
+            </a:prstGeom>
+            <a:ln w="12700">
+              <a:solidFill>
+                <a:schemeClr val="accent4"/>
+              </a:solidFill>
+            </a:ln>
+          </p:spPr>
+          <p:style>
+            <a:lnRef idx="1">
+              <a:schemeClr val="accent1"/>
+            </a:lnRef>
+            <a:fillRef idx="0">
+              <a:schemeClr val="accent1"/>
+            </a:fillRef>
+            <a:effectRef idx="0">
+              <a:schemeClr val="accent1"/>
+            </a:effectRef>
+            <a:fontRef idx="minor">
+              <a:schemeClr val="tx1"/>
+            </a:fontRef>
+          </p:style>
+        </p:cxnSp>
+        <p:cxnSp>
+          <p:nvCxnSpPr>
+            <p:cNvPr id="74" name="Straight Connector 73"/>
+            <p:cNvCxnSpPr>
+              <a:stCxn id="92" idx="2"/>
+            </p:cNvCxnSpPr>
+            <p:nvPr/>
+          </p:nvCxnSpPr>
+          <p:spPr>
+            <a:xfrm flipV="1">
+              <a:off x="4579231" y="2437511"/>
+              <a:ext cx="2576947" cy="250735"/>
+            </a:xfrm>
+            <a:prstGeom prst="line">
+              <a:avLst/>
+            </a:prstGeom>
+            <a:ln w="12700">
+              <a:solidFill>
+                <a:schemeClr val="accent4"/>
+              </a:solidFill>
+            </a:ln>
+          </p:spPr>
+          <p:style>
+            <a:lnRef idx="1">
+              <a:schemeClr val="accent1"/>
+            </a:lnRef>
+            <a:fillRef idx="0">
+              <a:schemeClr val="accent1"/>
+            </a:fillRef>
+            <a:effectRef idx="0">
+              <a:schemeClr val="accent1"/>
+            </a:effectRef>
+            <a:fontRef idx="minor">
+              <a:schemeClr val="tx1"/>
+            </a:fontRef>
+          </p:style>
+        </p:cxnSp>
+        <p:cxnSp>
+          <p:nvCxnSpPr>
+            <p:cNvPr id="75" name="Straight Connector 74"/>
+            <p:cNvCxnSpPr>
+              <a:stCxn id="48" idx="0"/>
+              <a:endCxn id="93" idx="0"/>
+            </p:cNvCxnSpPr>
+            <p:nvPr/>
+          </p:nvCxnSpPr>
+          <p:spPr>
+            <a:xfrm flipV="1">
+              <a:off x="6697577" y="2345316"/>
+              <a:ext cx="993675" cy="255541"/>
+            </a:xfrm>
+            <a:prstGeom prst="line">
+              <a:avLst/>
+            </a:prstGeom>
+            <a:ln w="12700">
+              <a:solidFill>
+                <a:schemeClr val="accent6"/>
+              </a:solidFill>
+            </a:ln>
+          </p:spPr>
+          <p:style>
+            <a:lnRef idx="1">
+              <a:schemeClr val="accent1"/>
+            </a:lnRef>
+            <a:fillRef idx="0">
+              <a:schemeClr val="accent1"/>
+            </a:fillRef>
+            <a:effectRef idx="0">
+              <a:schemeClr val="accent1"/>
+            </a:effectRef>
+            <a:fontRef idx="minor">
+              <a:schemeClr val="tx1"/>
+            </a:fontRef>
+          </p:style>
+        </p:cxnSp>
+        <p:cxnSp>
+          <p:nvCxnSpPr>
+            <p:cNvPr id="76" name="Straight Connector 75"/>
+            <p:cNvCxnSpPr>
+              <a:stCxn id="48" idx="2"/>
+              <a:endCxn id="94" idx="0"/>
+            </p:cNvCxnSpPr>
+            <p:nvPr/>
+          </p:nvCxnSpPr>
+          <p:spPr>
+            <a:xfrm flipV="1">
+              <a:off x="6697577" y="2436388"/>
+              <a:ext cx="993675" cy="256346"/>
+            </a:xfrm>
+            <a:prstGeom prst="line">
+              <a:avLst/>
+            </a:prstGeom>
+            <a:ln w="12700">
+              <a:solidFill>
+                <a:schemeClr val="accent6"/>
+              </a:solidFill>
+            </a:ln>
+          </p:spPr>
+          <p:style>
+            <a:lnRef idx="1">
+              <a:schemeClr val="accent1"/>
+            </a:lnRef>
+            <a:fillRef idx="0">
+              <a:schemeClr val="accent1"/>
+            </a:fillRef>
+            <a:effectRef idx="0">
+              <a:schemeClr val="accent1"/>
+            </a:effectRef>
+            <a:fontRef idx="minor">
+              <a:schemeClr val="tx1"/>
+            </a:fontRef>
+          </p:style>
+        </p:cxnSp>
+        <p:cxnSp>
+          <p:nvCxnSpPr>
+            <p:cNvPr id="77" name="Straight Connector 76"/>
+            <p:cNvCxnSpPr>
+              <a:stCxn id="41" idx="2"/>
+              <a:endCxn id="74" idx="2"/>
+            </p:cNvCxnSpPr>
+            <p:nvPr/>
+          </p:nvCxnSpPr>
+          <p:spPr>
+            <a:xfrm>
+              <a:off x="3606508" y="4274830"/>
+              <a:ext cx="3549670" cy="441464"/>
+            </a:xfrm>
+            <a:prstGeom prst="line">
+              <a:avLst/>
+            </a:prstGeom>
+            <a:ln w="12700">
+              <a:solidFill>
+                <a:schemeClr val="accent4"/>
+              </a:solidFill>
+            </a:ln>
+          </p:spPr>
+          <p:style>
+            <a:lnRef idx="1">
+              <a:schemeClr val="accent1"/>
+            </a:lnRef>
+            <a:fillRef idx="0">
+              <a:schemeClr val="accent1"/>
+            </a:fillRef>
+            <a:effectRef idx="0">
+              <a:schemeClr val="accent1"/>
+            </a:effectRef>
+            <a:fontRef idx="minor">
+              <a:schemeClr val="tx1"/>
+            </a:fontRef>
+          </p:style>
+        </p:cxnSp>
+        <p:sp>
+          <p:nvSpPr>
+            <p:cNvPr id="78" name="Rectangle 77"/>
+            <p:cNvSpPr/>
+            <p:nvPr/>
+          </p:nvSpPr>
+          <p:spPr>
+            <a:xfrm>
+              <a:off x="1239390" y="3042483"/>
+              <a:ext cx="89771" cy="192644"/>
+            </a:xfrm>
+            <a:prstGeom prst="rect">
+              <a:avLst/>
+            </a:prstGeom>
+            <a:solidFill>
+              <a:schemeClr val="accent2"/>
+            </a:solidFill>
+          </p:spPr>
+          <p:style>
+            <a:lnRef idx="2">
+              <a:schemeClr val="accent1">
+                <a:shade val="50000"/>
+              </a:schemeClr>
+            </a:lnRef>
+            <a:fillRef idx="1">
+              <a:schemeClr val="accent1"/>
+            </a:fillRef>
+            <a:effectRef idx="0">
+              <a:schemeClr val="accent1"/>
+            </a:effectRef>
+            <a:fontRef idx="minor">
+              <a:schemeClr val="lt1"/>
+            </a:fontRef>
+          </p:style>
+          <p:txBody>
+            <a:bodyPr rtlCol="0" anchor="ctr"/>
+            <a:lstStyle/>
+            <a:p>
+              <a:pPr algn="ctr"/>
+              <a:endParaRPr lang="en-US"/>
+            </a:p>
+          </p:txBody>
+        </p:sp>
+        <p:cxnSp>
+          <p:nvCxnSpPr>
+            <p:cNvPr id="79" name="Straight Connector 78"/>
+            <p:cNvCxnSpPr>
+              <a:stCxn id="9" idx="1"/>
+            </p:cNvCxnSpPr>
+            <p:nvPr/>
+          </p:nvCxnSpPr>
+          <p:spPr>
+            <a:xfrm>
+              <a:off x="3566030" y="4185288"/>
+              <a:ext cx="3590148" cy="443133"/>
+            </a:xfrm>
+            <a:prstGeom prst="line">
+              <a:avLst/>
+            </a:prstGeom>
+            <a:ln w="12700">
+              <a:solidFill>
+                <a:schemeClr val="accent4"/>
+              </a:solidFill>
+            </a:ln>
+          </p:spPr>
+          <p:style>
+            <a:lnRef idx="1">
+              <a:schemeClr val="accent1"/>
+            </a:lnRef>
+            <a:fillRef idx="0">
+              <a:schemeClr val="accent1"/>
+            </a:fillRef>
+            <a:effectRef idx="0">
+              <a:schemeClr val="accent1"/>
+            </a:effectRef>
+            <a:fontRef idx="minor">
+              <a:schemeClr val="tx1"/>
+            </a:fontRef>
+          </p:style>
+        </p:cxnSp>
+        <p:sp>
+          <p:nvSpPr>
+            <p:cNvPr id="80" name="Rectangle 79"/>
+            <p:cNvSpPr/>
+            <p:nvPr/>
+          </p:nvSpPr>
+          <p:spPr>
+            <a:xfrm>
+              <a:off x="3561945" y="4187252"/>
+              <a:ext cx="89126" cy="87578"/>
+            </a:xfrm>
+            <a:prstGeom prst="rect">
+              <a:avLst/>
+            </a:prstGeom>
+            <a:solidFill>
+              <a:schemeClr val="accent2"/>
+            </a:solidFill>
+          </p:spPr>
+          <p:style>
+            <a:lnRef idx="2">
+              <a:schemeClr val="accent1">
+                <a:shade val="50000"/>
+              </a:schemeClr>
+            </a:lnRef>
+            <a:fillRef idx="1">
+              <a:schemeClr val="accent1"/>
+            </a:fillRef>
+            <a:effectRef idx="0">
+              <a:schemeClr val="accent1"/>
+            </a:effectRef>
+            <a:fontRef idx="minor">
+              <a:schemeClr val="lt1"/>
+            </a:fontRef>
+          </p:style>
+          <p:txBody>
+            <a:bodyPr rtlCol="0" anchor="ctr"/>
+            <a:lstStyle/>
+            <a:p>
+              <a:pPr algn="ctr"/>
+              <a:endParaRPr lang="en-US"/>
+            </a:p>
+          </p:txBody>
+        </p:sp>
+        <p:cxnSp>
+          <p:nvCxnSpPr>
+            <p:cNvPr id="81" name="Straight Connector 80"/>
+            <p:cNvCxnSpPr>
+              <a:stCxn id="47" idx="2"/>
+            </p:cNvCxnSpPr>
+            <p:nvPr/>
+          </p:nvCxnSpPr>
+          <p:spPr>
+            <a:xfrm>
+              <a:off x="5728939" y="4278996"/>
+              <a:ext cx="1962313" cy="437298"/>
+            </a:xfrm>
+            <a:prstGeom prst="line">
+              <a:avLst/>
+            </a:prstGeom>
+            <a:ln w="12700">
+              <a:solidFill>
+                <a:schemeClr val="accent6"/>
+              </a:solidFill>
+            </a:ln>
+          </p:spPr>
+          <p:style>
+            <a:lnRef idx="1">
+              <a:schemeClr val="accent1"/>
+            </a:lnRef>
+            <a:fillRef idx="0">
+              <a:schemeClr val="accent1"/>
+            </a:fillRef>
+            <a:effectRef idx="0">
+              <a:schemeClr val="accent1"/>
+            </a:effectRef>
+            <a:fontRef idx="minor">
+              <a:schemeClr val="tx1"/>
+            </a:fontRef>
+          </p:style>
+        </p:cxnSp>
+        <p:cxnSp>
+          <p:nvCxnSpPr>
+            <p:cNvPr id="82" name="Straight Connector 81"/>
+            <p:cNvCxnSpPr>
+              <a:stCxn id="47" idx="0"/>
+            </p:cNvCxnSpPr>
+            <p:nvPr/>
+          </p:nvCxnSpPr>
+          <p:spPr>
+            <a:xfrm>
+              <a:off x="5728939" y="4187119"/>
+              <a:ext cx="1962313" cy="437298"/>
+            </a:xfrm>
+            <a:prstGeom prst="line">
+              <a:avLst/>
+            </a:prstGeom>
+            <a:ln w="12700">
+              <a:solidFill>
+                <a:schemeClr val="accent6"/>
+              </a:solidFill>
+            </a:ln>
+          </p:spPr>
+          <p:style>
+            <a:lnRef idx="1">
+              <a:schemeClr val="accent1"/>
+            </a:lnRef>
+            <a:fillRef idx="0">
+              <a:schemeClr val="accent1"/>
+            </a:fillRef>
+            <a:effectRef idx="0">
+              <a:schemeClr val="accent1"/>
+            </a:effectRef>
+            <a:fontRef idx="minor">
+              <a:schemeClr val="tx1"/>
+            </a:fontRef>
+          </p:style>
+        </p:cxnSp>
+        <p:sp>
+          <p:nvSpPr>
+            <p:cNvPr id="83" name="Rectangle 82"/>
+            <p:cNvSpPr/>
+            <p:nvPr/>
+          </p:nvSpPr>
+          <p:spPr>
+            <a:xfrm>
+              <a:off x="5040538" y="3505024"/>
+              <a:ext cx="45719" cy="45719"/>
+            </a:xfrm>
+            <a:prstGeom prst="rect">
+              <a:avLst/>
+            </a:prstGeom>
+            <a:solidFill>
+              <a:schemeClr val="tx1"/>
+            </a:solidFill>
+            <a:ln>
+              <a:noFill/>
+            </a:ln>
+          </p:spPr>
+          <p:style>
+            <a:lnRef idx="2">
+              <a:schemeClr val="accent1">
+                <a:shade val="50000"/>
+              </a:schemeClr>
+            </a:lnRef>
+            <a:fillRef idx="1">
+              <a:schemeClr val="accent1"/>
+            </a:fillRef>
+            <a:effectRef idx="0">
+              <a:schemeClr val="accent1"/>
+            </a:effectRef>
+            <a:fontRef idx="minor">
+              <a:schemeClr val="lt1"/>
+            </a:fontRef>
+          </p:style>
+          <p:txBody>
+            <a:bodyPr rtlCol="0" anchor="ctr"/>
+            <a:lstStyle/>
+            <a:p>
+              <a:pPr algn="ctr"/>
+              <a:endParaRPr lang="en-US"/>
+            </a:p>
+          </p:txBody>
+        </p:sp>
+        <p:sp>
+          <p:nvSpPr>
+            <p:cNvPr id="84" name="Rectangle 83"/>
+            <p:cNvSpPr/>
+            <p:nvPr/>
+          </p:nvSpPr>
+          <p:spPr>
+            <a:xfrm>
+              <a:off x="5133749" y="3416541"/>
+              <a:ext cx="45719" cy="45719"/>
+            </a:xfrm>
+            <a:prstGeom prst="rect">
+              <a:avLst/>
+            </a:prstGeom>
+            <a:solidFill>
+              <a:schemeClr val="tx1"/>
+            </a:solidFill>
+            <a:ln>
+              <a:noFill/>
+            </a:ln>
+          </p:spPr>
+          <p:style>
+            <a:lnRef idx="2">
+              <a:schemeClr val="accent1">
+                <a:shade val="50000"/>
+              </a:schemeClr>
+            </a:lnRef>
+            <a:fillRef idx="1">
+              <a:schemeClr val="accent1"/>
+            </a:fillRef>
+            <a:effectRef idx="0">
+              <a:schemeClr val="accent1"/>
+            </a:effectRef>
+            <a:fontRef idx="minor">
+              <a:schemeClr val="lt1"/>
+            </a:fontRef>
+          </p:style>
+          <p:txBody>
+            <a:bodyPr rtlCol="0" anchor="ctr"/>
+            <a:lstStyle/>
+            <a:p>
+              <a:pPr algn="ctr"/>
+              <a:endParaRPr lang="en-US"/>
+            </a:p>
+          </p:txBody>
+        </p:sp>
+        <p:sp>
+          <p:nvSpPr>
+            <p:cNvPr id="85" name="Rectangle 84"/>
+            <p:cNvSpPr/>
+            <p:nvPr/>
+          </p:nvSpPr>
+          <p:spPr>
+            <a:xfrm>
+              <a:off x="5220422" y="3326595"/>
+              <a:ext cx="45719" cy="45719"/>
+            </a:xfrm>
+            <a:prstGeom prst="rect">
+              <a:avLst/>
+            </a:prstGeom>
+            <a:solidFill>
+              <a:schemeClr val="tx1"/>
+            </a:solidFill>
+            <a:ln>
+              <a:noFill/>
+            </a:ln>
+          </p:spPr>
+          <p:style>
+            <a:lnRef idx="2">
+              <a:schemeClr val="accent1">
+                <a:shade val="50000"/>
+              </a:schemeClr>
+            </a:lnRef>
+            <a:fillRef idx="1">
+              <a:schemeClr val="accent1"/>
+            </a:fillRef>
+            <a:effectRef idx="0">
+              <a:schemeClr val="accent1"/>
+            </a:effectRef>
+            <a:fontRef idx="minor">
+              <a:schemeClr val="lt1"/>
+            </a:fontRef>
+          </p:style>
+          <p:txBody>
+            <a:bodyPr rtlCol="0" anchor="ctr"/>
+            <a:lstStyle/>
+            <a:p>
+              <a:pPr algn="ctr"/>
+              <a:endParaRPr lang="en-US"/>
+            </a:p>
+          </p:txBody>
+        </p:sp>
+        <p:sp>
+          <p:nvSpPr>
+            <p:cNvPr id="86" name="Rectangle 85"/>
+            <p:cNvSpPr/>
+            <p:nvPr/>
+          </p:nvSpPr>
+          <p:spPr>
+            <a:xfrm>
+              <a:off x="5684053" y="4187119"/>
+              <a:ext cx="89771" cy="91877"/>
+            </a:xfrm>
+            <a:prstGeom prst="rect">
+              <a:avLst/>
+            </a:prstGeom>
+            <a:solidFill>
+              <a:schemeClr val="accent6"/>
+            </a:solidFill>
+          </p:spPr>
+          <p:style>
+            <a:lnRef idx="2">
+              <a:schemeClr val="accent1">
+                <a:shade val="50000"/>
+              </a:schemeClr>
+            </a:lnRef>
+            <a:fillRef idx="1">
+              <a:schemeClr val="accent1"/>
+            </a:fillRef>
+            <a:effectRef idx="0">
+              <a:schemeClr val="accent1"/>
+            </a:effectRef>
+            <a:fontRef idx="minor">
+              <a:schemeClr val="lt1"/>
+            </a:fontRef>
+          </p:style>
+          <p:txBody>
+            <a:bodyPr rtlCol="0" anchor="ctr"/>
+            <a:lstStyle/>
+            <a:p>
+              <a:pPr algn="ctr"/>
+              <a:endParaRPr lang="en-US"/>
+            </a:p>
+          </p:txBody>
+        </p:sp>
+        <p:sp>
+          <p:nvSpPr>
+            <p:cNvPr id="87" name="Rectangle 86"/>
+            <p:cNvSpPr/>
+            <p:nvPr/>
+          </p:nvSpPr>
+          <p:spPr>
+            <a:xfrm>
+              <a:off x="4534668" y="2600668"/>
+              <a:ext cx="89126" cy="87578"/>
+            </a:xfrm>
+            <a:prstGeom prst="rect">
+              <a:avLst/>
+            </a:prstGeom>
+            <a:solidFill>
+              <a:schemeClr val="accent2"/>
+            </a:solidFill>
+          </p:spPr>
+          <p:style>
+            <a:lnRef idx="2">
+              <a:schemeClr val="accent1">
+                <a:shade val="50000"/>
+              </a:schemeClr>
+            </a:lnRef>
+            <a:fillRef idx="1">
+              <a:schemeClr val="accent1"/>
+            </a:fillRef>
+            <a:effectRef idx="0">
+              <a:schemeClr val="accent1"/>
+            </a:effectRef>
+            <a:fontRef idx="minor">
+              <a:schemeClr val="lt1"/>
+            </a:fontRef>
+          </p:style>
+          <p:txBody>
+            <a:bodyPr rtlCol="0" anchor="ctr"/>
+            <a:lstStyle/>
+            <a:p>
+              <a:pPr algn="ctr"/>
+              <a:endParaRPr lang="en-US"/>
+            </a:p>
+          </p:txBody>
+        </p:sp>
+        <p:sp>
+          <p:nvSpPr>
+            <p:cNvPr id="88" name="Rectangle 87"/>
+            <p:cNvSpPr/>
+            <p:nvPr/>
+          </p:nvSpPr>
+          <p:spPr>
+            <a:xfrm>
+              <a:off x="6652691" y="2600857"/>
+              <a:ext cx="89771" cy="91877"/>
+            </a:xfrm>
+            <a:prstGeom prst="rect">
+              <a:avLst/>
+            </a:prstGeom>
+            <a:solidFill>
+              <a:schemeClr val="accent6"/>
+            </a:solidFill>
+          </p:spPr>
+          <p:style>
+            <a:lnRef idx="2">
+              <a:schemeClr val="accent1">
+                <a:shade val="50000"/>
+              </a:schemeClr>
+            </a:lnRef>
+            <a:fillRef idx="1">
+              <a:schemeClr val="accent1"/>
+            </a:fillRef>
+            <a:effectRef idx="0">
+              <a:schemeClr val="accent1"/>
+            </a:effectRef>
+            <a:fontRef idx="minor">
+              <a:schemeClr val="lt1"/>
+            </a:fontRef>
+          </p:style>
+          <p:txBody>
+            <a:bodyPr rtlCol="0" anchor="ctr"/>
+            <a:lstStyle/>
+            <a:p>
+              <a:pPr algn="ctr"/>
+              <a:endParaRPr lang="en-US"/>
+            </a:p>
+          </p:txBody>
+        </p:sp>
+        <p:sp>
+          <p:nvSpPr>
+            <p:cNvPr id="89" name="Rounded Rectangle 88"/>
+            <p:cNvSpPr/>
+            <p:nvPr/>
+          </p:nvSpPr>
+          <p:spPr>
+            <a:xfrm>
+              <a:off x="8128278" y="2345316"/>
+              <a:ext cx="504265" cy="2370978"/>
+            </a:xfrm>
+            <a:prstGeom prst="roundRect">
+              <a:avLst/>
+            </a:prstGeom>
+            <a:solidFill>
+              <a:schemeClr val="accent1">
+                <a:alpha val="80000"/>
+              </a:schemeClr>
+            </a:solidFill>
+          </p:spPr>
+          <p:style>
+            <a:lnRef idx="2">
+              <a:schemeClr val="accent1">
+                <a:shade val="50000"/>
+              </a:schemeClr>
+            </a:lnRef>
+            <a:fillRef idx="1">
+              <a:schemeClr val="accent1"/>
+            </a:fillRef>
+            <a:effectRef idx="0">
+              <a:schemeClr val="accent1"/>
+            </a:effectRef>
+            <a:fontRef idx="minor">
+              <a:schemeClr val="lt1"/>
+            </a:fontRef>
+          </p:style>
+          <p:txBody>
+            <a:bodyPr rtlCol="0" anchor="ctr"/>
+            <a:lstStyle/>
+            <a:p>
+              <a:pPr algn="ctr"/>
+              <a:endParaRPr lang="en-US"/>
+            </a:p>
+          </p:txBody>
+        </p:sp>
+        <p:sp>
+          <p:nvSpPr>
+            <p:cNvPr id="90" name="Rectangle 89"/>
+            <p:cNvSpPr/>
+            <p:nvPr/>
+          </p:nvSpPr>
+          <p:spPr>
+            <a:xfrm>
+              <a:off x="8322930" y="3181552"/>
+              <a:ext cx="108000" cy="108000"/>
+            </a:xfrm>
+            <a:prstGeom prst="rect">
+              <a:avLst/>
+            </a:prstGeom>
+            <a:solidFill>
+              <a:schemeClr val="tx1"/>
+            </a:solidFill>
+            <a:ln>
+              <a:solidFill>
+                <a:schemeClr val="tx1"/>
+              </a:solidFill>
+            </a:ln>
+          </p:spPr>
+          <p:style>
+            <a:lnRef idx="2">
+              <a:schemeClr val="accent1">
+                <a:shade val="50000"/>
+              </a:schemeClr>
+            </a:lnRef>
+            <a:fillRef idx="1">
+              <a:schemeClr val="accent1"/>
+            </a:fillRef>
+            <a:effectRef idx="0">
+              <a:schemeClr val="accent1"/>
+            </a:effectRef>
+            <a:fontRef idx="minor">
+              <a:schemeClr val="lt1"/>
+            </a:fontRef>
+          </p:style>
+          <p:txBody>
+            <a:bodyPr rtlCol="0" anchor="ctr"/>
+            <a:lstStyle/>
+            <a:p>
+              <a:pPr algn="ctr"/>
+              <a:endParaRPr lang="en-US"/>
+            </a:p>
+          </p:txBody>
+        </p:sp>
+        <p:sp>
+          <p:nvSpPr>
+            <p:cNvPr id="91" name="Rectangle 90"/>
+            <p:cNvSpPr/>
+            <p:nvPr/>
+          </p:nvSpPr>
+          <p:spPr>
+            <a:xfrm>
+              <a:off x="8319772" y="3450576"/>
+              <a:ext cx="108000" cy="108000"/>
+            </a:xfrm>
+            <a:prstGeom prst="rect">
+              <a:avLst/>
+            </a:prstGeom>
+            <a:solidFill>
+              <a:schemeClr val="tx1"/>
+            </a:solidFill>
+            <a:ln>
+              <a:solidFill>
+                <a:schemeClr val="tx1"/>
+              </a:solidFill>
+            </a:ln>
+          </p:spPr>
+          <p:style>
+            <a:lnRef idx="2">
+              <a:schemeClr val="accent1">
+                <a:shade val="50000"/>
+              </a:schemeClr>
+            </a:lnRef>
+            <a:fillRef idx="1">
+              <a:schemeClr val="accent1"/>
+            </a:fillRef>
+            <a:effectRef idx="0">
+              <a:schemeClr val="accent1"/>
+            </a:effectRef>
+            <a:fontRef idx="minor">
+              <a:schemeClr val="lt1"/>
+            </a:fontRef>
+          </p:style>
+          <p:txBody>
+            <a:bodyPr rtlCol="0" anchor="ctr"/>
+            <a:lstStyle/>
+            <a:p>
+              <a:pPr algn="ctr"/>
+              <a:endParaRPr lang="en-US"/>
+            </a:p>
+          </p:txBody>
+        </p:sp>
+        <p:sp>
+          <p:nvSpPr>
+            <p:cNvPr id="92" name="Rectangle 91"/>
+            <p:cNvSpPr/>
+            <p:nvPr/>
+          </p:nvSpPr>
+          <p:spPr>
+            <a:xfrm>
+              <a:off x="8326410" y="3721895"/>
+              <a:ext cx="108000" cy="108000"/>
+            </a:xfrm>
+            <a:prstGeom prst="rect">
+              <a:avLst/>
+            </a:prstGeom>
+            <a:solidFill>
+              <a:schemeClr val="tx1"/>
+            </a:solidFill>
+            <a:ln>
+              <a:solidFill>
+                <a:schemeClr val="tx1"/>
+              </a:solidFill>
+            </a:ln>
+          </p:spPr>
+          <p:style>
+            <a:lnRef idx="2">
+              <a:schemeClr val="accent1">
+                <a:shade val="50000"/>
+              </a:schemeClr>
+            </a:lnRef>
+            <a:fillRef idx="1">
+              <a:schemeClr val="accent1"/>
+            </a:fillRef>
+            <a:effectRef idx="0">
+              <a:schemeClr val="accent1"/>
+            </a:effectRef>
+            <a:fontRef idx="minor">
+              <a:schemeClr val="lt1"/>
+            </a:fontRef>
+          </p:style>
+          <p:txBody>
+            <a:bodyPr rtlCol="0" anchor="ctr"/>
+            <a:lstStyle/>
+            <a:p>
+              <a:pPr algn="ctr"/>
+              <a:endParaRPr lang="en-US"/>
+            </a:p>
+          </p:txBody>
+        </p:sp>
+        <p:cxnSp>
+          <p:nvCxnSpPr>
+            <p:cNvPr id="93" name="Straight Connector 92"/>
+            <p:cNvCxnSpPr/>
+            <p:nvPr/>
+          </p:nvCxnSpPr>
+          <p:spPr>
+            <a:xfrm flipV="1">
+              <a:off x="7200785" y="2667645"/>
+              <a:ext cx="1334210" cy="2048649"/>
+            </a:xfrm>
+            <a:prstGeom prst="line">
+              <a:avLst/>
+            </a:prstGeom>
+            <a:ln w="12700">
+              <a:solidFill>
+                <a:schemeClr val="accent4"/>
+              </a:solidFill>
+            </a:ln>
+          </p:spPr>
+          <p:style>
+            <a:lnRef idx="1">
+              <a:schemeClr val="accent1"/>
+            </a:lnRef>
+            <a:fillRef idx="0">
+              <a:schemeClr val="accent1"/>
+            </a:fillRef>
+            <a:effectRef idx="0">
+              <a:schemeClr val="accent1"/>
+            </a:effectRef>
+            <a:fontRef idx="minor">
+              <a:schemeClr val="tx1"/>
+            </a:fontRef>
+          </p:style>
+        </p:cxnSp>
+        <p:sp>
+          <p:nvSpPr>
+            <p:cNvPr id="94" name="Rectangle 93"/>
+            <p:cNvSpPr/>
+            <p:nvPr/>
+          </p:nvSpPr>
+          <p:spPr>
+            <a:xfrm>
+              <a:off x="7111292" y="4624417"/>
+              <a:ext cx="89771" cy="91877"/>
+            </a:xfrm>
+            <a:prstGeom prst="rect">
+              <a:avLst/>
+            </a:prstGeom>
+            <a:solidFill>
+              <a:schemeClr val="accent4"/>
+            </a:solidFill>
+          </p:spPr>
+          <p:style>
+            <a:lnRef idx="2">
+              <a:schemeClr val="accent1">
+                <a:shade val="50000"/>
+              </a:schemeClr>
+            </a:lnRef>
+            <a:fillRef idx="1">
+              <a:schemeClr val="accent1"/>
+            </a:fillRef>
+            <a:effectRef idx="0">
+              <a:schemeClr val="accent1"/>
+            </a:effectRef>
+            <a:fontRef idx="minor">
+              <a:schemeClr val="lt1"/>
+            </a:fontRef>
+          </p:style>
+          <p:txBody>
+            <a:bodyPr rtlCol="0" anchor="ctr"/>
+            <a:lstStyle/>
+            <a:p>
+              <a:pPr algn="ctr"/>
+              <a:endParaRPr lang="en-US"/>
+            </a:p>
+          </p:txBody>
+        </p:sp>
+        <p:cxnSp>
+          <p:nvCxnSpPr>
+            <p:cNvPr id="95" name="Straight Connector 94"/>
+            <p:cNvCxnSpPr/>
+            <p:nvPr/>
+          </p:nvCxnSpPr>
+          <p:spPr>
+            <a:xfrm>
+              <a:off x="7715716" y="2345240"/>
+              <a:ext cx="847982" cy="2100135"/>
+            </a:xfrm>
+            <a:prstGeom prst="line">
+              <a:avLst/>
+            </a:prstGeom>
+            <a:ln w="12700">
+              <a:solidFill>
+                <a:schemeClr val="accent6"/>
+              </a:solidFill>
+            </a:ln>
+          </p:spPr>
+          <p:style>
+            <a:lnRef idx="1">
+              <a:schemeClr val="accent1"/>
+            </a:lnRef>
+            <a:fillRef idx="0">
+              <a:schemeClr val="accent1"/>
+            </a:fillRef>
+            <a:effectRef idx="0">
+              <a:schemeClr val="accent1"/>
+            </a:effectRef>
+            <a:fontRef idx="minor">
+              <a:schemeClr val="tx1"/>
+            </a:fontRef>
+          </p:style>
+        </p:cxnSp>
+        <p:cxnSp>
+          <p:nvCxnSpPr>
+            <p:cNvPr id="96" name="Straight Connector 95"/>
+            <p:cNvCxnSpPr/>
+            <p:nvPr/>
+          </p:nvCxnSpPr>
+          <p:spPr>
+            <a:xfrm flipV="1">
+              <a:off x="7733568" y="4612389"/>
+              <a:ext cx="707782" cy="95565"/>
+            </a:xfrm>
+            <a:prstGeom prst="line">
+              <a:avLst/>
+            </a:prstGeom>
+            <a:ln w="12700">
+              <a:solidFill>
+                <a:schemeClr val="accent6"/>
+              </a:solidFill>
+            </a:ln>
+          </p:spPr>
+          <p:style>
+            <a:lnRef idx="1">
+              <a:schemeClr val="accent1"/>
+            </a:lnRef>
+            <a:fillRef idx="0">
+              <a:schemeClr val="accent1"/>
+            </a:fillRef>
+            <a:effectRef idx="0">
+              <a:schemeClr val="accent1"/>
+            </a:effectRef>
+            <a:fontRef idx="minor">
+              <a:schemeClr val="tx1"/>
+            </a:fontRef>
+          </p:style>
+        </p:cxnSp>
+        <p:sp>
+          <p:nvSpPr>
+            <p:cNvPr id="97" name="Oval 96"/>
+            <p:cNvSpPr/>
+            <p:nvPr/>
+          </p:nvSpPr>
+          <p:spPr>
+            <a:xfrm>
+              <a:off x="8215447" y="4272837"/>
+              <a:ext cx="345076" cy="345076"/>
+            </a:xfrm>
+            <a:prstGeom prst="ellipse">
+              <a:avLst/>
+            </a:prstGeom>
+            <a:solidFill>
+              <a:schemeClr val="accent6"/>
+            </a:solidFill>
+          </p:spPr>
+          <p:style>
+            <a:lnRef idx="2">
+              <a:schemeClr val="accent1">
+                <a:shade val="50000"/>
+              </a:schemeClr>
+            </a:lnRef>
+            <a:fillRef idx="1">
+              <a:schemeClr val="accent1"/>
+            </a:fillRef>
+            <a:effectRef idx="0">
+              <a:schemeClr val="accent1"/>
+            </a:effectRef>
+            <a:fontRef idx="minor">
+              <a:schemeClr val="lt1"/>
+            </a:fontRef>
+          </p:style>
+          <p:txBody>
+            <a:bodyPr rtlCol="0" anchor="ctr"/>
+            <a:lstStyle/>
+            <a:p>
+              <a:pPr algn="ctr"/>
+              <a:endParaRPr lang="en-US"/>
+            </a:p>
+          </p:txBody>
+        </p:sp>
+        <p:sp>
+          <p:nvSpPr>
+            <p:cNvPr id="98" name="TextBox 97"/>
+            <p:cNvSpPr txBox="1"/>
+            <p:nvPr/>
+          </p:nvSpPr>
+          <p:spPr>
+            <a:xfrm>
+              <a:off x="8203531" y="4235033"/>
+              <a:ext cx="306494" cy="369332"/>
+            </a:xfrm>
+            <a:prstGeom prst="rect">
+              <a:avLst/>
+            </a:prstGeom>
+            <a:noFill/>
+          </p:spPr>
+          <p:txBody>
+            <a:bodyPr wrap="none" rtlCol="0">
+              <a:spAutoFit/>
+            </a:bodyPr>
+            <a:lstStyle/>
+            <a:p>
+              <a:r>
+                <a:rPr lang="en-US" dirty="0"/>
+                <a:t>h</a:t>
+              </a:r>
+            </a:p>
+          </p:txBody>
+        </p:sp>
+        <p:sp>
+          <p:nvSpPr>
+            <p:cNvPr id="99" name="TextBox 98"/>
+            <p:cNvSpPr txBox="1"/>
+            <p:nvPr/>
+          </p:nvSpPr>
+          <p:spPr>
+            <a:xfrm>
+              <a:off x="8321766" y="4375693"/>
+              <a:ext cx="239168" cy="246221"/>
+            </a:xfrm>
+            <a:prstGeom prst="rect">
+              <a:avLst/>
+            </a:prstGeom>
+            <a:noFill/>
+          </p:spPr>
+          <p:txBody>
+            <a:bodyPr wrap="none" rtlCol="0">
+              <a:spAutoFit/>
+            </a:bodyPr>
+            <a:lstStyle/>
+            <a:p>
+              <a:r>
+                <a:rPr lang="en-US" sz="1000" dirty="0" smtClean="0"/>
+                <a:t>L</a:t>
+              </a:r>
+              <a:endParaRPr lang="en-US" sz="1000" dirty="0"/>
+            </a:p>
+          </p:txBody>
+        </p:sp>
+        <p:cxnSp>
+          <p:nvCxnSpPr>
+            <p:cNvPr id="100" name="Straight Arrow Connector 99"/>
+            <p:cNvCxnSpPr/>
+            <p:nvPr/>
+          </p:nvCxnSpPr>
+          <p:spPr>
+            <a:xfrm>
+              <a:off x="8378207" y="3946679"/>
+              <a:ext cx="3480" cy="327565"/>
+            </a:xfrm>
+            <a:prstGeom prst="straightConnector1">
+              <a:avLst/>
+            </a:prstGeom>
+            <a:ln w="38100">
+              <a:solidFill>
+                <a:schemeClr val="tx2"/>
+              </a:solidFill>
+              <a:tailEnd type="triangle"/>
+            </a:ln>
+          </p:spPr>
+          <p:style>
+            <a:lnRef idx="1">
+              <a:schemeClr val="accent1"/>
+            </a:lnRef>
+            <a:fillRef idx="0">
+              <a:schemeClr val="accent1"/>
+            </a:fillRef>
+            <a:effectRef idx="0">
+              <a:schemeClr val="accent1"/>
+            </a:effectRef>
+            <a:fontRef idx="minor">
+              <a:schemeClr val="tx1"/>
+            </a:fontRef>
+          </p:style>
+        </p:cxnSp>
+        <p:sp>
+          <p:nvSpPr>
+            <p:cNvPr id="101" name="Rectangle 100"/>
+            <p:cNvSpPr/>
+            <p:nvPr/>
+          </p:nvSpPr>
+          <p:spPr>
+            <a:xfrm>
+              <a:off x="7646366" y="2345316"/>
+              <a:ext cx="89771" cy="91877"/>
+            </a:xfrm>
+            <a:prstGeom prst="rect">
+              <a:avLst/>
+            </a:prstGeom>
+            <a:solidFill>
+              <a:schemeClr val="accent6"/>
+            </a:solidFill>
+          </p:spPr>
+          <p:style>
+            <a:lnRef idx="2">
+              <a:schemeClr val="accent1">
+                <a:shade val="50000"/>
+              </a:schemeClr>
+            </a:lnRef>
+            <a:fillRef idx="1">
+              <a:schemeClr val="accent1"/>
+            </a:fillRef>
+            <a:effectRef idx="0">
+              <a:schemeClr val="accent1"/>
+            </a:effectRef>
+            <a:fontRef idx="minor">
+              <a:schemeClr val="lt1"/>
+            </a:fontRef>
+          </p:style>
+          <p:txBody>
+            <a:bodyPr rtlCol="0" anchor="ctr"/>
+            <a:lstStyle/>
+            <a:p>
+              <a:pPr algn="ctr"/>
+              <a:endParaRPr lang="en-US"/>
+            </a:p>
+          </p:txBody>
+        </p:sp>
+        <p:cxnSp>
+          <p:nvCxnSpPr>
+            <p:cNvPr id="102" name="Straight Connector 101"/>
+            <p:cNvCxnSpPr/>
+            <p:nvPr/>
+          </p:nvCxnSpPr>
+          <p:spPr>
+            <a:xfrm>
+              <a:off x="7152876" y="2348373"/>
+              <a:ext cx="1288474" cy="92986"/>
+            </a:xfrm>
+            <a:prstGeom prst="line">
+              <a:avLst/>
+            </a:prstGeom>
+            <a:ln w="12700">
+              <a:solidFill>
+                <a:schemeClr val="accent4"/>
+              </a:solidFill>
+            </a:ln>
+          </p:spPr>
+          <p:style>
+            <a:lnRef idx="1">
+              <a:schemeClr val="accent1"/>
+            </a:lnRef>
+            <a:fillRef idx="0">
+              <a:schemeClr val="accent1"/>
+            </a:fillRef>
+            <a:effectRef idx="0">
+              <a:schemeClr val="accent1"/>
+            </a:effectRef>
+            <a:fontRef idx="minor">
+              <a:schemeClr val="tx1"/>
+            </a:fontRef>
+          </p:style>
+        </p:cxnSp>
+        <p:cxnSp>
+          <p:nvCxnSpPr>
+            <p:cNvPr id="103" name="Straight Arrow Connector 102"/>
+            <p:cNvCxnSpPr/>
+            <p:nvPr/>
+          </p:nvCxnSpPr>
+          <p:spPr>
+            <a:xfrm>
+              <a:off x="8376930" y="2773206"/>
+              <a:ext cx="3480" cy="327565"/>
+            </a:xfrm>
+            <a:prstGeom prst="straightConnector1">
+              <a:avLst/>
+            </a:prstGeom>
+            <a:ln w="38100">
+              <a:solidFill>
+                <a:schemeClr val="tx2"/>
+              </a:solidFill>
+              <a:tailEnd type="triangle"/>
+            </a:ln>
+          </p:spPr>
+          <p:style>
+            <a:lnRef idx="1">
+              <a:schemeClr val="accent1"/>
+            </a:lnRef>
+            <a:fillRef idx="0">
+              <a:schemeClr val="accent1"/>
+            </a:fillRef>
+            <a:effectRef idx="0">
+              <a:schemeClr val="accent1"/>
+            </a:effectRef>
+            <a:fontRef idx="minor">
+              <a:schemeClr val="tx1"/>
+            </a:fontRef>
+          </p:style>
+        </p:cxnSp>
+        <p:sp>
+          <p:nvSpPr>
+            <p:cNvPr id="104" name="Oval 103"/>
+            <p:cNvSpPr/>
+            <p:nvPr/>
+          </p:nvSpPr>
+          <p:spPr>
+            <a:xfrm>
+              <a:off x="8204392" y="2428130"/>
+              <a:ext cx="345076" cy="345076"/>
+            </a:xfrm>
+            <a:prstGeom prst="ellipse">
+              <a:avLst/>
+            </a:prstGeom>
+            <a:solidFill>
+              <a:schemeClr val="accent4"/>
+            </a:solidFill>
+          </p:spPr>
+          <p:style>
+            <a:lnRef idx="2">
+              <a:schemeClr val="accent1">
+                <a:shade val="50000"/>
+              </a:schemeClr>
+            </a:lnRef>
+            <a:fillRef idx="1">
+              <a:schemeClr val="accent1"/>
+            </a:fillRef>
+            <a:effectRef idx="0">
+              <a:schemeClr val="accent1"/>
+            </a:effectRef>
+            <a:fontRef idx="minor">
+              <a:schemeClr val="lt1"/>
+            </a:fontRef>
+          </p:style>
+          <p:txBody>
+            <a:bodyPr rtlCol="0" anchor="ctr"/>
+            <a:lstStyle/>
+            <a:p>
+              <a:pPr algn="ctr"/>
+              <a:endParaRPr lang="en-US" sz="1000" dirty="0"/>
+            </a:p>
+          </p:txBody>
+        </p:sp>
+        <p:sp>
+          <p:nvSpPr>
+            <p:cNvPr id="105" name="TextBox 104"/>
+            <p:cNvSpPr txBox="1"/>
+            <p:nvPr/>
+          </p:nvSpPr>
+          <p:spPr>
+            <a:xfrm>
+              <a:off x="8194945" y="2403874"/>
+              <a:ext cx="306494" cy="369332"/>
+            </a:xfrm>
+            <a:prstGeom prst="rect">
+              <a:avLst/>
+            </a:prstGeom>
+            <a:noFill/>
+          </p:spPr>
+          <p:txBody>
+            <a:bodyPr wrap="none" rtlCol="0">
+              <a:spAutoFit/>
+            </a:bodyPr>
+            <a:lstStyle/>
+            <a:p>
+              <a:r>
+                <a:rPr lang="en-US" dirty="0"/>
+                <a:t>h</a:t>
+              </a:r>
+            </a:p>
+          </p:txBody>
+        </p:sp>
+        <p:sp>
+          <p:nvSpPr>
+            <p:cNvPr id="106" name="TextBox 105"/>
+            <p:cNvSpPr txBox="1"/>
+            <p:nvPr/>
+          </p:nvSpPr>
+          <p:spPr>
+            <a:xfrm>
+              <a:off x="8313180" y="2544534"/>
+              <a:ext cx="250390" cy="246221"/>
+            </a:xfrm>
+            <a:prstGeom prst="rect">
+              <a:avLst/>
+            </a:prstGeom>
+            <a:noFill/>
+          </p:spPr>
+          <p:txBody>
+            <a:bodyPr wrap="none" rtlCol="0">
+              <a:spAutoFit/>
+            </a:bodyPr>
+            <a:lstStyle/>
+            <a:p>
+              <a:r>
+                <a:rPr lang="en-US" sz="1000" dirty="0" smtClean="0"/>
+                <a:t>1</a:t>
+              </a:r>
+              <a:endParaRPr lang="en-US" sz="1000" dirty="0"/>
+            </a:p>
+          </p:txBody>
+        </p:sp>
+        <p:sp>
+          <p:nvSpPr>
+            <p:cNvPr id="107" name="Rectangle 106"/>
+            <p:cNvSpPr/>
+            <p:nvPr/>
+          </p:nvSpPr>
+          <p:spPr>
+            <a:xfrm>
+              <a:off x="7646366" y="4624417"/>
+              <a:ext cx="89771" cy="91877"/>
+            </a:xfrm>
+            <a:prstGeom prst="rect">
+              <a:avLst/>
+            </a:prstGeom>
+            <a:solidFill>
+              <a:schemeClr val="accent6"/>
+            </a:solidFill>
+          </p:spPr>
+          <p:style>
+            <a:lnRef idx="2">
+              <a:schemeClr val="accent1">
+                <a:shade val="50000"/>
+              </a:schemeClr>
+            </a:lnRef>
+            <a:fillRef idx="1">
+              <a:schemeClr val="accent1"/>
+            </a:fillRef>
+            <a:effectRef idx="0">
+              <a:schemeClr val="accent1"/>
+            </a:effectRef>
+            <a:fontRef idx="minor">
+              <a:schemeClr val="lt1"/>
+            </a:fontRef>
+          </p:style>
+          <p:txBody>
+            <a:bodyPr rtlCol="0" anchor="ctr"/>
+            <a:lstStyle/>
+            <a:p>
+              <a:pPr algn="ctr"/>
+              <a:endParaRPr lang="en-US"/>
+            </a:p>
+          </p:txBody>
+        </p:sp>
+        <p:sp>
+          <p:nvSpPr>
+            <p:cNvPr id="108" name="Rectangle 107"/>
+            <p:cNvSpPr/>
+            <p:nvPr/>
+          </p:nvSpPr>
+          <p:spPr>
+            <a:xfrm>
+              <a:off x="7111292" y="2345316"/>
+              <a:ext cx="89771" cy="91877"/>
+            </a:xfrm>
+            <a:prstGeom prst="rect">
+              <a:avLst/>
+            </a:prstGeom>
+            <a:solidFill>
+              <a:schemeClr val="accent4"/>
+            </a:solidFill>
+          </p:spPr>
+          <p:style>
+            <a:lnRef idx="2">
+              <a:schemeClr val="accent1">
+                <a:shade val="50000"/>
+              </a:schemeClr>
+            </a:lnRef>
+            <a:fillRef idx="1">
+              <a:schemeClr val="accent1"/>
+            </a:fillRef>
+            <a:effectRef idx="0">
+              <a:schemeClr val="accent1"/>
+            </a:effectRef>
+            <a:fontRef idx="minor">
+              <a:schemeClr val="lt1"/>
+            </a:fontRef>
+          </p:style>
+          <p:txBody>
+            <a:bodyPr rtlCol="0" anchor="ctr"/>
+            <a:lstStyle/>
+            <a:p>
+              <a:pPr algn="ctr"/>
+              <a:endParaRPr lang="en-US"/>
+            </a:p>
+          </p:txBody>
+        </p:sp>
+        <p:sp>
+          <p:nvSpPr>
+            <p:cNvPr id="109" name="Rounded Rectangle 108"/>
+            <p:cNvSpPr/>
+            <p:nvPr/>
+          </p:nvSpPr>
+          <p:spPr>
+            <a:xfrm>
+              <a:off x="9034824" y="2342394"/>
+              <a:ext cx="328156" cy="2370978"/>
+            </a:xfrm>
+            <a:prstGeom prst="roundRect">
+              <a:avLst/>
+            </a:prstGeom>
+            <a:solidFill>
+              <a:schemeClr val="accent1">
+                <a:alpha val="80000"/>
+              </a:schemeClr>
+            </a:solidFill>
+          </p:spPr>
+          <p:style>
+            <a:lnRef idx="2">
+              <a:schemeClr val="accent1">
+                <a:shade val="50000"/>
+              </a:schemeClr>
+            </a:lnRef>
+            <a:fillRef idx="1">
+              <a:schemeClr val="accent1"/>
+            </a:fillRef>
+            <a:effectRef idx="0">
+              <a:schemeClr val="accent1"/>
+            </a:effectRef>
+            <a:fontRef idx="minor">
+              <a:schemeClr val="lt1"/>
+            </a:fontRef>
+          </p:style>
+          <p:txBody>
+            <a:bodyPr rtlCol="0" anchor="ctr"/>
+            <a:lstStyle/>
+            <a:p>
+              <a:pPr algn="ctr"/>
+              <a:endParaRPr lang="en-US"/>
+            </a:p>
+          </p:txBody>
+        </p:sp>
+        <p:sp>
+          <p:nvSpPr>
+            <p:cNvPr id="110" name="Rectangle 109"/>
+            <p:cNvSpPr/>
+            <p:nvPr/>
+          </p:nvSpPr>
+          <p:spPr>
+            <a:xfrm>
+              <a:off x="9110530" y="2407091"/>
+              <a:ext cx="176743" cy="193577"/>
+            </a:xfrm>
+            <a:prstGeom prst="rect">
+              <a:avLst/>
+            </a:prstGeom>
+          </p:spPr>
+          <p:style>
+            <a:lnRef idx="2">
+              <a:schemeClr val="accent1">
+                <a:shade val="50000"/>
+              </a:schemeClr>
+            </a:lnRef>
+            <a:fillRef idx="1">
+              <a:schemeClr val="accent1"/>
+            </a:fillRef>
+            <a:effectRef idx="0">
+              <a:schemeClr val="accent1"/>
+            </a:effectRef>
+            <a:fontRef idx="minor">
+              <a:schemeClr val="lt1"/>
+            </a:fontRef>
+          </p:style>
+          <p:txBody>
+            <a:bodyPr rtlCol="0" anchor="ctr"/>
+            <a:lstStyle/>
+            <a:p>
+              <a:pPr algn="ctr"/>
+              <a:endParaRPr lang="en-US"/>
+            </a:p>
+          </p:txBody>
+        </p:sp>
+        <p:sp>
+          <p:nvSpPr>
+            <p:cNvPr id="111" name="Rectangle 110"/>
+            <p:cNvSpPr/>
+            <p:nvPr/>
+          </p:nvSpPr>
+          <p:spPr>
+            <a:xfrm>
+              <a:off x="9110530" y="2660547"/>
+              <a:ext cx="176743" cy="193577"/>
+            </a:xfrm>
+            <a:prstGeom prst="rect">
+              <a:avLst/>
+            </a:prstGeom>
+          </p:spPr>
+          <p:style>
+            <a:lnRef idx="2">
+              <a:schemeClr val="accent1">
+                <a:shade val="50000"/>
+              </a:schemeClr>
+            </a:lnRef>
+            <a:fillRef idx="1">
+              <a:schemeClr val="accent1"/>
+            </a:fillRef>
+            <a:effectRef idx="0">
+              <a:schemeClr val="accent1"/>
+            </a:effectRef>
+            <a:fontRef idx="minor">
+              <a:schemeClr val="lt1"/>
+            </a:fontRef>
+          </p:style>
+          <p:txBody>
+            <a:bodyPr rtlCol="0" anchor="ctr"/>
+            <a:lstStyle/>
+            <a:p>
+              <a:pPr algn="ctr"/>
+              <a:endParaRPr lang="en-US"/>
+            </a:p>
+          </p:txBody>
+        </p:sp>
+        <p:sp>
+          <p:nvSpPr>
+            <p:cNvPr id="112" name="Rectangle 111"/>
+            <p:cNvSpPr/>
+            <p:nvPr/>
+          </p:nvSpPr>
+          <p:spPr>
+            <a:xfrm>
+              <a:off x="9110530" y="2910912"/>
+              <a:ext cx="176743" cy="193577"/>
+            </a:xfrm>
+            <a:prstGeom prst="rect">
+              <a:avLst/>
+            </a:prstGeom>
+          </p:spPr>
+          <p:style>
+            <a:lnRef idx="2">
+              <a:schemeClr val="accent1">
+                <a:shade val="50000"/>
+              </a:schemeClr>
+            </a:lnRef>
+            <a:fillRef idx="1">
+              <a:schemeClr val="accent1"/>
+            </a:fillRef>
+            <a:effectRef idx="0">
+              <a:schemeClr val="accent1"/>
+            </a:effectRef>
+            <a:fontRef idx="minor">
+              <a:schemeClr val="lt1"/>
+            </a:fontRef>
+          </p:style>
+          <p:txBody>
+            <a:bodyPr rtlCol="0" anchor="ctr"/>
+            <a:lstStyle/>
+            <a:p>
+              <a:pPr algn="ctr"/>
+              <a:endParaRPr lang="en-US"/>
+            </a:p>
+          </p:txBody>
+        </p:sp>
+        <p:sp>
+          <p:nvSpPr>
+            <p:cNvPr id="113" name="Rectangle 112"/>
+            <p:cNvSpPr/>
+            <p:nvPr/>
+          </p:nvSpPr>
+          <p:spPr>
+            <a:xfrm>
+              <a:off x="9110530" y="3950533"/>
+              <a:ext cx="176743" cy="193577"/>
+            </a:xfrm>
+            <a:prstGeom prst="rect">
+              <a:avLst/>
+            </a:prstGeom>
+          </p:spPr>
+          <p:style>
+            <a:lnRef idx="2">
+              <a:schemeClr val="accent1">
+                <a:shade val="50000"/>
+              </a:schemeClr>
+            </a:lnRef>
+            <a:fillRef idx="1">
+              <a:schemeClr val="accent1"/>
+            </a:fillRef>
+            <a:effectRef idx="0">
+              <a:schemeClr val="accent1"/>
+            </a:effectRef>
+            <a:fontRef idx="minor">
+              <a:schemeClr val="lt1"/>
+            </a:fontRef>
+          </p:style>
+          <p:txBody>
+            <a:bodyPr rtlCol="0" anchor="ctr"/>
+            <a:lstStyle/>
+            <a:p>
+              <a:pPr algn="ctr"/>
+              <a:endParaRPr lang="en-US"/>
+            </a:p>
+          </p:txBody>
+        </p:sp>
+        <p:sp>
+          <p:nvSpPr>
+            <p:cNvPr id="114" name="Rectangle 113"/>
+            <p:cNvSpPr/>
+            <p:nvPr/>
+          </p:nvSpPr>
+          <p:spPr>
+            <a:xfrm>
+              <a:off x="9110530" y="4203989"/>
+              <a:ext cx="176743" cy="193577"/>
+            </a:xfrm>
+            <a:prstGeom prst="rect">
+              <a:avLst/>
+            </a:prstGeom>
+          </p:spPr>
+          <p:style>
+            <a:lnRef idx="2">
+              <a:schemeClr val="accent1">
+                <a:shade val="50000"/>
+              </a:schemeClr>
+            </a:lnRef>
+            <a:fillRef idx="1">
+              <a:schemeClr val="accent1"/>
+            </a:fillRef>
+            <a:effectRef idx="0">
+              <a:schemeClr val="accent1"/>
+            </a:effectRef>
+            <a:fontRef idx="minor">
+              <a:schemeClr val="lt1"/>
+            </a:fontRef>
+          </p:style>
+          <p:txBody>
+            <a:bodyPr rtlCol="0" anchor="ctr"/>
+            <a:lstStyle/>
+            <a:p>
+              <a:pPr algn="ctr"/>
+              <a:endParaRPr lang="en-US"/>
+            </a:p>
+          </p:txBody>
+        </p:sp>
+        <p:sp>
+          <p:nvSpPr>
+            <p:cNvPr id="115" name="Rectangle 114"/>
+            <p:cNvSpPr/>
+            <p:nvPr/>
+          </p:nvSpPr>
+          <p:spPr>
+            <a:xfrm>
+              <a:off x="9110010" y="4458440"/>
+              <a:ext cx="176743" cy="193577"/>
+            </a:xfrm>
+            <a:prstGeom prst="rect">
+              <a:avLst/>
+            </a:prstGeom>
+          </p:spPr>
+          <p:style>
+            <a:lnRef idx="2">
+              <a:schemeClr val="accent1">
+                <a:shade val="50000"/>
+              </a:schemeClr>
+            </a:lnRef>
+            <a:fillRef idx="1">
+              <a:schemeClr val="accent1"/>
+            </a:fillRef>
+            <a:effectRef idx="0">
+              <a:schemeClr val="accent1"/>
+            </a:effectRef>
+            <a:fontRef idx="minor">
+              <a:schemeClr val="lt1"/>
+            </a:fontRef>
+          </p:style>
+          <p:txBody>
+            <a:bodyPr rtlCol="0" anchor="ctr"/>
+            <a:lstStyle/>
+            <a:p>
+              <a:pPr algn="ctr"/>
+              <a:endParaRPr lang="en-US"/>
+            </a:p>
+          </p:txBody>
+        </p:sp>
+        <p:sp>
+          <p:nvSpPr>
+            <p:cNvPr id="116" name="Right Arrow 115"/>
+            <p:cNvSpPr/>
+            <p:nvPr/>
+          </p:nvSpPr>
+          <p:spPr>
+            <a:xfrm>
+              <a:off x="8722954" y="3385461"/>
+              <a:ext cx="225573" cy="273527"/>
+            </a:xfrm>
+            <a:prstGeom prst="rightArrow">
+              <a:avLst/>
+            </a:prstGeom>
+          </p:spPr>
+          <p:style>
+            <a:lnRef idx="2">
+              <a:schemeClr val="accent1">
+                <a:shade val="50000"/>
+              </a:schemeClr>
+            </a:lnRef>
+            <a:fillRef idx="1">
+              <a:schemeClr val="accent1"/>
+            </a:fillRef>
+            <a:effectRef idx="0">
+              <a:schemeClr val="accent1"/>
+            </a:effectRef>
+            <a:fontRef idx="minor">
+              <a:schemeClr val="lt1"/>
+            </a:fontRef>
+          </p:style>
+          <p:txBody>
+            <a:bodyPr rtlCol="0" anchor="ctr"/>
+            <a:lstStyle/>
+            <a:p>
+              <a:pPr algn="ctr"/>
+              <a:endParaRPr lang="en-US"/>
+            </a:p>
+          </p:txBody>
+        </p:sp>
+        <p:sp>
+          <p:nvSpPr>
+            <p:cNvPr id="117" name="Rounded Rectangle 116"/>
+            <p:cNvSpPr/>
+            <p:nvPr/>
+          </p:nvSpPr>
+          <p:spPr>
+            <a:xfrm>
+              <a:off x="10029031" y="3078839"/>
+              <a:ext cx="339725" cy="887054"/>
+            </a:xfrm>
+            <a:prstGeom prst="roundRect">
+              <a:avLst/>
+            </a:prstGeom>
+            <a:solidFill>
+              <a:schemeClr val="accent1">
+                <a:alpha val="80000"/>
+              </a:schemeClr>
+            </a:solidFill>
+          </p:spPr>
+          <p:style>
+            <a:lnRef idx="2">
+              <a:schemeClr val="accent1">
+                <a:shade val="50000"/>
+              </a:schemeClr>
+            </a:lnRef>
+            <a:fillRef idx="1">
+              <a:schemeClr val="accent1"/>
+            </a:fillRef>
+            <a:effectRef idx="0">
+              <a:schemeClr val="accent1"/>
+            </a:effectRef>
+            <a:fontRef idx="minor">
+              <a:schemeClr val="lt1"/>
+            </a:fontRef>
+          </p:style>
+          <p:txBody>
+            <a:bodyPr rtlCol="0" anchor="ctr"/>
+            <a:lstStyle/>
+            <a:p>
+              <a:pPr algn="ctr"/>
+              <a:endParaRPr lang="en-US"/>
+            </a:p>
+          </p:txBody>
+        </p:sp>
+        <p:cxnSp>
+          <p:nvCxnSpPr>
+            <p:cNvPr id="121" name="Straight Arrow Connector 120"/>
+            <p:cNvCxnSpPr>
+              <a:endCxn id="136" idx="1"/>
+            </p:cNvCxnSpPr>
+            <p:nvPr/>
+          </p:nvCxnSpPr>
+          <p:spPr>
+            <a:xfrm>
+              <a:off x="9287273" y="2503880"/>
+              <a:ext cx="793703" cy="746600"/>
+            </a:xfrm>
+            <a:prstGeom prst="straightConnector1">
+              <a:avLst/>
+            </a:prstGeom>
+            <a:ln w="12700">
+              <a:tailEnd type="triangle"/>
+            </a:ln>
+          </p:spPr>
+          <p:style>
+            <a:lnRef idx="1">
+              <a:schemeClr val="accent1"/>
+            </a:lnRef>
+            <a:fillRef idx="0">
+              <a:schemeClr val="accent1"/>
+            </a:fillRef>
+            <a:effectRef idx="0">
+              <a:schemeClr val="accent1"/>
+            </a:effectRef>
+            <a:fontRef idx="minor">
+              <a:schemeClr val="tx1"/>
+            </a:fontRef>
+          </p:style>
+        </p:cxnSp>
+        <p:cxnSp>
+          <p:nvCxnSpPr>
+            <p:cNvPr id="122" name="Straight Arrow Connector 121"/>
+            <p:cNvCxnSpPr>
+              <a:endCxn id="136" idx="1"/>
+            </p:cNvCxnSpPr>
+            <p:nvPr/>
+          </p:nvCxnSpPr>
+          <p:spPr>
+            <a:xfrm>
+              <a:off x="9287273" y="2757336"/>
+              <a:ext cx="793703" cy="493144"/>
+            </a:xfrm>
+            <a:prstGeom prst="straightConnector1">
+              <a:avLst/>
+            </a:prstGeom>
+            <a:ln w="12700">
+              <a:tailEnd type="triangle"/>
+            </a:ln>
+          </p:spPr>
+          <p:style>
+            <a:lnRef idx="1">
+              <a:schemeClr val="accent1"/>
+            </a:lnRef>
+            <a:fillRef idx="0">
+              <a:schemeClr val="accent1"/>
+            </a:fillRef>
+            <a:effectRef idx="0">
+              <a:schemeClr val="accent1"/>
+            </a:effectRef>
+            <a:fontRef idx="minor">
+              <a:schemeClr val="tx1"/>
+            </a:fontRef>
+          </p:style>
+        </p:cxnSp>
+        <p:cxnSp>
+          <p:nvCxnSpPr>
+            <p:cNvPr id="123" name="Straight Arrow Connector 122"/>
+            <p:cNvCxnSpPr>
+              <a:endCxn id="136" idx="1"/>
+            </p:cNvCxnSpPr>
+            <p:nvPr/>
+          </p:nvCxnSpPr>
+          <p:spPr>
+            <a:xfrm>
+              <a:off x="9287273" y="3007701"/>
+              <a:ext cx="793703" cy="242779"/>
+            </a:xfrm>
+            <a:prstGeom prst="straightConnector1">
+              <a:avLst/>
+            </a:prstGeom>
+            <a:ln w="12700">
+              <a:tailEnd type="triangle"/>
+            </a:ln>
+          </p:spPr>
+          <p:style>
+            <a:lnRef idx="1">
+              <a:schemeClr val="accent1"/>
+            </a:lnRef>
+            <a:fillRef idx="0">
+              <a:schemeClr val="accent1"/>
+            </a:fillRef>
+            <a:effectRef idx="0">
+              <a:schemeClr val="accent1"/>
+            </a:effectRef>
+            <a:fontRef idx="minor">
+              <a:schemeClr val="tx1"/>
+            </a:fontRef>
+          </p:style>
+        </p:cxnSp>
+        <p:cxnSp>
+          <p:nvCxnSpPr>
+            <p:cNvPr id="124" name="Straight Arrow Connector 123"/>
+            <p:cNvCxnSpPr>
+              <a:endCxn id="136" idx="1"/>
+            </p:cNvCxnSpPr>
+            <p:nvPr/>
+          </p:nvCxnSpPr>
+          <p:spPr>
+            <a:xfrm flipV="1">
+              <a:off x="9287273" y="3250480"/>
+              <a:ext cx="793703" cy="796843"/>
+            </a:xfrm>
+            <a:prstGeom prst="straightConnector1">
+              <a:avLst/>
+            </a:prstGeom>
+            <a:ln w="12700">
+              <a:tailEnd type="triangle"/>
+            </a:ln>
+          </p:spPr>
+          <p:style>
+            <a:lnRef idx="1">
+              <a:schemeClr val="accent1"/>
+            </a:lnRef>
+            <a:fillRef idx="0">
+              <a:schemeClr val="accent1"/>
+            </a:fillRef>
+            <a:effectRef idx="0">
+              <a:schemeClr val="accent1"/>
+            </a:effectRef>
+            <a:fontRef idx="minor">
+              <a:schemeClr val="tx1"/>
+            </a:fontRef>
+          </p:style>
+        </p:cxnSp>
+        <p:cxnSp>
+          <p:nvCxnSpPr>
+            <p:cNvPr id="125" name="Straight Arrow Connector 124"/>
+            <p:cNvCxnSpPr>
+              <a:endCxn id="136" idx="1"/>
+            </p:cNvCxnSpPr>
+            <p:nvPr/>
+          </p:nvCxnSpPr>
+          <p:spPr>
+            <a:xfrm flipV="1">
+              <a:off x="9287273" y="3250480"/>
+              <a:ext cx="793703" cy="1050299"/>
+            </a:xfrm>
+            <a:prstGeom prst="straightConnector1">
+              <a:avLst/>
+            </a:prstGeom>
+            <a:ln w="12700">
+              <a:tailEnd type="triangle"/>
+            </a:ln>
+          </p:spPr>
+          <p:style>
+            <a:lnRef idx="1">
+              <a:schemeClr val="accent1"/>
+            </a:lnRef>
+            <a:fillRef idx="0">
+              <a:schemeClr val="accent1"/>
+            </a:fillRef>
+            <a:effectRef idx="0">
+              <a:schemeClr val="accent1"/>
+            </a:effectRef>
+            <a:fontRef idx="minor">
+              <a:schemeClr val="tx1"/>
+            </a:fontRef>
+          </p:style>
+        </p:cxnSp>
+        <p:cxnSp>
+          <p:nvCxnSpPr>
+            <p:cNvPr id="126" name="Straight Arrow Connector 125"/>
+            <p:cNvCxnSpPr>
+              <a:endCxn id="136" idx="1"/>
+            </p:cNvCxnSpPr>
+            <p:nvPr/>
+          </p:nvCxnSpPr>
+          <p:spPr>
+            <a:xfrm flipV="1">
+              <a:off x="9286753" y="3250480"/>
+              <a:ext cx="794223" cy="1304749"/>
+            </a:xfrm>
+            <a:prstGeom prst="straightConnector1">
+              <a:avLst/>
+            </a:prstGeom>
+            <a:ln w="12700">
+              <a:tailEnd type="triangle"/>
+            </a:ln>
+          </p:spPr>
+          <p:style>
+            <a:lnRef idx="1">
+              <a:schemeClr val="accent1"/>
+            </a:lnRef>
+            <a:fillRef idx="0">
+              <a:schemeClr val="accent1"/>
+            </a:fillRef>
+            <a:effectRef idx="0">
+              <a:schemeClr val="accent1"/>
+            </a:effectRef>
+            <a:fontRef idx="minor">
+              <a:schemeClr val="tx1"/>
+            </a:fontRef>
+          </p:style>
+        </p:cxnSp>
+        <p:cxnSp>
+          <p:nvCxnSpPr>
+            <p:cNvPr id="127" name="Straight Arrow Connector 126"/>
+            <p:cNvCxnSpPr>
+              <a:endCxn id="133" idx="1"/>
+            </p:cNvCxnSpPr>
+            <p:nvPr/>
+          </p:nvCxnSpPr>
+          <p:spPr>
+            <a:xfrm flipV="1">
+              <a:off x="9286753" y="3805304"/>
+              <a:ext cx="794223" cy="749925"/>
+            </a:xfrm>
+            <a:prstGeom prst="straightConnector1">
+              <a:avLst/>
+            </a:prstGeom>
+            <a:ln w="12700">
+              <a:tailEnd type="triangle"/>
+            </a:ln>
+          </p:spPr>
+          <p:style>
+            <a:lnRef idx="1">
+              <a:schemeClr val="accent1"/>
+            </a:lnRef>
+            <a:fillRef idx="0">
+              <a:schemeClr val="accent1"/>
+            </a:fillRef>
+            <a:effectRef idx="0">
+              <a:schemeClr val="accent1"/>
+            </a:effectRef>
+            <a:fontRef idx="minor">
+              <a:schemeClr val="tx1"/>
+            </a:fontRef>
+          </p:style>
+        </p:cxnSp>
+        <p:cxnSp>
+          <p:nvCxnSpPr>
+            <p:cNvPr id="128" name="Straight Arrow Connector 127"/>
+            <p:cNvCxnSpPr>
+              <a:endCxn id="133" idx="1"/>
+            </p:cNvCxnSpPr>
+            <p:nvPr/>
+          </p:nvCxnSpPr>
+          <p:spPr>
+            <a:xfrm flipV="1">
+              <a:off x="9287273" y="3805304"/>
+              <a:ext cx="793703" cy="495475"/>
+            </a:xfrm>
+            <a:prstGeom prst="straightConnector1">
+              <a:avLst/>
+            </a:prstGeom>
+            <a:ln w="12700">
+              <a:tailEnd type="triangle"/>
+            </a:ln>
+          </p:spPr>
+          <p:style>
+            <a:lnRef idx="1">
+              <a:schemeClr val="accent1"/>
+            </a:lnRef>
+            <a:fillRef idx="0">
+              <a:schemeClr val="accent1"/>
+            </a:fillRef>
+            <a:effectRef idx="0">
+              <a:schemeClr val="accent1"/>
+            </a:effectRef>
+            <a:fontRef idx="minor">
+              <a:schemeClr val="tx1"/>
+            </a:fontRef>
+          </p:style>
+        </p:cxnSp>
+        <p:cxnSp>
+          <p:nvCxnSpPr>
+            <p:cNvPr id="129" name="Straight Arrow Connector 128"/>
+            <p:cNvCxnSpPr>
+              <a:endCxn id="133" idx="1"/>
+            </p:cNvCxnSpPr>
+            <p:nvPr/>
+          </p:nvCxnSpPr>
+          <p:spPr>
+            <a:xfrm flipV="1">
+              <a:off x="9287273" y="3805304"/>
+              <a:ext cx="793703" cy="242018"/>
+            </a:xfrm>
+            <a:prstGeom prst="straightConnector1">
+              <a:avLst/>
+            </a:prstGeom>
+            <a:ln w="12700">
+              <a:tailEnd type="triangle"/>
+            </a:ln>
+          </p:spPr>
+          <p:style>
+            <a:lnRef idx="1">
+              <a:schemeClr val="accent1"/>
+            </a:lnRef>
+            <a:fillRef idx="0">
+              <a:schemeClr val="accent1"/>
+            </a:fillRef>
+            <a:effectRef idx="0">
+              <a:schemeClr val="accent1"/>
+            </a:effectRef>
+            <a:fontRef idx="minor">
+              <a:schemeClr val="tx1"/>
+            </a:fontRef>
+          </p:style>
+        </p:cxnSp>
+        <p:cxnSp>
+          <p:nvCxnSpPr>
+            <p:cNvPr id="130" name="Straight Arrow Connector 129"/>
+            <p:cNvCxnSpPr>
+              <a:endCxn id="133" idx="1"/>
+            </p:cNvCxnSpPr>
+            <p:nvPr/>
+          </p:nvCxnSpPr>
+          <p:spPr>
+            <a:xfrm>
+              <a:off x="9287273" y="3007701"/>
+              <a:ext cx="793703" cy="797603"/>
+            </a:xfrm>
+            <a:prstGeom prst="straightConnector1">
+              <a:avLst/>
+            </a:prstGeom>
+            <a:ln w="12700">
+              <a:tailEnd type="triangle"/>
+            </a:ln>
+          </p:spPr>
+          <p:style>
+            <a:lnRef idx="1">
+              <a:schemeClr val="accent1"/>
+            </a:lnRef>
+            <a:fillRef idx="0">
+              <a:schemeClr val="accent1"/>
+            </a:fillRef>
+            <a:effectRef idx="0">
+              <a:schemeClr val="accent1"/>
+            </a:effectRef>
+            <a:fontRef idx="minor">
+              <a:schemeClr val="tx1"/>
+            </a:fontRef>
+          </p:style>
+        </p:cxnSp>
+        <p:cxnSp>
+          <p:nvCxnSpPr>
+            <p:cNvPr id="131" name="Straight Arrow Connector 130"/>
+            <p:cNvCxnSpPr>
+              <a:endCxn id="133" idx="1"/>
+            </p:cNvCxnSpPr>
+            <p:nvPr/>
+          </p:nvCxnSpPr>
+          <p:spPr>
+            <a:xfrm>
+              <a:off x="9287273" y="2757336"/>
+              <a:ext cx="793703" cy="1047968"/>
+            </a:xfrm>
+            <a:prstGeom prst="straightConnector1">
+              <a:avLst/>
+            </a:prstGeom>
+            <a:ln w="12700">
+              <a:tailEnd type="triangle"/>
+            </a:ln>
+          </p:spPr>
+          <p:style>
+            <a:lnRef idx="1">
+              <a:schemeClr val="accent1"/>
+            </a:lnRef>
+            <a:fillRef idx="0">
+              <a:schemeClr val="accent1"/>
+            </a:fillRef>
+            <a:effectRef idx="0">
+              <a:schemeClr val="accent1"/>
+            </a:effectRef>
+            <a:fontRef idx="minor">
+              <a:schemeClr val="tx1"/>
+            </a:fontRef>
+          </p:style>
+        </p:cxnSp>
+        <p:cxnSp>
+          <p:nvCxnSpPr>
+            <p:cNvPr id="132" name="Straight Arrow Connector 131"/>
+            <p:cNvCxnSpPr>
+              <a:endCxn id="133" idx="1"/>
+            </p:cNvCxnSpPr>
+            <p:nvPr/>
+          </p:nvCxnSpPr>
+          <p:spPr>
+            <a:xfrm>
+              <a:off x="9287273" y="2503880"/>
+              <a:ext cx="793703" cy="1301424"/>
+            </a:xfrm>
+            <a:prstGeom prst="straightConnector1">
+              <a:avLst/>
+            </a:prstGeom>
+            <a:ln w="12700">
+              <a:tailEnd type="triangle"/>
+            </a:ln>
+          </p:spPr>
+          <p:style>
+            <a:lnRef idx="1">
+              <a:schemeClr val="accent1"/>
+            </a:lnRef>
+            <a:fillRef idx="0">
+              <a:schemeClr val="accent1"/>
+            </a:fillRef>
+            <a:effectRef idx="0">
+              <a:schemeClr val="accent1"/>
+            </a:effectRef>
+            <a:fontRef idx="minor">
+              <a:schemeClr val="tx1"/>
+            </a:fontRef>
+          </p:style>
+        </p:cxnSp>
+        <p:sp>
+          <p:nvSpPr>
+            <p:cNvPr id="133" name="Rounded Rectangle 132"/>
+            <p:cNvSpPr/>
+            <p:nvPr/>
+          </p:nvSpPr>
+          <p:spPr>
+            <a:xfrm>
+              <a:off x="10080976" y="3689042"/>
+              <a:ext cx="228600" cy="232523"/>
+            </a:xfrm>
+            <a:prstGeom prst="roundRect">
+              <a:avLst/>
+            </a:prstGeom>
+          </p:spPr>
+          <p:style>
+            <a:lnRef idx="2">
+              <a:schemeClr val="accent1">
+                <a:shade val="50000"/>
+              </a:schemeClr>
+            </a:lnRef>
+            <a:fillRef idx="1">
+              <a:schemeClr val="accent1"/>
+            </a:fillRef>
+            <a:effectRef idx="0">
+              <a:schemeClr val="accent1"/>
+            </a:effectRef>
+            <a:fontRef idx="minor">
+              <a:schemeClr val="lt1"/>
+            </a:fontRef>
+          </p:style>
+          <p:txBody>
+            <a:bodyPr rtlCol="0" anchor="ctr"/>
+            <a:lstStyle/>
+            <a:p>
+              <a:pPr algn="ctr"/>
+              <a:endParaRPr lang="en-US"/>
+            </a:p>
+          </p:txBody>
+        </p:sp>
+        <p:grpSp>
+          <p:nvGrpSpPr>
+            <p:cNvPr id="169" name="Group 168"/>
+            <p:cNvGrpSpPr/>
+            <p:nvPr/>
+          </p:nvGrpSpPr>
+          <p:grpSpPr>
+            <a:xfrm>
+              <a:off x="10038131" y="3623933"/>
+              <a:ext cx="313590" cy="329467"/>
+              <a:chOff x="10709995" y="3532845"/>
+              <a:chExt cx="313590" cy="329467"/>
+            </a:xfrm>
+          </p:grpSpPr>
+          <p:sp>
+            <p:nvSpPr>
+              <p:cNvPr id="134" name="TextBox 133"/>
+              <p:cNvSpPr txBox="1"/>
+              <p:nvPr/>
+            </p:nvSpPr>
+            <p:spPr>
+              <a:xfrm>
+                <a:off x="10709995" y="3532845"/>
+                <a:ext cx="253596" cy="276999"/>
+              </a:xfrm>
+              <a:prstGeom prst="rect">
+                <a:avLst/>
+              </a:prstGeom>
+              <a:noFill/>
+            </p:spPr>
+            <p:txBody>
+              <a:bodyPr wrap="none" rtlCol="0">
+                <a:spAutoFit/>
+              </a:bodyPr>
+              <a:lstStyle/>
+              <a:p>
+                <a:r>
+                  <a:rPr lang="en-US" sz="1200" dirty="0" smtClean="0"/>
+                  <a:t>y</a:t>
+                </a:r>
+                <a:endParaRPr lang="en-US" sz="1200" dirty="0"/>
+              </a:p>
+            </p:txBody>
+          </p:sp>
+          <p:sp>
+            <p:nvSpPr>
+              <p:cNvPr id="135" name="TextBox 134"/>
+              <p:cNvSpPr txBox="1"/>
+              <p:nvPr/>
+            </p:nvSpPr>
+            <p:spPr>
+              <a:xfrm>
+                <a:off x="10781211" y="3631480"/>
+                <a:ext cx="242374" cy="230832"/>
+              </a:xfrm>
+              <a:prstGeom prst="rect">
+                <a:avLst/>
+              </a:prstGeom>
+              <a:noFill/>
+            </p:spPr>
+            <p:txBody>
+              <a:bodyPr wrap="none" rtlCol="0">
+                <a:spAutoFit/>
+              </a:bodyPr>
+              <a:lstStyle/>
+              <a:p>
+                <a:r>
+                  <a:rPr lang="en-US" sz="900" dirty="0"/>
+                  <a:t>3</a:t>
+                </a:r>
+                <a:endParaRPr lang="en-US" sz="900" dirty="0"/>
+              </a:p>
+            </p:txBody>
+          </p:sp>
+        </p:grpSp>
+        <p:sp>
+          <p:nvSpPr>
+            <p:cNvPr id="136" name="Rounded Rectangle 135"/>
+            <p:cNvSpPr/>
+            <p:nvPr/>
+          </p:nvSpPr>
+          <p:spPr>
+            <a:xfrm>
+              <a:off x="10080976" y="3134218"/>
+              <a:ext cx="228600" cy="232523"/>
+            </a:xfrm>
+            <a:prstGeom prst="roundRect">
+              <a:avLst/>
+            </a:prstGeom>
+          </p:spPr>
+          <p:style>
+            <a:lnRef idx="2">
+              <a:schemeClr val="accent1">
+                <a:shade val="50000"/>
+              </a:schemeClr>
+            </a:lnRef>
+            <a:fillRef idx="1">
+              <a:schemeClr val="accent1"/>
+            </a:fillRef>
+            <a:effectRef idx="0">
+              <a:schemeClr val="accent1"/>
+            </a:effectRef>
+            <a:fontRef idx="minor">
+              <a:schemeClr val="lt1"/>
+            </a:fontRef>
+          </p:style>
+          <p:txBody>
+            <a:bodyPr rtlCol="0" anchor="ctr"/>
+            <a:lstStyle/>
+            <a:p>
+              <a:pPr algn="ctr"/>
+              <a:endParaRPr lang="en-US"/>
+            </a:p>
+          </p:txBody>
+        </p:sp>
+        <p:grpSp>
+          <p:nvGrpSpPr>
+            <p:cNvPr id="167" name="Group 166"/>
+            <p:cNvGrpSpPr/>
+            <p:nvPr/>
+          </p:nvGrpSpPr>
+          <p:grpSpPr>
+            <a:xfrm>
+              <a:off x="10036210" y="3070221"/>
+              <a:ext cx="306703" cy="326250"/>
+              <a:chOff x="10781211" y="2785043"/>
+              <a:chExt cx="306703" cy="326250"/>
+            </a:xfrm>
+          </p:grpSpPr>
+          <p:sp>
+            <p:nvSpPr>
+              <p:cNvPr id="137" name="TextBox 136"/>
+              <p:cNvSpPr txBox="1"/>
+              <p:nvPr/>
+            </p:nvSpPr>
+            <p:spPr>
+              <a:xfrm>
+                <a:off x="10781211" y="2785043"/>
+                <a:ext cx="253596" cy="276999"/>
+              </a:xfrm>
+              <a:prstGeom prst="rect">
+                <a:avLst/>
+              </a:prstGeom>
+              <a:noFill/>
+            </p:spPr>
+            <p:txBody>
+              <a:bodyPr wrap="none" rtlCol="0">
+                <a:spAutoFit/>
+              </a:bodyPr>
+              <a:lstStyle/>
+              <a:p>
+                <a:r>
+                  <a:rPr lang="en-US" sz="1200" dirty="0" smtClean="0"/>
+                  <a:t>y</a:t>
+                </a:r>
+                <a:endParaRPr lang="en-US" sz="1200" dirty="0"/>
+              </a:p>
+            </p:txBody>
+          </p:sp>
+          <p:sp>
+            <p:nvSpPr>
+              <p:cNvPr id="138" name="TextBox 137"/>
+              <p:cNvSpPr txBox="1"/>
+              <p:nvPr/>
+            </p:nvSpPr>
+            <p:spPr>
+              <a:xfrm>
+                <a:off x="10845540" y="2880461"/>
+                <a:ext cx="242374" cy="230832"/>
+              </a:xfrm>
+              <a:prstGeom prst="rect">
+                <a:avLst/>
+              </a:prstGeom>
+              <a:noFill/>
+            </p:spPr>
+            <p:txBody>
+              <a:bodyPr wrap="none" rtlCol="0">
+                <a:spAutoFit/>
+              </a:bodyPr>
+              <a:lstStyle/>
+              <a:p>
+                <a:r>
+                  <a:rPr lang="en-US" sz="900" dirty="0"/>
+                  <a:t>1</a:t>
+                </a:r>
+              </a:p>
+            </p:txBody>
+          </p:sp>
+        </p:grpSp>
+        <p:sp>
+          <p:nvSpPr>
+            <p:cNvPr id="139" name="Rectangle 138"/>
+            <p:cNvSpPr/>
+            <p:nvPr/>
+          </p:nvSpPr>
+          <p:spPr>
+            <a:xfrm>
+              <a:off x="9112674" y="3164368"/>
+              <a:ext cx="176743" cy="193577"/>
+            </a:xfrm>
+            <a:prstGeom prst="rect">
+              <a:avLst/>
+            </a:prstGeom>
+          </p:spPr>
+          <p:style>
+            <a:lnRef idx="2">
+              <a:schemeClr val="accent1">
+                <a:shade val="50000"/>
+              </a:schemeClr>
+            </a:lnRef>
+            <a:fillRef idx="1">
+              <a:schemeClr val="accent1"/>
+            </a:fillRef>
+            <a:effectRef idx="0">
+              <a:schemeClr val="accent1"/>
+            </a:effectRef>
+            <a:fontRef idx="minor">
+              <a:schemeClr val="lt1"/>
+            </a:fontRef>
+          </p:style>
+          <p:txBody>
+            <a:bodyPr rtlCol="0" anchor="ctr"/>
+            <a:lstStyle/>
+            <a:p>
+              <a:pPr algn="ctr"/>
+              <a:endParaRPr lang="en-US"/>
+            </a:p>
+          </p:txBody>
+        </p:sp>
+        <p:sp>
+          <p:nvSpPr>
+            <p:cNvPr id="140" name="Rectangle 139"/>
+            <p:cNvSpPr/>
+            <p:nvPr/>
+          </p:nvSpPr>
+          <p:spPr>
+            <a:xfrm>
+              <a:off x="9110010" y="3691039"/>
+              <a:ext cx="176743" cy="193577"/>
+            </a:xfrm>
+            <a:prstGeom prst="rect">
+              <a:avLst/>
+            </a:prstGeom>
+          </p:spPr>
+          <p:style>
+            <a:lnRef idx="2">
+              <a:schemeClr val="accent1">
+                <a:shade val="50000"/>
+              </a:schemeClr>
+            </a:lnRef>
+            <a:fillRef idx="1">
+              <a:schemeClr val="accent1"/>
+            </a:fillRef>
+            <a:effectRef idx="0">
+              <a:schemeClr val="accent1"/>
+            </a:effectRef>
+            <a:fontRef idx="minor">
+              <a:schemeClr val="lt1"/>
+            </a:fontRef>
+          </p:style>
+          <p:txBody>
+            <a:bodyPr rtlCol="0" anchor="ctr"/>
+            <a:lstStyle/>
+            <a:p>
+              <a:pPr algn="ctr"/>
+              <a:endParaRPr lang="en-US"/>
+            </a:p>
+          </p:txBody>
+        </p:sp>
+        <p:sp>
+          <p:nvSpPr>
+            <p:cNvPr id="141" name="Rectangle 140"/>
+            <p:cNvSpPr/>
+            <p:nvPr/>
+          </p:nvSpPr>
+          <p:spPr>
+            <a:xfrm>
+              <a:off x="9171618" y="3499209"/>
+              <a:ext cx="45719" cy="45719"/>
+            </a:xfrm>
+            <a:prstGeom prst="rect">
+              <a:avLst/>
+            </a:prstGeom>
+            <a:solidFill>
+              <a:schemeClr val="tx1"/>
+            </a:solidFill>
+            <a:ln>
+              <a:noFill/>
+            </a:ln>
+          </p:spPr>
+          <p:style>
+            <a:lnRef idx="2">
+              <a:schemeClr val="accent1">
+                <a:shade val="50000"/>
+              </a:schemeClr>
+            </a:lnRef>
+            <a:fillRef idx="1">
+              <a:schemeClr val="accent1"/>
+            </a:fillRef>
+            <a:effectRef idx="0">
+              <a:schemeClr val="accent1"/>
+            </a:effectRef>
+            <a:fontRef idx="minor">
+              <a:schemeClr val="lt1"/>
+            </a:fontRef>
+          </p:style>
+          <p:txBody>
+            <a:bodyPr rtlCol="0" anchor="ctr"/>
+            <a:lstStyle/>
+            <a:p>
+              <a:pPr algn="ctr"/>
+              <a:endParaRPr lang="en-US"/>
+            </a:p>
+          </p:txBody>
+        </p:sp>
+        <p:sp>
+          <p:nvSpPr>
+            <p:cNvPr id="142" name="Rectangle 141"/>
+            <p:cNvSpPr/>
+            <p:nvPr/>
+          </p:nvSpPr>
+          <p:spPr>
+            <a:xfrm>
+              <a:off x="9171516" y="3413369"/>
+              <a:ext cx="45719" cy="45719"/>
+            </a:xfrm>
+            <a:prstGeom prst="rect">
+              <a:avLst/>
+            </a:prstGeom>
+            <a:solidFill>
+              <a:schemeClr val="tx1"/>
+            </a:solidFill>
+            <a:ln>
+              <a:noFill/>
+            </a:ln>
+          </p:spPr>
+          <p:style>
+            <a:lnRef idx="2">
+              <a:schemeClr val="accent1">
+                <a:shade val="50000"/>
+              </a:schemeClr>
+            </a:lnRef>
+            <a:fillRef idx="1">
+              <a:schemeClr val="accent1"/>
+            </a:fillRef>
+            <a:effectRef idx="0">
+              <a:schemeClr val="accent1"/>
+            </a:effectRef>
+            <a:fontRef idx="minor">
+              <a:schemeClr val="lt1"/>
+            </a:fontRef>
+          </p:style>
+          <p:txBody>
+            <a:bodyPr rtlCol="0" anchor="ctr"/>
+            <a:lstStyle/>
+            <a:p>
+              <a:pPr algn="ctr"/>
+              <a:endParaRPr lang="en-US"/>
+            </a:p>
+          </p:txBody>
+        </p:sp>
+        <p:sp>
+          <p:nvSpPr>
+            <p:cNvPr id="143" name="Rectangle 142"/>
+            <p:cNvSpPr/>
+            <p:nvPr/>
+          </p:nvSpPr>
+          <p:spPr>
+            <a:xfrm>
+              <a:off x="9171516" y="3586263"/>
+              <a:ext cx="45719" cy="45719"/>
+            </a:xfrm>
+            <a:prstGeom prst="rect">
+              <a:avLst/>
+            </a:prstGeom>
+            <a:solidFill>
+              <a:schemeClr val="tx1"/>
+            </a:solidFill>
+            <a:ln>
+              <a:noFill/>
+            </a:ln>
+          </p:spPr>
+          <p:style>
+            <a:lnRef idx="2">
+              <a:schemeClr val="accent1">
+                <a:shade val="50000"/>
+              </a:schemeClr>
+            </a:lnRef>
+            <a:fillRef idx="1">
+              <a:schemeClr val="accent1"/>
+            </a:fillRef>
+            <a:effectRef idx="0">
+              <a:schemeClr val="accent1"/>
+            </a:effectRef>
+            <a:fontRef idx="minor">
+              <a:schemeClr val="lt1"/>
+            </a:fontRef>
+          </p:style>
+          <p:txBody>
+            <a:bodyPr rtlCol="0" anchor="ctr"/>
+            <a:lstStyle/>
+            <a:p>
+              <a:pPr algn="ctr"/>
+              <a:endParaRPr lang="en-US"/>
+            </a:p>
+          </p:txBody>
+        </p:sp>
+        <p:cxnSp>
+          <p:nvCxnSpPr>
+            <p:cNvPr id="144" name="Straight Arrow Connector 143"/>
+            <p:cNvCxnSpPr>
+              <a:endCxn id="136" idx="1"/>
+            </p:cNvCxnSpPr>
+            <p:nvPr/>
+          </p:nvCxnSpPr>
+          <p:spPr>
+            <a:xfrm flipV="1">
+              <a:off x="9289417" y="3250480"/>
+              <a:ext cx="791559" cy="10677"/>
+            </a:xfrm>
+            <a:prstGeom prst="straightConnector1">
+              <a:avLst/>
+            </a:prstGeom>
+            <a:ln w="12700">
+              <a:tailEnd type="triangle"/>
+            </a:ln>
+          </p:spPr>
+          <p:style>
+            <a:lnRef idx="1">
+              <a:schemeClr val="accent1"/>
+            </a:lnRef>
+            <a:fillRef idx="0">
+              <a:schemeClr val="accent1"/>
+            </a:fillRef>
+            <a:effectRef idx="0">
+              <a:schemeClr val="accent1"/>
+            </a:effectRef>
+            <a:fontRef idx="minor">
+              <a:schemeClr val="tx1"/>
+            </a:fontRef>
+          </p:style>
+        </p:cxnSp>
+        <p:cxnSp>
+          <p:nvCxnSpPr>
+            <p:cNvPr id="145" name="Straight Arrow Connector 144"/>
+            <p:cNvCxnSpPr>
+              <a:endCxn id="133" idx="1"/>
+            </p:cNvCxnSpPr>
+            <p:nvPr/>
+          </p:nvCxnSpPr>
+          <p:spPr>
+            <a:xfrm>
+              <a:off x="9286753" y="3787828"/>
+              <a:ext cx="794223" cy="17476"/>
+            </a:xfrm>
+            <a:prstGeom prst="straightConnector1">
+              <a:avLst/>
+            </a:prstGeom>
+            <a:ln w="12700">
+              <a:tailEnd type="triangle"/>
+            </a:ln>
+          </p:spPr>
+          <p:style>
+            <a:lnRef idx="1">
+              <a:schemeClr val="accent1"/>
+            </a:lnRef>
+            <a:fillRef idx="0">
+              <a:schemeClr val="accent1"/>
+            </a:fillRef>
+            <a:effectRef idx="0">
+              <a:schemeClr val="accent1"/>
+            </a:effectRef>
+            <a:fontRef idx="minor">
+              <a:schemeClr val="tx1"/>
+            </a:fontRef>
+          </p:style>
+        </p:cxnSp>
+        <p:sp>
+          <p:nvSpPr>
+            <p:cNvPr id="146" name="TextBox 145"/>
+            <p:cNvSpPr txBox="1"/>
+            <p:nvPr/>
+          </p:nvSpPr>
+          <p:spPr>
+            <a:xfrm>
+              <a:off x="3444015" y="1994183"/>
+              <a:ext cx="3131213" cy="307777"/>
+            </a:xfrm>
+            <a:prstGeom prst="rect">
+              <a:avLst/>
+            </a:prstGeom>
+            <a:noFill/>
+          </p:spPr>
+          <p:txBody>
+            <a:bodyPr wrap="square" rtlCol="0">
+              <a:spAutoFit/>
+            </a:bodyPr>
+            <a:lstStyle/>
+            <a:p>
+              <a:r>
+                <a:rPr lang="en-US" sz="1400" dirty="0" smtClean="0"/>
+                <a:t>2D Convolutions</a:t>
+              </a:r>
+              <a:endParaRPr lang="en-US" sz="1400" dirty="0"/>
+            </a:p>
+          </p:txBody>
+        </p:sp>
+        <p:sp>
+          <p:nvSpPr>
+            <p:cNvPr id="147" name="TextBox 146"/>
+            <p:cNvSpPr txBox="1"/>
+            <p:nvPr/>
+          </p:nvSpPr>
+          <p:spPr>
+            <a:xfrm>
+              <a:off x="7369130" y="2003757"/>
+              <a:ext cx="2026232" cy="307777"/>
+            </a:xfrm>
+            <a:prstGeom prst="rect">
+              <a:avLst/>
+            </a:prstGeom>
+            <a:noFill/>
+          </p:spPr>
+          <p:txBody>
+            <a:bodyPr wrap="square" rtlCol="0">
+              <a:spAutoFit/>
+            </a:bodyPr>
+            <a:lstStyle/>
+            <a:p>
+              <a:pPr algn="ctr"/>
+              <a:r>
+                <a:rPr lang="en-US" sz="1400" smtClean="0"/>
+                <a:t>LSTM</a:t>
+              </a:r>
+              <a:endParaRPr lang="en-US" sz="1400" dirty="0"/>
+            </a:p>
+          </p:txBody>
+        </p:sp>
+        <p:sp>
+          <p:nvSpPr>
+            <p:cNvPr id="148" name="TextBox 147"/>
+            <p:cNvSpPr txBox="1"/>
+            <p:nvPr/>
+          </p:nvSpPr>
+          <p:spPr>
+            <a:xfrm>
+              <a:off x="8080294" y="1997292"/>
+              <a:ext cx="2230704" cy="307777"/>
+            </a:xfrm>
+            <a:prstGeom prst="rect">
+              <a:avLst/>
+            </a:prstGeom>
+            <a:noFill/>
+          </p:spPr>
+          <p:txBody>
+            <a:bodyPr wrap="square" rtlCol="0">
+              <a:spAutoFit/>
+            </a:bodyPr>
+            <a:lstStyle/>
+            <a:p>
+              <a:pPr algn="ctr"/>
+              <a:r>
+                <a:rPr lang="en-US" sz="1400" dirty="0" smtClean="0"/>
+                <a:t>FC Layer</a:t>
+              </a:r>
+              <a:endParaRPr lang="en-US" sz="1400" dirty="0"/>
+            </a:p>
+          </p:txBody>
+        </p:sp>
+        <p:sp>
+          <p:nvSpPr>
+            <p:cNvPr id="149" name="TextBox 148"/>
+            <p:cNvSpPr txBox="1"/>
+            <p:nvPr/>
+          </p:nvSpPr>
+          <p:spPr>
+            <a:xfrm>
+              <a:off x="9141471" y="2394400"/>
+              <a:ext cx="2054614" cy="307777"/>
+            </a:xfrm>
+            <a:prstGeom prst="rect">
+              <a:avLst/>
+            </a:prstGeom>
+            <a:noFill/>
+          </p:spPr>
+          <p:txBody>
+            <a:bodyPr wrap="square" rtlCol="0">
+              <a:spAutoFit/>
+            </a:bodyPr>
+            <a:lstStyle/>
+            <a:p>
+              <a:pPr algn="ctr"/>
+              <a:r>
+                <a:rPr lang="en-US" sz="1400" dirty="0" smtClean="0"/>
+                <a:t>Output</a:t>
+              </a:r>
+              <a:endParaRPr lang="en-US" dirty="0"/>
+            </a:p>
+          </p:txBody>
+        </p:sp>
+        <p:sp>
+          <p:nvSpPr>
+            <p:cNvPr id="150" name="Rounded Rectangle 149"/>
+            <p:cNvSpPr/>
+            <p:nvPr/>
+          </p:nvSpPr>
+          <p:spPr>
+            <a:xfrm>
+              <a:off x="10081677" y="3406684"/>
+              <a:ext cx="228600" cy="232523"/>
+            </a:xfrm>
+            <a:prstGeom prst="roundRect">
+              <a:avLst/>
+            </a:prstGeom>
+          </p:spPr>
+          <p:style>
+            <a:lnRef idx="2">
+              <a:schemeClr val="accent1">
+                <a:shade val="50000"/>
+              </a:schemeClr>
+            </a:lnRef>
+            <a:fillRef idx="1">
+              <a:schemeClr val="accent1"/>
+            </a:fillRef>
+            <a:effectRef idx="0">
+              <a:schemeClr val="accent1"/>
+            </a:effectRef>
+            <a:fontRef idx="minor">
+              <a:schemeClr val="lt1"/>
+            </a:fontRef>
+          </p:style>
+          <p:txBody>
+            <a:bodyPr rtlCol="0" anchor="ctr"/>
+            <a:lstStyle/>
+            <a:p>
+              <a:pPr algn="ctr"/>
+              <a:endParaRPr lang="en-US"/>
+            </a:p>
+          </p:txBody>
+        </p:sp>
+        <p:grpSp>
+          <p:nvGrpSpPr>
+            <p:cNvPr id="168" name="Group 167"/>
+            <p:cNvGrpSpPr/>
+            <p:nvPr/>
+          </p:nvGrpSpPr>
+          <p:grpSpPr>
+            <a:xfrm>
+              <a:off x="10045252" y="3338984"/>
+              <a:ext cx="306703" cy="326250"/>
+              <a:chOff x="10970478" y="3226662"/>
+              <a:chExt cx="306703" cy="326250"/>
+            </a:xfrm>
+          </p:grpSpPr>
+          <p:sp>
+            <p:nvSpPr>
+              <p:cNvPr id="165" name="TextBox 164"/>
+              <p:cNvSpPr txBox="1"/>
+              <p:nvPr/>
+            </p:nvSpPr>
+            <p:spPr>
+              <a:xfrm>
+                <a:off x="10970478" y="3226662"/>
+                <a:ext cx="253596" cy="276999"/>
+              </a:xfrm>
+              <a:prstGeom prst="rect">
+                <a:avLst/>
+              </a:prstGeom>
+              <a:noFill/>
+            </p:spPr>
+            <p:txBody>
+              <a:bodyPr wrap="none" rtlCol="0">
+                <a:spAutoFit/>
+              </a:bodyPr>
+              <a:lstStyle/>
+              <a:p>
+                <a:r>
+                  <a:rPr lang="en-US" sz="1200" dirty="0" smtClean="0"/>
+                  <a:t>y</a:t>
+                </a:r>
+                <a:endParaRPr lang="en-US" sz="1200" dirty="0"/>
+              </a:p>
+            </p:txBody>
+          </p:sp>
+          <p:sp>
+            <p:nvSpPr>
+              <p:cNvPr id="166" name="TextBox 165"/>
+              <p:cNvSpPr txBox="1"/>
+              <p:nvPr/>
+            </p:nvSpPr>
+            <p:spPr>
+              <a:xfrm>
+                <a:off x="11034807" y="3322080"/>
+                <a:ext cx="242374" cy="230832"/>
+              </a:xfrm>
+              <a:prstGeom prst="rect">
+                <a:avLst/>
+              </a:prstGeom>
+              <a:noFill/>
+            </p:spPr>
+            <p:txBody>
+              <a:bodyPr wrap="none" rtlCol="0">
+                <a:spAutoFit/>
+              </a:bodyPr>
+              <a:lstStyle/>
+              <a:p>
+                <a:r>
+                  <a:rPr lang="en-US" sz="900" dirty="0"/>
+                  <a:t>2</a:t>
+                </a:r>
+                <a:endParaRPr lang="en-US" sz="900" dirty="0"/>
+              </a:p>
+            </p:txBody>
+          </p:sp>
+        </p:grpSp>
+        <p:cxnSp>
+          <p:nvCxnSpPr>
+            <p:cNvPr id="174" name="Straight Arrow Connector 173"/>
+            <p:cNvCxnSpPr>
+              <a:endCxn id="150" idx="1"/>
+            </p:cNvCxnSpPr>
+            <p:nvPr/>
+          </p:nvCxnSpPr>
+          <p:spPr>
+            <a:xfrm>
+              <a:off x="9289417" y="2513012"/>
+              <a:ext cx="792260" cy="1009934"/>
+            </a:xfrm>
+            <a:prstGeom prst="straightConnector1">
+              <a:avLst/>
+            </a:prstGeom>
+            <a:ln w="12700">
+              <a:tailEnd type="triangle"/>
+            </a:ln>
+          </p:spPr>
+          <p:style>
+            <a:lnRef idx="1">
+              <a:schemeClr val="accent1"/>
+            </a:lnRef>
+            <a:fillRef idx="0">
+              <a:schemeClr val="accent1"/>
+            </a:fillRef>
+            <a:effectRef idx="0">
+              <a:schemeClr val="accent1"/>
+            </a:effectRef>
+            <a:fontRef idx="minor">
+              <a:schemeClr val="tx1"/>
+            </a:fontRef>
+          </p:style>
+        </p:cxnSp>
+        <p:cxnSp>
+          <p:nvCxnSpPr>
+            <p:cNvPr id="177" name="Straight Arrow Connector 176"/>
+            <p:cNvCxnSpPr>
+              <a:endCxn id="150" idx="1"/>
+            </p:cNvCxnSpPr>
+            <p:nvPr/>
+          </p:nvCxnSpPr>
+          <p:spPr>
+            <a:xfrm>
+              <a:off x="9298594" y="2755853"/>
+              <a:ext cx="783083" cy="767093"/>
+            </a:xfrm>
+            <a:prstGeom prst="straightConnector1">
+              <a:avLst/>
+            </a:prstGeom>
+            <a:ln w="12700">
+              <a:tailEnd type="triangle"/>
+            </a:ln>
+          </p:spPr>
+          <p:style>
+            <a:lnRef idx="1">
+              <a:schemeClr val="accent1"/>
+            </a:lnRef>
+            <a:fillRef idx="0">
+              <a:schemeClr val="accent1"/>
+            </a:fillRef>
+            <a:effectRef idx="0">
+              <a:schemeClr val="accent1"/>
+            </a:effectRef>
+            <a:fontRef idx="minor">
+              <a:schemeClr val="tx1"/>
+            </a:fontRef>
+          </p:style>
+        </p:cxnSp>
+        <p:cxnSp>
+          <p:nvCxnSpPr>
+            <p:cNvPr id="180" name="Straight Arrow Connector 179"/>
+            <p:cNvCxnSpPr>
+              <a:stCxn id="112" idx="3"/>
+              <a:endCxn id="150" idx="1"/>
+            </p:cNvCxnSpPr>
+            <p:nvPr/>
+          </p:nvCxnSpPr>
+          <p:spPr>
+            <a:xfrm>
+              <a:off x="9287273" y="3007701"/>
+              <a:ext cx="794404" cy="515245"/>
+            </a:xfrm>
+            <a:prstGeom prst="straightConnector1">
+              <a:avLst/>
+            </a:prstGeom>
+            <a:ln w="12700">
+              <a:tailEnd type="triangle"/>
+            </a:ln>
+          </p:spPr>
+          <p:style>
+            <a:lnRef idx="1">
+              <a:schemeClr val="accent1"/>
+            </a:lnRef>
+            <a:fillRef idx="0">
+              <a:schemeClr val="accent1"/>
+            </a:fillRef>
+            <a:effectRef idx="0">
+              <a:schemeClr val="accent1"/>
+            </a:effectRef>
+            <a:fontRef idx="minor">
+              <a:schemeClr val="tx1"/>
+            </a:fontRef>
+          </p:style>
+        </p:cxnSp>
+        <p:cxnSp>
+          <p:nvCxnSpPr>
+            <p:cNvPr id="183" name="Straight Arrow Connector 182"/>
+            <p:cNvCxnSpPr>
+              <a:stCxn id="139" idx="3"/>
+              <a:endCxn id="150" idx="1"/>
+            </p:cNvCxnSpPr>
+            <p:nvPr/>
+          </p:nvCxnSpPr>
+          <p:spPr>
+            <a:xfrm>
+              <a:off x="9289417" y="3261157"/>
+              <a:ext cx="792260" cy="261789"/>
+            </a:xfrm>
+            <a:prstGeom prst="straightConnector1">
+              <a:avLst/>
+            </a:prstGeom>
+            <a:ln w="12700">
+              <a:tailEnd type="triangle"/>
+            </a:ln>
+          </p:spPr>
+          <p:style>
+            <a:lnRef idx="1">
+              <a:schemeClr val="accent1"/>
+            </a:lnRef>
+            <a:fillRef idx="0">
+              <a:schemeClr val="accent1"/>
+            </a:fillRef>
+            <a:effectRef idx="0">
+              <a:schemeClr val="accent1"/>
+            </a:effectRef>
+            <a:fontRef idx="minor">
+              <a:schemeClr val="tx1"/>
+            </a:fontRef>
+          </p:style>
+        </p:cxnSp>
+        <p:cxnSp>
+          <p:nvCxnSpPr>
+            <p:cNvPr id="186" name="Straight Arrow Connector 185"/>
+            <p:cNvCxnSpPr>
+              <a:endCxn id="150" idx="1"/>
+            </p:cNvCxnSpPr>
+            <p:nvPr/>
+          </p:nvCxnSpPr>
+          <p:spPr>
+            <a:xfrm flipV="1">
+              <a:off x="9298594" y="3522946"/>
+              <a:ext cx="783083" cy="278192"/>
+            </a:xfrm>
+            <a:prstGeom prst="straightConnector1">
+              <a:avLst/>
+            </a:prstGeom>
+            <a:ln w="12700">
+              <a:tailEnd type="triangle"/>
+            </a:ln>
+          </p:spPr>
+          <p:style>
+            <a:lnRef idx="1">
+              <a:schemeClr val="accent1"/>
+            </a:lnRef>
+            <a:fillRef idx="0">
+              <a:schemeClr val="accent1"/>
+            </a:fillRef>
+            <a:effectRef idx="0">
+              <a:schemeClr val="accent1"/>
+            </a:effectRef>
+            <a:fontRef idx="minor">
+              <a:schemeClr val="tx1"/>
+            </a:fontRef>
+          </p:style>
+        </p:cxnSp>
+        <p:cxnSp>
+          <p:nvCxnSpPr>
+            <p:cNvPr id="189" name="Straight Arrow Connector 188"/>
+            <p:cNvCxnSpPr>
+              <a:endCxn id="150" idx="1"/>
+            </p:cNvCxnSpPr>
+            <p:nvPr/>
+          </p:nvCxnSpPr>
+          <p:spPr>
+            <a:xfrm flipV="1">
+              <a:off x="9295930" y="3522946"/>
+              <a:ext cx="785747" cy="520972"/>
+            </a:xfrm>
+            <a:prstGeom prst="straightConnector1">
+              <a:avLst/>
+            </a:prstGeom>
+            <a:ln w="12700">
+              <a:tailEnd type="triangle"/>
+            </a:ln>
+          </p:spPr>
+          <p:style>
+            <a:lnRef idx="1">
+              <a:schemeClr val="accent1"/>
+            </a:lnRef>
+            <a:fillRef idx="0">
+              <a:schemeClr val="accent1"/>
+            </a:fillRef>
+            <a:effectRef idx="0">
+              <a:schemeClr val="accent1"/>
+            </a:effectRef>
+            <a:fontRef idx="minor">
+              <a:schemeClr val="tx1"/>
+            </a:fontRef>
+          </p:style>
+        </p:cxnSp>
+        <p:cxnSp>
+          <p:nvCxnSpPr>
+            <p:cNvPr id="192" name="Straight Arrow Connector 191"/>
+            <p:cNvCxnSpPr>
+              <a:endCxn id="150" idx="1"/>
+            </p:cNvCxnSpPr>
+            <p:nvPr/>
+          </p:nvCxnSpPr>
+          <p:spPr>
+            <a:xfrm flipV="1">
+              <a:off x="9303132" y="3522946"/>
+              <a:ext cx="778545" cy="777832"/>
+            </a:xfrm>
+            <a:prstGeom prst="straightConnector1">
+              <a:avLst/>
+            </a:prstGeom>
+            <a:ln w="12700">
+              <a:tailEnd type="triangle"/>
+            </a:ln>
+          </p:spPr>
+          <p:style>
+            <a:lnRef idx="1">
+              <a:schemeClr val="accent1"/>
+            </a:lnRef>
+            <a:fillRef idx="0">
+              <a:schemeClr val="accent1"/>
+            </a:fillRef>
+            <a:effectRef idx="0">
+              <a:schemeClr val="accent1"/>
+            </a:effectRef>
+            <a:fontRef idx="minor">
+              <a:schemeClr val="tx1"/>
+            </a:fontRef>
+          </p:style>
+        </p:cxnSp>
+        <p:cxnSp>
+          <p:nvCxnSpPr>
+            <p:cNvPr id="195" name="Straight Arrow Connector 194"/>
+            <p:cNvCxnSpPr>
+              <a:stCxn id="115" idx="3"/>
+              <a:endCxn id="150" idx="1"/>
+            </p:cNvCxnSpPr>
+            <p:nvPr/>
+          </p:nvCxnSpPr>
+          <p:spPr>
+            <a:xfrm flipV="1">
+              <a:off x="9286753" y="3522946"/>
+              <a:ext cx="794924" cy="1032283"/>
+            </a:xfrm>
+            <a:prstGeom prst="straightConnector1">
+              <a:avLst/>
+            </a:prstGeom>
+            <a:ln w="12700">
+              <a:tailEnd type="triangle"/>
+            </a:ln>
+          </p:spPr>
+          <p:style>
+            <a:lnRef idx="1">
+              <a:schemeClr val="accent1"/>
+            </a:lnRef>
+            <a:fillRef idx="0">
+              <a:schemeClr val="accent1"/>
+            </a:fillRef>
+            <a:effectRef idx="0">
+              <a:schemeClr val="accent1"/>
+            </a:effectRef>
+            <a:fontRef idx="minor">
+              <a:schemeClr val="tx1"/>
+            </a:fontRef>
+          </p:style>
+        </p:cxnSp>
+        <p:sp>
+          <p:nvSpPr>
+            <p:cNvPr id="198" name="TextBox 197"/>
+            <p:cNvSpPr txBox="1"/>
+            <p:nvPr/>
+          </p:nvSpPr>
+          <p:spPr>
+            <a:xfrm>
+              <a:off x="1413294" y="2534357"/>
+              <a:ext cx="2054614" cy="307777"/>
+            </a:xfrm>
+            <a:prstGeom prst="rect">
+              <a:avLst/>
+            </a:prstGeom>
+            <a:noFill/>
+          </p:spPr>
+          <p:txBody>
+            <a:bodyPr wrap="square" rtlCol="0">
+              <a:spAutoFit/>
+            </a:bodyPr>
+            <a:lstStyle/>
+            <a:p>
+              <a:pPr algn="ctr"/>
+              <a:r>
+                <a:rPr lang="en-US" sz="1400" smtClean="0"/>
+                <a:t>Input</a:t>
+              </a:r>
+              <a:endParaRPr lang="en-US" dirty="0"/>
+            </a:p>
+          </p:txBody>
+        </p:sp>
+      </p:grpSp>
+    </p:spTree>
+    <p:extLst>
+      <p:ext uri="{BB962C8B-B14F-4D97-AF65-F5344CB8AC3E}">
+        <p14:creationId xmlns:p14="http://schemas.microsoft.com/office/powerpoint/2010/main" val="2020236602"/>
+      </p:ext>
+    </p:extLst>
+  </p:cSld>
+  <p:clrMapOvr>
+    <a:masterClrMapping/>
+  </p:clrMapOvr>
+</p:sld>
+</file>
+
 <file path=ppt/theme/theme1.xml><?xml version="1.0" encoding="utf-8"?>
 <a:theme xmlns:a="http://schemas.openxmlformats.org/drawingml/2006/main" name="Office Theme">
   <a:themeElements>
